--- a/Slides/Slides.pptx
+++ b/Slides/Slides.pptx
@@ -1,64 +1,64 @@
 
 <file path=ppt/presentation.xml><?xml version="1.0" encoding="utf-8"?>
-<p:presentation xmlns:a="http://schemas.openxmlformats.org/drawingml/2006/main" xmlns:r="http://schemas.openxmlformats.org/officeDocument/2006/relationships" xmlns:p="http://schemas.openxmlformats.org/presentationml/2006/main" saveSubsetFonts="1" embedTrueTypeFonts="true">
+<p:presentation xmlns:a="http://schemas.openxmlformats.org/drawingml/2006/main" xmlns:r="http://schemas.openxmlformats.org/officeDocument/2006/relationships" xmlns:p="http://schemas.openxmlformats.org/presentationml/2006/main" embedTrueTypeFonts="1" saveSubsetFonts="1">
   <p:sldMasterIdLst>
     <p:sldMasterId id="2147483648" r:id="rId1"/>
   </p:sldMasterIdLst>
   <p:sldIdLst>
-    <p:sldId id="256" r:id="rId6"/>
-    <p:sldId id="257" r:id="rId7"/>
-    <p:sldId id="258" r:id="rId8"/>
-    <p:sldId id="259" r:id="rId9"/>
-    <p:sldId id="260" r:id="rId10"/>
-    <p:sldId id="261" r:id="rId11"/>
-    <p:sldId id="262" r:id="rId12"/>
-    <p:sldId id="263" r:id="rId13"/>
-    <p:sldId id="264" r:id="rId14"/>
-    <p:sldId id="265" r:id="rId15"/>
-    <p:sldId id="266" r:id="rId16"/>
-    <p:sldId id="267" r:id="rId17"/>
-    <p:sldId id="268" r:id="rId18"/>
-    <p:sldId id="269" r:id="rId19"/>
-    <p:sldId id="270" r:id="rId20"/>
-    <p:sldId id="271" r:id="rId21"/>
-    <p:sldId id="272" r:id="rId22"/>
-    <p:sldId id="273" r:id="rId23"/>
-    <p:sldId id="274" r:id="rId24"/>
-    <p:sldId id="275" r:id="rId25"/>
-    <p:sldId id="276" r:id="rId26"/>
-    <p:sldId id="277" r:id="rId27"/>
-    <p:sldId id="278" r:id="rId28"/>
+    <p:sldId id="256" r:id="rId2"/>
+    <p:sldId id="257" r:id="rId3"/>
+    <p:sldId id="258" r:id="rId4"/>
+    <p:sldId id="259" r:id="rId5"/>
+    <p:sldId id="260" r:id="rId6"/>
+    <p:sldId id="261" r:id="rId7"/>
+    <p:sldId id="262" r:id="rId8"/>
+    <p:sldId id="263" r:id="rId9"/>
+    <p:sldId id="264" r:id="rId10"/>
+    <p:sldId id="265" r:id="rId11"/>
+    <p:sldId id="266" r:id="rId12"/>
+    <p:sldId id="267" r:id="rId13"/>
+    <p:sldId id="268" r:id="rId14"/>
+    <p:sldId id="269" r:id="rId15"/>
+    <p:sldId id="270" r:id="rId16"/>
+    <p:sldId id="271" r:id="rId17"/>
+    <p:sldId id="272" r:id="rId18"/>
+    <p:sldId id="273" r:id="rId19"/>
+    <p:sldId id="274" r:id="rId20"/>
+    <p:sldId id="275" r:id="rId21"/>
+    <p:sldId id="276" r:id="rId22"/>
+    <p:sldId id="277" r:id="rId23"/>
+    <p:sldId id="278" r:id="rId24"/>
   </p:sldIdLst>
   <p:sldSz cx="18288000" cy="10287000"/>
   <p:notesSz cx="6858000" cy="9144000"/>
   <p:embeddedFontLst>
     <p:embeddedFont>
-      <p:font typeface="Oswald Bold" charset="1" panose="00000800000000000000"/>
+      <p:font typeface="Glacial Indifference" panose="020B0604020202020204" charset="0"/>
+      <p:regular r:id="rId25"/>
+    </p:embeddedFont>
+    <p:embeddedFont>
+      <p:font typeface="Montserrat" panose="00000500000000000000" pitchFamily="2" charset="0"/>
+      <p:regular r:id="rId26"/>
+    </p:embeddedFont>
+    <p:embeddedFont>
+      <p:font typeface="Open Sans" panose="020B0606030504020204" pitchFamily="34" charset="0"/>
+      <p:regular r:id="rId27"/>
+    </p:embeddedFont>
+    <p:embeddedFont>
+      <p:font typeface="Open Sans Bold" panose="020B0806030504020204" charset="0"/>
+      <p:regular r:id="rId28"/>
+    </p:embeddedFont>
+    <p:embeddedFont>
+      <p:font typeface="Open Sans Bold Italics" panose="020B0604020202020204" charset="0"/>
       <p:regular r:id="rId29"/>
     </p:embeddedFont>
     <p:embeddedFont>
-      <p:font typeface="Open Sans Bold" charset="1" panose="020B0806030504020204"/>
+      <p:font typeface="Oswald" panose="00000500000000000000" pitchFamily="2" charset="0"/>
       <p:regular r:id="rId30"/>
     </p:embeddedFont>
     <p:embeddedFont>
-      <p:font typeface="Open Sans" charset="1" panose="020B0606030504020204"/>
+      <p:font typeface="Oswald Bold" panose="00000800000000000000" charset="0"/>
       <p:regular r:id="rId31"/>
-    </p:embeddedFont>
-    <p:embeddedFont>
-      <p:font typeface="Oswald" charset="1" panose="00000500000000000000"/>
-      <p:regular r:id="rId32"/>
-    </p:embeddedFont>
-    <p:embeddedFont>
-      <p:font typeface="Glacial Indifference" charset="1" panose="00000000000000000000"/>
-      <p:regular r:id="rId33"/>
-    </p:embeddedFont>
-    <p:embeddedFont>
-      <p:font typeface="Open Sans Bold Italics" charset="1" panose="020B0806030504020204"/>
-      <p:regular r:id="rId34"/>
-    </p:embeddedFont>
-    <p:embeddedFont>
-      <p:font typeface="Montserrat" charset="1" panose="00000500000000000000"/>
-      <p:regular r:id="rId35"/>
     </p:embeddedFont>
   </p:embeddedFontLst>
   <p:defaultTextStyle>
@@ -156,6 +156,22 @@
       </a:defRPr>
     </a:lvl9pPr>
   </p:defaultTextStyle>
+  <p:extLst>
+    <p:ext uri="{EFAFB233-063F-42B5-8137-9DF3F51BA10A}">
+      <p15:sldGuideLst xmlns:p15="http://schemas.microsoft.com/office/powerpoint/2012/main">
+        <p15:guide id="1" orient="horz" pos="2160">
+          <p15:clr>
+            <a:srgbClr val="A4A3A4"/>
+          </p15:clr>
+        </p15:guide>
+        <p15:guide id="2" pos="2880">
+          <p15:clr>
+            <a:srgbClr val="A4A3A4"/>
+          </p15:clr>
+        </p15:guide>
+      </p15:sldGuideLst>
+    </p:ext>
+  </p:extLst>
 </p:presentation>
 </file>
 
@@ -197,10 +213,9 @@
           <a:lstStyle/>
           <a:p>
             <a:r>
-              <a:rPr lang="en-US" smtClean="0"/>
+              <a:rPr lang="en-US"/>
               <a:t>Click to edit Master title style</a:t>
             </a:r>
-            <a:endParaRPr lang="en-US"/>
           </a:p>
         </p:txBody>
       </p:sp>
@@ -316,10 +331,9 @@
           </a:lstStyle>
           <a:p>
             <a:r>
-              <a:rPr lang="en-US" smtClean="0"/>
+              <a:rPr lang="en-US"/>
               <a:t>Click to edit Master subtitle style</a:t>
             </a:r>
-            <a:endParaRPr lang="en-US"/>
           </a:p>
         </p:txBody>
       </p:sp>
@@ -341,7 +355,7 @@
             <a:fld id="{1D8BD707-D9CF-40AE-B4C6-C98DA3205C09}" type="datetimeFigureOut">
               <a:rPr lang="en-US" smtClean="0"/>
               <a:pPr/>
-              <a:t>8/1/2011</a:t>
+              <a:t>10/4/2024</a:t>
             </a:fld>
             <a:endParaRPr lang="en-US"/>
           </a:p>
@@ -384,7 +398,7 @@
             <a:fld id="{B6F15528-21DE-4FAA-801E-634DDDAF4B2B}" type="slidenum">
               <a:rPr lang="en-US" smtClean="0"/>
               <a:pPr/>
-              <a:t>‹#›</a:t>
+              <a:t>‹Nº›</a:t>
             </a:fld>
             <a:endParaRPr lang="en-US"/>
           </a:p>
@@ -431,10 +445,9 @@
           <a:lstStyle/>
           <a:p>
             <a:r>
-              <a:rPr lang="en-US" smtClean="0"/>
+              <a:rPr lang="en-US"/>
               <a:t>Click to edit Master title style</a:t>
             </a:r>
-            <a:endParaRPr lang="en-US"/>
           </a:p>
         </p:txBody>
       </p:sp>
@@ -455,38 +468,37 @@
           <a:p>
             <a:pPr lvl="0"/>
             <a:r>
-              <a:rPr lang="en-US" smtClean="0"/>
+              <a:rPr lang="en-US"/>
               <a:t>Click to edit Master text styles</a:t>
             </a:r>
           </a:p>
           <a:p>
             <a:pPr lvl="1"/>
             <a:r>
-              <a:rPr lang="en-US" smtClean="0"/>
+              <a:rPr lang="en-US"/>
               <a:t>Second level</a:t>
             </a:r>
           </a:p>
           <a:p>
             <a:pPr lvl="2"/>
             <a:r>
-              <a:rPr lang="en-US" smtClean="0"/>
+              <a:rPr lang="en-US"/>
               <a:t>Third level</a:t>
             </a:r>
           </a:p>
           <a:p>
             <a:pPr lvl="3"/>
             <a:r>
-              <a:rPr lang="en-US" smtClean="0"/>
+              <a:rPr lang="en-US"/>
               <a:t>Fourth level</a:t>
             </a:r>
           </a:p>
           <a:p>
             <a:pPr lvl="4"/>
             <a:r>
-              <a:rPr lang="en-US" smtClean="0"/>
+              <a:rPr lang="en-US"/>
               <a:t>Fifth level</a:t>
             </a:r>
-            <a:endParaRPr lang="en-US"/>
           </a:p>
         </p:txBody>
       </p:sp>
@@ -508,7 +520,7 @@
             <a:fld id="{1D8BD707-D9CF-40AE-B4C6-C98DA3205C09}" type="datetimeFigureOut">
               <a:rPr lang="en-US" smtClean="0"/>
               <a:pPr/>
-              <a:t>8/1/2011</a:t>
+              <a:t>10/4/2024</a:t>
             </a:fld>
             <a:endParaRPr lang="en-US"/>
           </a:p>
@@ -551,7 +563,7 @@
             <a:fld id="{B6F15528-21DE-4FAA-801E-634DDDAF4B2B}" type="slidenum">
               <a:rPr lang="en-US" smtClean="0"/>
               <a:pPr/>
-              <a:t>‹#›</a:t>
+              <a:t>‹Nº›</a:t>
             </a:fld>
             <a:endParaRPr lang="en-US"/>
           </a:p>
@@ -603,10 +615,9 @@
           <a:lstStyle/>
           <a:p>
             <a:r>
-              <a:rPr lang="en-US" smtClean="0"/>
+              <a:rPr lang="en-US"/>
               <a:t>Click to edit Master title style</a:t>
             </a:r>
-            <a:endParaRPr lang="en-US"/>
           </a:p>
         </p:txBody>
       </p:sp>
@@ -632,38 +643,37 @@
           <a:p>
             <a:pPr lvl="0"/>
             <a:r>
-              <a:rPr lang="en-US" smtClean="0"/>
+              <a:rPr lang="en-US"/>
               <a:t>Click to edit Master text styles</a:t>
             </a:r>
           </a:p>
           <a:p>
             <a:pPr lvl="1"/>
             <a:r>
-              <a:rPr lang="en-US" smtClean="0"/>
+              <a:rPr lang="en-US"/>
               <a:t>Second level</a:t>
             </a:r>
           </a:p>
           <a:p>
             <a:pPr lvl="2"/>
             <a:r>
-              <a:rPr lang="en-US" smtClean="0"/>
+              <a:rPr lang="en-US"/>
               <a:t>Third level</a:t>
             </a:r>
           </a:p>
           <a:p>
             <a:pPr lvl="3"/>
             <a:r>
-              <a:rPr lang="en-US" smtClean="0"/>
+              <a:rPr lang="en-US"/>
               <a:t>Fourth level</a:t>
             </a:r>
           </a:p>
           <a:p>
             <a:pPr lvl="4"/>
             <a:r>
-              <a:rPr lang="en-US" smtClean="0"/>
+              <a:rPr lang="en-US"/>
               <a:t>Fifth level</a:t>
             </a:r>
-            <a:endParaRPr lang="en-US"/>
           </a:p>
         </p:txBody>
       </p:sp>
@@ -685,7 +695,7 @@
             <a:fld id="{1D8BD707-D9CF-40AE-B4C6-C98DA3205C09}" type="datetimeFigureOut">
               <a:rPr lang="en-US" smtClean="0"/>
               <a:pPr/>
-              <a:t>8/1/2011</a:t>
+              <a:t>10/4/2024</a:t>
             </a:fld>
             <a:endParaRPr lang="en-US"/>
           </a:p>
@@ -728,7 +738,7 @@
             <a:fld id="{B6F15528-21DE-4FAA-801E-634DDDAF4B2B}" type="slidenum">
               <a:rPr lang="en-US" smtClean="0"/>
               <a:pPr/>
-              <a:t>‹#›</a:t>
+              <a:t>‹Nº›</a:t>
             </a:fld>
             <a:endParaRPr lang="en-US"/>
           </a:p>
@@ -775,10 +785,9 @@
           <a:lstStyle/>
           <a:p>
             <a:r>
-              <a:rPr lang="en-US" smtClean="0"/>
+              <a:rPr lang="en-US"/>
               <a:t>Click to edit Master title style</a:t>
             </a:r>
-            <a:endParaRPr lang="en-US"/>
           </a:p>
         </p:txBody>
       </p:sp>
@@ -799,38 +808,37 @@
           <a:p>
             <a:pPr lvl="0"/>
             <a:r>
-              <a:rPr lang="en-US" smtClean="0"/>
+              <a:rPr lang="en-US"/>
               <a:t>Click to edit Master text styles</a:t>
             </a:r>
           </a:p>
           <a:p>
             <a:pPr lvl="1"/>
             <a:r>
-              <a:rPr lang="en-US" smtClean="0"/>
+              <a:rPr lang="en-US"/>
               <a:t>Second level</a:t>
             </a:r>
           </a:p>
           <a:p>
             <a:pPr lvl="2"/>
             <a:r>
-              <a:rPr lang="en-US" smtClean="0"/>
+              <a:rPr lang="en-US"/>
               <a:t>Third level</a:t>
             </a:r>
           </a:p>
           <a:p>
             <a:pPr lvl="3"/>
             <a:r>
-              <a:rPr lang="en-US" smtClean="0"/>
+              <a:rPr lang="en-US"/>
               <a:t>Fourth level</a:t>
             </a:r>
           </a:p>
           <a:p>
             <a:pPr lvl="4"/>
             <a:r>
-              <a:rPr lang="en-US" smtClean="0"/>
+              <a:rPr lang="en-US"/>
               <a:t>Fifth level</a:t>
             </a:r>
-            <a:endParaRPr lang="en-US"/>
           </a:p>
         </p:txBody>
       </p:sp>
@@ -852,7 +860,7 @@
             <a:fld id="{1D8BD707-D9CF-40AE-B4C6-C98DA3205C09}" type="datetimeFigureOut">
               <a:rPr lang="en-US" smtClean="0"/>
               <a:pPr/>
-              <a:t>8/1/2011</a:t>
+              <a:t>10/4/2024</a:t>
             </a:fld>
             <a:endParaRPr lang="en-US"/>
           </a:p>
@@ -895,7 +903,7 @@
             <a:fld id="{B6F15528-21DE-4FAA-801E-634DDDAF4B2B}" type="slidenum">
               <a:rPr lang="en-US" smtClean="0"/>
               <a:pPr/>
-              <a:t>‹#›</a:t>
+              <a:t>‹Nº›</a:t>
             </a:fld>
             <a:endParaRPr lang="en-US"/>
           </a:p>
@@ -951,10 +959,9 @@
           </a:lstStyle>
           <a:p>
             <a:r>
-              <a:rPr lang="en-US" smtClean="0"/>
+              <a:rPr lang="en-US"/>
               <a:t>Click to edit Master title style</a:t>
             </a:r>
-            <a:endParaRPr lang="en-US"/>
           </a:p>
         </p:txBody>
       </p:sp>
@@ -1071,7 +1078,7 @@
           <a:p>
             <a:pPr lvl="0"/>
             <a:r>
-              <a:rPr lang="en-US" smtClean="0"/>
+              <a:rPr lang="en-US"/>
               <a:t>Click to edit Master text styles</a:t>
             </a:r>
           </a:p>
@@ -1095,7 +1102,7 @@
             <a:fld id="{1D8BD707-D9CF-40AE-B4C6-C98DA3205C09}" type="datetimeFigureOut">
               <a:rPr lang="en-US" smtClean="0"/>
               <a:pPr/>
-              <a:t>8/1/2011</a:t>
+              <a:t>10/4/2024</a:t>
             </a:fld>
             <a:endParaRPr lang="en-US"/>
           </a:p>
@@ -1138,7 +1145,7 @@
             <a:fld id="{B6F15528-21DE-4FAA-801E-634DDDAF4B2B}" type="slidenum">
               <a:rPr lang="en-US" smtClean="0"/>
               <a:pPr/>
-              <a:t>‹#›</a:t>
+              <a:t>‹Nº›</a:t>
             </a:fld>
             <a:endParaRPr lang="en-US"/>
           </a:p>
@@ -1185,10 +1192,9 @@
           <a:lstStyle/>
           <a:p>
             <a:r>
-              <a:rPr lang="en-US" smtClean="0"/>
+              <a:rPr lang="en-US"/>
               <a:t>Click to edit Master title style</a:t>
             </a:r>
-            <a:endParaRPr lang="en-US"/>
           </a:p>
         </p:txBody>
       </p:sp>
@@ -1242,38 +1248,37 @@
           <a:p>
             <a:pPr lvl="0"/>
             <a:r>
-              <a:rPr lang="en-US" smtClean="0"/>
+              <a:rPr lang="en-US"/>
               <a:t>Click to edit Master text styles</a:t>
             </a:r>
           </a:p>
           <a:p>
             <a:pPr lvl="1"/>
             <a:r>
-              <a:rPr lang="en-US" smtClean="0"/>
+              <a:rPr lang="en-US"/>
               <a:t>Second level</a:t>
             </a:r>
           </a:p>
           <a:p>
             <a:pPr lvl="2"/>
             <a:r>
-              <a:rPr lang="en-US" smtClean="0"/>
+              <a:rPr lang="en-US"/>
               <a:t>Third level</a:t>
             </a:r>
           </a:p>
           <a:p>
             <a:pPr lvl="3"/>
             <a:r>
-              <a:rPr lang="en-US" smtClean="0"/>
+              <a:rPr lang="en-US"/>
               <a:t>Fourth level</a:t>
             </a:r>
           </a:p>
           <a:p>
             <a:pPr lvl="4"/>
             <a:r>
-              <a:rPr lang="en-US" smtClean="0"/>
+              <a:rPr lang="en-US"/>
               <a:t>Fifth level</a:t>
             </a:r>
-            <a:endParaRPr lang="en-US"/>
           </a:p>
         </p:txBody>
       </p:sp>
@@ -1327,38 +1332,37 @@
           <a:p>
             <a:pPr lvl="0"/>
             <a:r>
-              <a:rPr lang="en-US" smtClean="0"/>
+              <a:rPr lang="en-US"/>
               <a:t>Click to edit Master text styles</a:t>
             </a:r>
           </a:p>
           <a:p>
             <a:pPr lvl="1"/>
             <a:r>
-              <a:rPr lang="en-US" smtClean="0"/>
+              <a:rPr lang="en-US"/>
               <a:t>Second level</a:t>
             </a:r>
           </a:p>
           <a:p>
             <a:pPr lvl="2"/>
             <a:r>
-              <a:rPr lang="en-US" smtClean="0"/>
+              <a:rPr lang="en-US"/>
               <a:t>Third level</a:t>
             </a:r>
           </a:p>
           <a:p>
             <a:pPr lvl="3"/>
             <a:r>
-              <a:rPr lang="en-US" smtClean="0"/>
+              <a:rPr lang="en-US"/>
               <a:t>Fourth level</a:t>
             </a:r>
           </a:p>
           <a:p>
             <a:pPr lvl="4"/>
             <a:r>
-              <a:rPr lang="en-US" smtClean="0"/>
+              <a:rPr lang="en-US"/>
               <a:t>Fifth level</a:t>
             </a:r>
-            <a:endParaRPr lang="en-US"/>
           </a:p>
         </p:txBody>
       </p:sp>
@@ -1380,7 +1384,7 @@
             <a:fld id="{1D8BD707-D9CF-40AE-B4C6-C98DA3205C09}" type="datetimeFigureOut">
               <a:rPr lang="en-US" smtClean="0"/>
               <a:pPr/>
-              <a:t>8/1/2011</a:t>
+              <a:t>10/4/2024</a:t>
             </a:fld>
             <a:endParaRPr lang="en-US"/>
           </a:p>
@@ -1423,7 +1427,7 @@
             <a:fld id="{B6F15528-21DE-4FAA-801E-634DDDAF4B2B}" type="slidenum">
               <a:rPr lang="en-US" smtClean="0"/>
               <a:pPr/>
-              <a:t>‹#›</a:t>
+              <a:t>‹Nº›</a:t>
             </a:fld>
             <a:endParaRPr lang="en-US"/>
           </a:p>
@@ -1474,10 +1478,9 @@
           </a:lstStyle>
           <a:p>
             <a:r>
-              <a:rPr lang="en-US" smtClean="0"/>
+              <a:rPr lang="en-US"/>
               <a:t>Click to edit Master title style</a:t>
             </a:r>
-            <a:endParaRPr lang="en-US"/>
           </a:p>
         </p:txBody>
       </p:sp>
@@ -1540,7 +1543,7 @@
           <a:p>
             <a:pPr lvl="0"/>
             <a:r>
-              <a:rPr lang="en-US" smtClean="0"/>
+              <a:rPr lang="en-US"/>
               <a:t>Click to edit Master text styles</a:t>
             </a:r>
           </a:p>
@@ -1596,38 +1599,37 @@
           <a:p>
             <a:pPr lvl="0"/>
             <a:r>
-              <a:rPr lang="en-US" smtClean="0"/>
+              <a:rPr lang="en-US"/>
               <a:t>Click to edit Master text styles</a:t>
             </a:r>
           </a:p>
           <a:p>
             <a:pPr lvl="1"/>
             <a:r>
-              <a:rPr lang="en-US" smtClean="0"/>
+              <a:rPr lang="en-US"/>
               <a:t>Second level</a:t>
             </a:r>
           </a:p>
           <a:p>
             <a:pPr lvl="2"/>
             <a:r>
-              <a:rPr lang="en-US" smtClean="0"/>
+              <a:rPr lang="en-US"/>
               <a:t>Third level</a:t>
             </a:r>
           </a:p>
           <a:p>
             <a:pPr lvl="3"/>
             <a:r>
-              <a:rPr lang="en-US" smtClean="0"/>
+              <a:rPr lang="en-US"/>
               <a:t>Fourth level</a:t>
             </a:r>
           </a:p>
           <a:p>
             <a:pPr lvl="4"/>
             <a:r>
-              <a:rPr lang="en-US" smtClean="0"/>
+              <a:rPr lang="en-US"/>
               <a:t>Fifth level</a:t>
             </a:r>
-            <a:endParaRPr lang="en-US"/>
           </a:p>
         </p:txBody>
       </p:sp>
@@ -1690,7 +1692,7 @@
           <a:p>
             <a:pPr lvl="0"/>
             <a:r>
-              <a:rPr lang="en-US" smtClean="0"/>
+              <a:rPr lang="en-US"/>
               <a:t>Click to edit Master text styles</a:t>
             </a:r>
           </a:p>
@@ -1746,38 +1748,37 @@
           <a:p>
             <a:pPr lvl="0"/>
             <a:r>
-              <a:rPr lang="en-US" smtClean="0"/>
+              <a:rPr lang="en-US"/>
               <a:t>Click to edit Master text styles</a:t>
             </a:r>
           </a:p>
           <a:p>
             <a:pPr lvl="1"/>
             <a:r>
-              <a:rPr lang="en-US" smtClean="0"/>
+              <a:rPr lang="en-US"/>
               <a:t>Second level</a:t>
             </a:r>
           </a:p>
           <a:p>
             <a:pPr lvl="2"/>
             <a:r>
-              <a:rPr lang="en-US" smtClean="0"/>
+              <a:rPr lang="en-US"/>
               <a:t>Third level</a:t>
             </a:r>
           </a:p>
           <a:p>
             <a:pPr lvl="3"/>
             <a:r>
-              <a:rPr lang="en-US" smtClean="0"/>
+              <a:rPr lang="en-US"/>
               <a:t>Fourth level</a:t>
             </a:r>
           </a:p>
           <a:p>
             <a:pPr lvl="4"/>
             <a:r>
-              <a:rPr lang="en-US" smtClean="0"/>
+              <a:rPr lang="en-US"/>
               <a:t>Fifth level</a:t>
             </a:r>
-            <a:endParaRPr lang="en-US"/>
           </a:p>
         </p:txBody>
       </p:sp>
@@ -1799,7 +1800,7 @@
             <a:fld id="{1D8BD707-D9CF-40AE-B4C6-C98DA3205C09}" type="datetimeFigureOut">
               <a:rPr lang="en-US" smtClean="0"/>
               <a:pPr/>
-              <a:t>8/1/2011</a:t>
+              <a:t>10/4/2024</a:t>
             </a:fld>
             <a:endParaRPr lang="en-US"/>
           </a:p>
@@ -1842,7 +1843,7 @@
             <a:fld id="{B6F15528-21DE-4FAA-801E-634DDDAF4B2B}" type="slidenum">
               <a:rPr lang="en-US" smtClean="0"/>
               <a:pPr/>
-              <a:t>‹#›</a:t>
+              <a:t>‹Nº›</a:t>
             </a:fld>
             <a:endParaRPr lang="en-US"/>
           </a:p>
@@ -1889,10 +1890,9 @@
           <a:lstStyle/>
           <a:p>
             <a:r>
-              <a:rPr lang="en-US" smtClean="0"/>
+              <a:rPr lang="en-US"/>
               <a:t>Click to edit Master title style</a:t>
             </a:r>
-            <a:endParaRPr lang="en-US"/>
           </a:p>
         </p:txBody>
       </p:sp>
@@ -1914,7 +1914,7 @@
             <a:fld id="{1D8BD707-D9CF-40AE-B4C6-C98DA3205C09}" type="datetimeFigureOut">
               <a:rPr lang="en-US" smtClean="0"/>
               <a:pPr/>
-              <a:t>8/1/2011</a:t>
+              <a:t>10/4/2024</a:t>
             </a:fld>
             <a:endParaRPr lang="en-US"/>
           </a:p>
@@ -1957,7 +1957,7 @@
             <a:fld id="{B6F15528-21DE-4FAA-801E-634DDDAF4B2B}" type="slidenum">
               <a:rPr lang="en-US" smtClean="0"/>
               <a:pPr/>
-              <a:t>‹#›</a:t>
+              <a:t>‹Nº›</a:t>
             </a:fld>
             <a:endParaRPr lang="en-US"/>
           </a:p>
@@ -2006,7 +2006,7 @@
             <a:fld id="{1D8BD707-D9CF-40AE-B4C6-C98DA3205C09}" type="datetimeFigureOut">
               <a:rPr lang="en-US" smtClean="0"/>
               <a:pPr/>
-              <a:t>8/1/2011</a:t>
+              <a:t>10/4/2024</a:t>
             </a:fld>
             <a:endParaRPr lang="en-US"/>
           </a:p>
@@ -2049,7 +2049,7 @@
             <a:fld id="{B6F15528-21DE-4FAA-801E-634DDDAF4B2B}" type="slidenum">
               <a:rPr lang="en-US" smtClean="0"/>
               <a:pPr/>
-              <a:t>‹#›</a:t>
+              <a:t>‹Nº›</a:t>
             </a:fld>
             <a:endParaRPr lang="en-US"/>
           </a:p>
@@ -2105,10 +2105,9 @@
           </a:lstStyle>
           <a:p>
             <a:r>
-              <a:rPr lang="en-US" smtClean="0"/>
+              <a:rPr lang="en-US"/>
               <a:t>Click to edit Master title style</a:t>
             </a:r>
-            <a:endParaRPr lang="en-US"/>
           </a:p>
         </p:txBody>
       </p:sp>
@@ -2162,38 +2161,37 @@
           <a:p>
             <a:pPr lvl="0"/>
             <a:r>
-              <a:rPr lang="en-US" smtClean="0"/>
+              <a:rPr lang="en-US"/>
               <a:t>Click to edit Master text styles</a:t>
             </a:r>
           </a:p>
           <a:p>
             <a:pPr lvl="1"/>
             <a:r>
-              <a:rPr lang="en-US" smtClean="0"/>
+              <a:rPr lang="en-US"/>
               <a:t>Second level</a:t>
             </a:r>
           </a:p>
           <a:p>
             <a:pPr lvl="2"/>
             <a:r>
-              <a:rPr lang="en-US" smtClean="0"/>
+              <a:rPr lang="en-US"/>
               <a:t>Third level</a:t>
             </a:r>
           </a:p>
           <a:p>
             <a:pPr lvl="3"/>
             <a:r>
-              <a:rPr lang="en-US" smtClean="0"/>
+              <a:rPr lang="en-US"/>
               <a:t>Fourth level</a:t>
             </a:r>
           </a:p>
           <a:p>
             <a:pPr lvl="4"/>
             <a:r>
-              <a:rPr lang="en-US" smtClean="0"/>
+              <a:rPr lang="en-US"/>
               <a:t>Fifth level</a:t>
             </a:r>
-            <a:endParaRPr lang="en-US"/>
           </a:p>
         </p:txBody>
       </p:sp>
@@ -2256,7 +2254,7 @@
           <a:p>
             <a:pPr lvl="0"/>
             <a:r>
-              <a:rPr lang="en-US" smtClean="0"/>
+              <a:rPr lang="en-US"/>
               <a:t>Click to edit Master text styles</a:t>
             </a:r>
           </a:p>
@@ -2280,7 +2278,7 @@
             <a:fld id="{1D8BD707-D9CF-40AE-B4C6-C98DA3205C09}" type="datetimeFigureOut">
               <a:rPr lang="en-US" smtClean="0"/>
               <a:pPr/>
-              <a:t>8/1/2011</a:t>
+              <a:t>10/4/2024</a:t>
             </a:fld>
             <a:endParaRPr lang="en-US"/>
           </a:p>
@@ -2323,7 +2321,7 @@
             <a:fld id="{B6F15528-21DE-4FAA-801E-634DDDAF4B2B}" type="slidenum">
               <a:rPr lang="en-US" smtClean="0"/>
               <a:pPr/>
-              <a:t>‹#›</a:t>
+              <a:t>‹Nº›</a:t>
             </a:fld>
             <a:endParaRPr lang="en-US"/>
           </a:p>
@@ -2379,10 +2377,9 @@
           </a:lstStyle>
           <a:p>
             <a:r>
-              <a:rPr lang="en-US" smtClean="0"/>
+              <a:rPr lang="en-US"/>
               <a:t>Click to edit Master title style</a:t>
             </a:r>
-            <a:endParaRPr lang="en-US"/>
           </a:p>
         </p:txBody>
       </p:sp>
@@ -2506,7 +2503,7 @@
           <a:p>
             <a:pPr lvl="0"/>
             <a:r>
-              <a:rPr lang="en-US" smtClean="0"/>
+              <a:rPr lang="en-US"/>
               <a:t>Click to edit Master text styles</a:t>
             </a:r>
           </a:p>
@@ -2530,7 +2527,7 @@
             <a:fld id="{1D8BD707-D9CF-40AE-B4C6-C98DA3205C09}" type="datetimeFigureOut">
               <a:rPr lang="en-US" smtClean="0"/>
               <a:pPr/>
-              <a:t>8/1/2011</a:t>
+              <a:t>10/4/2024</a:t>
             </a:fld>
             <a:endParaRPr lang="en-US"/>
           </a:p>
@@ -2573,7 +2570,7 @@
             <a:fld id="{B6F15528-21DE-4FAA-801E-634DDDAF4B2B}" type="slidenum">
               <a:rPr lang="en-US" smtClean="0"/>
               <a:pPr/>
-              <a:t>‹#›</a:t>
+              <a:t>‹Nº›</a:t>
             </a:fld>
             <a:endParaRPr lang="en-US"/>
           </a:p>
@@ -2635,10 +2632,9 @@
           <a:lstStyle/>
           <a:p>
             <a:r>
-              <a:rPr lang="en-US" smtClean="0"/>
+              <a:rPr lang="en-US"/>
               <a:t>Click to edit Master title style</a:t>
             </a:r>
-            <a:endParaRPr lang="en-US"/>
           </a:p>
         </p:txBody>
       </p:sp>
@@ -2669,38 +2665,37 @@
           <a:p>
             <a:pPr lvl="0"/>
             <a:r>
-              <a:rPr lang="en-US" smtClean="0"/>
+              <a:rPr lang="en-US"/>
               <a:t>Click to edit Master text styles</a:t>
             </a:r>
           </a:p>
           <a:p>
             <a:pPr lvl="1"/>
             <a:r>
-              <a:rPr lang="en-US" smtClean="0"/>
+              <a:rPr lang="en-US"/>
               <a:t>Second level</a:t>
             </a:r>
           </a:p>
           <a:p>
             <a:pPr lvl="2"/>
             <a:r>
-              <a:rPr lang="en-US" smtClean="0"/>
+              <a:rPr lang="en-US"/>
               <a:t>Third level</a:t>
             </a:r>
           </a:p>
           <a:p>
             <a:pPr lvl="3"/>
             <a:r>
-              <a:rPr lang="en-US" smtClean="0"/>
+              <a:rPr lang="en-US"/>
               <a:t>Fourth level</a:t>
             </a:r>
           </a:p>
           <a:p>
             <a:pPr lvl="4"/>
             <a:r>
-              <a:rPr lang="en-US" smtClean="0"/>
+              <a:rPr lang="en-US"/>
               <a:t>Fifth level</a:t>
             </a:r>
-            <a:endParaRPr lang="en-US"/>
           </a:p>
         </p:txBody>
       </p:sp>
@@ -2740,7 +2735,7 @@
             <a:fld id="{1D8BD707-D9CF-40AE-B4C6-C98DA3205C09}" type="datetimeFigureOut">
               <a:rPr lang="en-US" smtClean="0"/>
               <a:pPr/>
-              <a:t>8/1/2011</a:t>
+              <a:t>10/4/2024</a:t>
             </a:fld>
             <a:endParaRPr lang="en-US"/>
           </a:p>
@@ -2819,7 +2814,7 @@
             <a:fld id="{B6F15528-21DE-4FAA-801E-634DDDAF4B2B}" type="slidenum">
               <a:rPr lang="en-US" smtClean="0"/>
               <a:pPr/>
-              <a:t>‹#›</a:t>
+              <a:t>‹Nº›</a:t>
             </a:fld>
             <a:endParaRPr lang="en-US"/>
           </a:p>
@@ -3095,13 +3090,14 @@
 </file>
 
 <file path=ppt/slides/slide1.xml><?xml version="1.0" encoding="utf-8"?>
-<p:sld xmlns:p="http://schemas.openxmlformats.org/presentationml/2006/main" xmlns:a="http://schemas.openxmlformats.org/drawingml/2006/main">
+<p:sld xmlns:a="http://schemas.openxmlformats.org/drawingml/2006/main" xmlns:r="http://schemas.openxmlformats.org/officeDocument/2006/relationships" xmlns:p="http://schemas.openxmlformats.org/presentationml/2006/main">
   <p:cSld>
     <p:bg>
       <p:bgPr>
         <a:solidFill>
           <a:srgbClr val="132232"/>
         </a:solidFill>
+        <a:effectLst/>
       </p:bgPr>
     </p:bg>
     <p:spTree>
@@ -3120,9 +3116,9 @@
       </p:grpSpPr>
       <p:grpSp>
         <p:nvGrpSpPr>
-          <p:cNvPr name="Group 2" id="2"/>
+          <p:cNvPr id="2" name="Group 2"/>
           <p:cNvGrpSpPr>
-            <a:grpSpLocks noChangeAspect="true"/>
+            <a:grpSpLocks noChangeAspect="1"/>
           </p:cNvGrpSpPr>
           <p:nvPr/>
         </p:nvGrpSpPr>
@@ -3136,12 +3132,12 @@
         </p:grpSpPr>
         <p:sp>
           <p:nvSpPr>
-            <p:cNvPr name="Freeform 3" id="3"/>
+            <p:cNvPr id="3" name="Freeform 3"/>
             <p:cNvSpPr/>
             <p:nvPr/>
           </p:nvSpPr>
           <p:spPr>
-            <a:xfrm flipH="false" flipV="false" rot="0">
+            <a:xfrm>
               <a:off x="4318" y="4318"/>
               <a:ext cx="3157347" cy="6273419"/>
             </a:xfrm>
@@ -3150,9 +3146,9 @@
               <a:gdLst/>
               <a:ahLst/>
               <a:cxnLst/>
-              <a:rect r="r" b="b" t="t" l="l"/>
+              <a:rect l="l" t="t" r="r" b="b"/>
               <a:pathLst>
-                <a:path h="6273419" w="3157347">
+                <a:path w="3157347" h="6273419">
                   <a:moveTo>
                     <a:pt x="3049651" y="6273419"/>
                   </a:moveTo>
@@ -3201,15 +3197,22 @@
               </a:solidFill>
             </a:ln>
           </p:spPr>
+          <p:txBody>
+            <a:bodyPr/>
+            <a:lstStyle/>
+            <a:p>
+              <a:endParaRPr lang="es-419"/>
+            </a:p>
+          </p:txBody>
         </p:sp>
         <p:sp>
           <p:nvSpPr>
-            <p:cNvPr name="Freeform 4" id="4"/>
+            <p:cNvPr id="4" name="Freeform 4"/>
             <p:cNvSpPr/>
             <p:nvPr/>
           </p:nvSpPr>
           <p:spPr>
-            <a:xfrm flipH="false" flipV="false" rot="0">
+            <a:xfrm>
               <a:off x="0" y="0"/>
               <a:ext cx="3166110" cy="6282055"/>
             </a:xfrm>
@@ -3218,9 +3221,9 @@
               <a:gdLst/>
               <a:ahLst/>
               <a:cxnLst/>
-              <a:rect r="r" b="b" t="t" l="l"/>
+              <a:rect l="l" t="t" r="r" b="b"/>
               <a:pathLst>
-                <a:path h="6282055" w="3166110">
+                <a:path w="3166110" h="6282055">
                   <a:moveTo>
                     <a:pt x="3053969" y="6282055"/>
                   </a:moveTo>
@@ -3354,13 +3357,20 @@
               <a:srgbClr val="132232"/>
             </a:solidFill>
           </p:spPr>
+          <p:txBody>
+            <a:bodyPr/>
+            <a:lstStyle/>
+            <a:p>
+              <a:endParaRPr lang="es-419"/>
+            </a:p>
+          </p:txBody>
         </p:sp>
       </p:grpSp>
       <p:grpSp>
         <p:nvGrpSpPr>
-          <p:cNvPr name="Group 5" id="5"/>
+          <p:cNvPr id="5" name="Group 5"/>
           <p:cNvGrpSpPr>
-            <a:grpSpLocks noChangeAspect="true"/>
+            <a:grpSpLocks noChangeAspect="1"/>
           </p:cNvGrpSpPr>
           <p:nvPr/>
         </p:nvGrpSpPr>
@@ -3374,12 +3384,12 @@
         </p:grpSpPr>
         <p:sp>
           <p:nvSpPr>
-            <p:cNvPr name="Freeform 6" id="6"/>
+            <p:cNvPr id="6" name="Freeform 6"/>
             <p:cNvSpPr/>
             <p:nvPr/>
           </p:nvSpPr>
           <p:spPr>
-            <a:xfrm flipH="false" flipV="false" rot="0">
+            <a:xfrm>
               <a:off x="4318" y="4318"/>
               <a:ext cx="3157347" cy="6273419"/>
             </a:xfrm>
@@ -3388,9 +3398,9 @@
               <a:gdLst/>
               <a:ahLst/>
               <a:cxnLst/>
-              <a:rect r="r" b="b" t="t" l="l"/>
+              <a:rect l="l" t="t" r="r" b="b"/>
               <a:pathLst>
-                <a:path h="6273419" w="3157347">
+                <a:path w="3157347" h="6273419">
                   <a:moveTo>
                     <a:pt x="3049651" y="6273419"/>
                   </a:moveTo>
@@ -3439,15 +3449,22 @@
               </a:solidFill>
             </a:ln>
           </p:spPr>
+          <p:txBody>
+            <a:bodyPr/>
+            <a:lstStyle/>
+            <a:p>
+              <a:endParaRPr lang="es-419"/>
+            </a:p>
+          </p:txBody>
         </p:sp>
         <p:sp>
           <p:nvSpPr>
-            <p:cNvPr name="Freeform 7" id="7"/>
+            <p:cNvPr id="7" name="Freeform 7"/>
             <p:cNvSpPr/>
             <p:nvPr/>
           </p:nvSpPr>
           <p:spPr>
-            <a:xfrm flipH="false" flipV="false" rot="0">
+            <a:xfrm>
               <a:off x="0" y="0"/>
               <a:ext cx="3166110" cy="6282055"/>
             </a:xfrm>
@@ -3456,9 +3473,9 @@
               <a:gdLst/>
               <a:ahLst/>
               <a:cxnLst/>
-              <a:rect r="r" b="b" t="t" l="l"/>
+              <a:rect l="l" t="t" r="r" b="b"/>
               <a:pathLst>
-                <a:path h="6282055" w="3166110">
+                <a:path w="3166110" h="6282055">
                   <a:moveTo>
                     <a:pt x="3053969" y="6282055"/>
                   </a:moveTo>
@@ -3592,16 +3609,23 @@
               <a:srgbClr val="E0E6E9"/>
             </a:solidFill>
           </p:spPr>
+          <p:txBody>
+            <a:bodyPr/>
+            <a:lstStyle/>
+            <a:p>
+              <a:endParaRPr lang="es-419"/>
+            </a:p>
+          </p:txBody>
         </p:sp>
       </p:grpSp>
       <p:grpSp>
         <p:nvGrpSpPr>
-          <p:cNvPr name="Group 8" id="8"/>
+          <p:cNvPr id="8" name="Group 8"/>
           <p:cNvGrpSpPr/>
           <p:nvPr/>
         </p:nvGrpSpPr>
         <p:grpSpPr>
-          <a:xfrm rot="0">
+          <a:xfrm>
             <a:off x="12814229" y="6428718"/>
             <a:ext cx="12630150" cy="1114425"/>
             <a:chOff x="0" y="0"/>
@@ -3610,12 +3634,12 @@
         </p:grpSpPr>
         <p:sp>
           <p:nvSpPr>
-            <p:cNvPr name="Freeform 9" id="9"/>
+            <p:cNvPr id="9" name="Freeform 9"/>
             <p:cNvSpPr/>
             <p:nvPr/>
           </p:nvSpPr>
           <p:spPr>
-            <a:xfrm flipH="false" flipV="false" rot="0">
+            <a:xfrm>
               <a:off x="0" y="0"/>
               <a:ext cx="3326459" cy="293511"/>
             </a:xfrm>
@@ -3624,9 +3648,9 @@
               <a:gdLst/>
               <a:ahLst/>
               <a:cxnLst/>
-              <a:rect r="r" b="b" t="t" l="l"/>
+              <a:rect l="l" t="t" r="r" b="b"/>
               <a:pathLst>
-                <a:path h="293511" w="3326459">
+                <a:path w="3326459" h="293511">
                   <a:moveTo>
                     <a:pt x="3123259" y="0"/>
                   </a:moveTo>
@@ -3661,11 +3685,18 @@
               <a:srgbClr val="FFFFFF"/>
             </a:solidFill>
           </p:spPr>
+          <p:txBody>
+            <a:bodyPr/>
+            <a:lstStyle/>
+            <a:p>
+              <a:endParaRPr lang="es-419"/>
+            </a:p>
+          </p:txBody>
         </p:sp>
         <p:sp>
           <p:nvSpPr>
-            <p:cNvPr name="TextBox 10" id="10"/>
-            <p:cNvSpPr txBox="true"/>
+            <p:cNvPr id="10" name="TextBox 10"/>
+            <p:cNvSpPr txBox="1"/>
             <p:nvPr/>
           </p:nvSpPr>
           <p:spPr>
@@ -3678,7 +3709,7 @@
             </a:prstGeom>
           </p:spPr>
           <p:txBody>
-            <a:bodyPr anchor="ctr" rtlCol="false" tIns="50800" lIns="50800" bIns="50800" rIns="50800"/>
+            <a:bodyPr lIns="50800" tIns="50800" rIns="50800" bIns="50800" rtlCol="0" anchor="ctr"/>
             <a:lstStyle/>
             <a:p>
               <a:pPr algn="ctr">
@@ -3686,18 +3717,19 @@
                   <a:spcPts val="3624"/>
                 </a:lnSpc>
               </a:pPr>
+              <a:endParaRPr/>
             </a:p>
           </p:txBody>
         </p:sp>
       </p:grpSp>
       <p:sp>
         <p:nvSpPr>
-          <p:cNvPr name="TextBox 11" id="11"/>
-          <p:cNvSpPr txBox="true"/>
+          <p:cNvPr id="11" name="TextBox 11"/>
+          <p:cNvSpPr txBox="1"/>
           <p:nvPr/>
         </p:nvSpPr>
         <p:spPr>
-          <a:xfrm rot="0">
+          <a:xfrm>
             <a:off x="0" y="4320220"/>
             <a:ext cx="13235916" cy="1165523"/>
           </a:xfrm>
@@ -3706,7 +3738,7 @@
           </a:prstGeom>
         </p:spPr>
         <p:txBody>
-          <a:bodyPr anchor="t" rtlCol="false" tIns="0" lIns="0" bIns="0" rIns="0">
+          <a:bodyPr lIns="0" tIns="0" rIns="0" bIns="0" rtlCol="0" anchor="t">
             <a:spAutoFit/>
           </a:bodyPr>
           <a:lstStyle/>
@@ -3717,7 +3749,7 @@
               </a:lnSpc>
             </a:pPr>
             <a:r>
-              <a:rPr lang="en-US" b="true" sz="7955">
+              <a:rPr lang="en-US" sz="7955" b="1">
                 <a:solidFill>
                   <a:srgbClr val="FFFFFF"/>
                 </a:solidFill>
@@ -3733,7 +3765,7 @@
       </p:sp>
       <p:sp>
         <p:nvSpPr>
-          <p:cNvPr name="AutoShape 12" id="12"/>
+          <p:cNvPr id="12" name="AutoShape 12"/>
           <p:cNvSpPr/>
           <p:nvPr/>
         </p:nvSpPr>
@@ -3745,19 +3777,26 @@
           <a:prstGeom prst="line">
             <a:avLst/>
           </a:prstGeom>
-          <a:ln cap="flat" w="38100">
+          <a:ln w="38100" cap="flat">
             <a:solidFill>
               <a:srgbClr val="FFFFFF"/>
             </a:solidFill>
             <a:prstDash val="solid"/>
-            <a:headEnd type="none" len="sm" w="sm"/>
-            <a:tailEnd type="oval" len="lg" w="lg"/>
+            <a:headEnd type="none" w="sm" len="sm"/>
+            <a:tailEnd type="oval" w="lg" len="lg"/>
           </a:ln>
         </p:spPr>
-      </p:sp>
-      <p:sp>
-        <p:nvSpPr>
-          <p:cNvPr name="AutoShape 13" id="13"/>
+        <p:txBody>
+          <a:bodyPr/>
+          <a:lstStyle/>
+          <a:p>
+            <a:endParaRPr lang="es-419"/>
+          </a:p>
+        </p:txBody>
+      </p:sp>
+      <p:sp>
+        <p:nvSpPr>
+          <p:cNvPr id="13" name="AutoShape 13"/>
           <p:cNvSpPr/>
           <p:nvPr/>
         </p:nvSpPr>
@@ -3769,21 +3808,28 @@
           <a:prstGeom prst="line">
             <a:avLst/>
           </a:prstGeom>
-          <a:ln cap="flat" w="38100">
+          <a:ln w="38100" cap="flat">
             <a:solidFill>
               <a:srgbClr val="FFFFFF"/>
             </a:solidFill>
             <a:prstDash val="solid"/>
-            <a:headEnd type="oval" len="lg" w="lg"/>
-            <a:tailEnd type="none" len="sm" w="sm"/>
+            <a:headEnd type="oval" w="lg" len="lg"/>
+            <a:tailEnd type="none" w="sm" len="sm"/>
           </a:ln>
         </p:spPr>
+        <p:txBody>
+          <a:bodyPr/>
+          <a:lstStyle/>
+          <a:p>
+            <a:endParaRPr lang="es-419"/>
+          </a:p>
+        </p:txBody>
       </p:sp>
       <p:grpSp>
         <p:nvGrpSpPr>
-          <p:cNvPr name="Group 14" id="14"/>
+          <p:cNvPr id="14" name="Group 14"/>
           <p:cNvGrpSpPr>
-            <a:grpSpLocks noChangeAspect="true"/>
+            <a:grpSpLocks noChangeAspect="1"/>
           </p:cNvGrpSpPr>
           <p:nvPr/>
         </p:nvGrpSpPr>
@@ -3797,12 +3843,12 @@
         </p:grpSpPr>
         <p:sp>
           <p:nvSpPr>
-            <p:cNvPr name="Freeform 15" id="15"/>
+            <p:cNvPr id="15" name="Freeform 15"/>
             <p:cNvSpPr/>
             <p:nvPr/>
           </p:nvSpPr>
           <p:spPr>
-            <a:xfrm flipH="false" flipV="false" rot="0">
+            <a:xfrm>
               <a:off x="4318" y="4318"/>
               <a:ext cx="3157347" cy="6273419"/>
             </a:xfrm>
@@ -3811,9 +3857,9 @@
               <a:gdLst/>
               <a:ahLst/>
               <a:cxnLst/>
-              <a:rect r="r" b="b" t="t" l="l"/>
+              <a:rect l="l" t="t" r="r" b="b"/>
               <a:pathLst>
-                <a:path h="6273419" w="3157347">
+                <a:path w="3157347" h="6273419">
                   <a:moveTo>
                     <a:pt x="3049651" y="6273419"/>
                   </a:moveTo>
@@ -3862,15 +3908,22 @@
               </a:solidFill>
             </a:ln>
           </p:spPr>
+          <p:txBody>
+            <a:bodyPr/>
+            <a:lstStyle/>
+            <a:p>
+              <a:endParaRPr lang="es-419"/>
+            </a:p>
+          </p:txBody>
         </p:sp>
         <p:sp>
           <p:nvSpPr>
-            <p:cNvPr name="Freeform 16" id="16"/>
+            <p:cNvPr id="16" name="Freeform 16"/>
             <p:cNvSpPr/>
             <p:nvPr/>
           </p:nvSpPr>
           <p:spPr>
-            <a:xfrm flipH="false" flipV="false" rot="0">
+            <a:xfrm>
               <a:off x="0" y="0"/>
               <a:ext cx="3166110" cy="6282055"/>
             </a:xfrm>
@@ -3879,9 +3932,9 @@
               <a:gdLst/>
               <a:ahLst/>
               <a:cxnLst/>
-              <a:rect r="r" b="b" t="t" l="l"/>
+              <a:rect l="l" t="t" r="r" b="b"/>
               <a:pathLst>
-                <a:path h="6282055" w="3166110">
+                <a:path w="3166110" h="6282055">
                   <a:moveTo>
                     <a:pt x="3053969" y="6282055"/>
                   </a:moveTo>
@@ -4015,13 +4068,20 @@
               <a:srgbClr val="9DB3C1"/>
             </a:solidFill>
           </p:spPr>
+          <p:txBody>
+            <a:bodyPr/>
+            <a:lstStyle/>
+            <a:p>
+              <a:endParaRPr lang="es-419"/>
+            </a:p>
+          </p:txBody>
         </p:sp>
       </p:grpSp>
       <p:grpSp>
         <p:nvGrpSpPr>
-          <p:cNvPr name="Group 17" id="17"/>
+          <p:cNvPr id="17" name="Group 17"/>
           <p:cNvGrpSpPr>
-            <a:grpSpLocks noChangeAspect="true"/>
+            <a:grpSpLocks noChangeAspect="1"/>
           </p:cNvGrpSpPr>
           <p:nvPr/>
         </p:nvGrpSpPr>
@@ -4035,12 +4095,12 @@
         </p:grpSpPr>
         <p:sp>
           <p:nvSpPr>
-            <p:cNvPr name="Freeform 18" id="18"/>
+            <p:cNvPr id="18" name="Freeform 18"/>
             <p:cNvSpPr/>
             <p:nvPr/>
           </p:nvSpPr>
           <p:spPr>
-            <a:xfrm flipH="false" flipV="false" rot="0">
+            <a:xfrm>
               <a:off x="4318" y="4318"/>
               <a:ext cx="3157347" cy="6273419"/>
             </a:xfrm>
@@ -4049,9 +4109,9 @@
               <a:gdLst/>
               <a:ahLst/>
               <a:cxnLst/>
-              <a:rect r="r" b="b" t="t" l="l"/>
+              <a:rect l="l" t="t" r="r" b="b"/>
               <a:pathLst>
-                <a:path h="6273419" w="3157347">
+                <a:path w="3157347" h="6273419">
                   <a:moveTo>
                     <a:pt x="3049651" y="6273419"/>
                   </a:moveTo>
@@ -4100,15 +4160,22 @@
               </a:solidFill>
             </a:ln>
           </p:spPr>
+          <p:txBody>
+            <a:bodyPr/>
+            <a:lstStyle/>
+            <a:p>
+              <a:endParaRPr lang="es-419"/>
+            </a:p>
+          </p:txBody>
         </p:sp>
         <p:sp>
           <p:nvSpPr>
-            <p:cNvPr name="Freeform 19" id="19"/>
+            <p:cNvPr id="19" name="Freeform 19"/>
             <p:cNvSpPr/>
             <p:nvPr/>
           </p:nvSpPr>
           <p:spPr>
-            <a:xfrm flipH="false" flipV="false" rot="0">
+            <a:xfrm>
               <a:off x="0" y="0"/>
               <a:ext cx="3166110" cy="6282055"/>
             </a:xfrm>
@@ -4117,9 +4184,9 @@
               <a:gdLst/>
               <a:ahLst/>
               <a:cxnLst/>
-              <a:rect r="r" b="b" t="t" l="l"/>
+              <a:rect l="l" t="t" r="r" b="b"/>
               <a:pathLst>
-                <a:path h="6282055" w="3166110">
+                <a:path w="3166110" h="6282055">
                   <a:moveTo>
                     <a:pt x="3053969" y="6282055"/>
                   </a:moveTo>
@@ -4253,16 +4320,23 @@
               <a:srgbClr val="5B696F"/>
             </a:solidFill>
           </p:spPr>
+          <p:txBody>
+            <a:bodyPr/>
+            <a:lstStyle/>
+            <a:p>
+              <a:endParaRPr lang="es-419"/>
+            </a:p>
+          </p:txBody>
         </p:sp>
       </p:grpSp>
       <p:sp>
         <p:nvSpPr>
-          <p:cNvPr name="TextBox 20" id="20"/>
-          <p:cNvSpPr txBox="true"/>
+          <p:cNvPr id="20" name="TextBox 20"/>
+          <p:cNvSpPr txBox="1"/>
           <p:nvPr/>
         </p:nvSpPr>
         <p:spPr>
-          <a:xfrm rot="0">
+          <a:xfrm>
             <a:off x="3707160" y="5409543"/>
             <a:ext cx="10873680" cy="662939"/>
           </a:xfrm>
@@ -4271,7 +4345,7 @@
           </a:prstGeom>
         </p:spPr>
         <p:txBody>
-          <a:bodyPr anchor="t" rtlCol="false" tIns="0" lIns="0" bIns="0" rIns="0">
+          <a:bodyPr lIns="0" tIns="0" rIns="0" bIns="0" rtlCol="0" anchor="t">
             <a:spAutoFit/>
           </a:bodyPr>
           <a:lstStyle/>
@@ -4282,7 +4356,7 @@
               </a:lnSpc>
             </a:pPr>
             <a:r>
-              <a:rPr lang="en-US" sz="3900" b="true">
+              <a:rPr lang="en-US" sz="3900" b="1">
                 <a:solidFill>
                   <a:srgbClr val="FFFFFF"/>
                 </a:solidFill>
@@ -4298,12 +4372,12 @@
       </p:sp>
       <p:sp>
         <p:nvSpPr>
-          <p:cNvPr name="TextBox 21" id="21"/>
-          <p:cNvSpPr txBox="true"/>
+          <p:cNvPr id="21" name="TextBox 21"/>
+          <p:cNvSpPr txBox="1"/>
           <p:nvPr/>
         </p:nvSpPr>
         <p:spPr>
-          <a:xfrm rot="0">
+          <a:xfrm>
             <a:off x="7303772" y="6645796"/>
             <a:ext cx="4717835" cy="1093753"/>
           </a:xfrm>
@@ -4312,7 +4386,7 @@
           </a:prstGeom>
         </p:spPr>
         <p:txBody>
-          <a:bodyPr anchor="t" rtlCol="false" tIns="0" lIns="0" bIns="0" rIns="0">
+          <a:bodyPr lIns="0" tIns="0" rIns="0" bIns="0" rtlCol="0" anchor="t">
             <a:spAutoFit/>
           </a:bodyPr>
           <a:lstStyle/>
@@ -4384,7 +4458,7 @@
 </file>
 
 <file path=ppt/slides/slide10.xml><?xml version="1.0" encoding="utf-8"?>
-<p:sld xmlns:p="http://schemas.openxmlformats.org/presentationml/2006/main" xmlns:a="http://schemas.openxmlformats.org/drawingml/2006/main" xmlns:r="http://schemas.openxmlformats.org/officeDocument/2006/relationships">
+<p:sld xmlns:a="http://schemas.openxmlformats.org/drawingml/2006/main" xmlns:r="http://schemas.openxmlformats.org/officeDocument/2006/relationships" xmlns:p="http://schemas.openxmlformats.org/presentationml/2006/main">
   <p:cSld>
     <p:spTree>
       <p:nvGrpSpPr>
@@ -4402,7 +4476,7 @@
       </p:grpSpPr>
       <p:sp>
         <p:nvSpPr>
-          <p:cNvPr name="AutoShape 2" id="2"/>
+          <p:cNvPr id="2" name="AutoShape 2"/>
           <p:cNvSpPr/>
           <p:nvPr/>
         </p:nvSpPr>
@@ -4414,24 +4488,31 @@
           <a:prstGeom prst="line">
             <a:avLst/>
           </a:prstGeom>
-          <a:ln cap="flat" w="9525">
+          <a:ln w="9525" cap="flat">
             <a:solidFill>
               <a:srgbClr val="A6A6A6"/>
             </a:solidFill>
             <a:prstDash val="solid"/>
-            <a:headEnd type="none" len="sm" w="sm"/>
-            <a:tailEnd type="none" len="sm" w="sm"/>
+            <a:headEnd type="none" w="sm" len="sm"/>
+            <a:tailEnd type="none" w="sm" len="sm"/>
           </a:ln>
         </p:spPr>
+        <p:txBody>
+          <a:bodyPr/>
+          <a:lstStyle/>
+          <a:p>
+            <a:endParaRPr lang="es-419"/>
+          </a:p>
+        </p:txBody>
       </p:sp>
       <p:grpSp>
         <p:nvGrpSpPr>
-          <p:cNvPr name="Group 3" id="3"/>
+          <p:cNvPr id="3" name="Group 3"/>
           <p:cNvGrpSpPr/>
           <p:nvPr/>
         </p:nvGrpSpPr>
         <p:grpSpPr>
-          <a:xfrm rot="0">
+          <a:xfrm>
             <a:off x="27" y="696725"/>
             <a:ext cx="9313954" cy="2106503"/>
             <a:chOff x="0" y="0"/>
@@ -4440,12 +4521,12 @@
         </p:grpSpPr>
         <p:sp>
           <p:nvSpPr>
-            <p:cNvPr name="Freeform 4" id="4"/>
+            <p:cNvPr id="4" name="Freeform 4"/>
             <p:cNvSpPr/>
             <p:nvPr/>
           </p:nvSpPr>
           <p:spPr>
-            <a:xfrm flipH="false" flipV="false" rot="0">
+            <a:xfrm>
               <a:off x="0" y="0"/>
               <a:ext cx="2453058" cy="554799"/>
             </a:xfrm>
@@ -4454,9 +4535,9 @@
               <a:gdLst/>
               <a:ahLst/>
               <a:cxnLst/>
-              <a:rect r="r" b="b" t="t" l="l"/>
+              <a:rect l="l" t="t" r="r" b="b"/>
               <a:pathLst>
-                <a:path h="554799" w="2453058">
+                <a:path w="2453058" h="554799">
                   <a:moveTo>
                     <a:pt x="2249858" y="0"/>
                   </a:moveTo>
@@ -4485,11 +4566,18 @@
               </a:srgbClr>
             </a:solidFill>
           </p:spPr>
+          <p:txBody>
+            <a:bodyPr/>
+            <a:lstStyle/>
+            <a:p>
+              <a:endParaRPr lang="es-419"/>
+            </a:p>
+          </p:txBody>
         </p:sp>
         <p:sp>
           <p:nvSpPr>
-            <p:cNvPr name="TextBox 5" id="5"/>
-            <p:cNvSpPr txBox="true"/>
+            <p:cNvPr id="5" name="TextBox 5"/>
+            <p:cNvSpPr txBox="1"/>
             <p:nvPr/>
           </p:nvSpPr>
           <p:spPr>
@@ -4502,7 +4590,7 @@
             </a:prstGeom>
           </p:spPr>
           <p:txBody>
-            <a:bodyPr anchor="ctr" rtlCol="false" tIns="50800" lIns="50800" bIns="50800" rIns="50800"/>
+            <a:bodyPr lIns="50800" tIns="50800" rIns="50800" bIns="50800" rtlCol="0" anchor="ctr"/>
             <a:lstStyle/>
             <a:p>
               <a:pPr algn="ctr">
@@ -4510,18 +4598,19 @@
                   <a:spcPts val="3624"/>
                 </a:lnSpc>
               </a:pPr>
+              <a:endParaRPr/>
             </a:p>
           </p:txBody>
         </p:sp>
       </p:grpSp>
       <p:sp>
         <p:nvSpPr>
-          <p:cNvPr name="Freeform 6" id="6"/>
+          <p:cNvPr id="6" name="Freeform 6"/>
           <p:cNvSpPr/>
           <p:nvPr/>
         </p:nvSpPr>
         <p:spPr>
-          <a:xfrm flipH="false" flipV="false" rot="0">
+          <a:xfrm>
             <a:off x="5236800" y="3038748"/>
             <a:ext cx="13051200" cy="7248252"/>
           </a:xfrm>
@@ -4530,9 +4619,9 @@
             <a:gdLst/>
             <a:ahLst/>
             <a:cxnLst/>
-            <a:rect r="r" b="b" t="t" l="l"/>
+            <a:rect l="l" t="t" r="r" b="b"/>
             <a:pathLst>
-              <a:path h="7248252" w="13051200">
+              <a:path w="13051200" h="7248252">
                 <a:moveTo>
                   <a:pt x="0" y="0"/>
                 </a:moveTo>
@@ -4555,19 +4644,26 @@
           <a:blipFill>
             <a:blip r:embed="rId2"/>
             <a:stretch>
-              <a:fillRect l="0" t="-199798" r="-2511" b="-336"/>
+              <a:fillRect t="-199798" r="-2511" b="-336"/>
             </a:stretch>
           </a:blipFill>
         </p:spPr>
-      </p:sp>
-      <p:sp>
-        <p:nvSpPr>
-          <p:cNvPr name="TextBox 7" id="7"/>
-          <p:cNvSpPr txBox="true"/>
+        <p:txBody>
+          <a:bodyPr/>
+          <a:lstStyle/>
+          <a:p>
+            <a:endParaRPr lang="es-419"/>
+          </a:p>
+        </p:txBody>
+      </p:sp>
+      <p:sp>
+        <p:nvSpPr>
+          <p:cNvPr id="7" name="TextBox 7"/>
+          <p:cNvSpPr txBox="1"/>
           <p:nvPr/>
         </p:nvSpPr>
         <p:spPr>
-          <a:xfrm rot="0">
+          <a:xfrm>
             <a:off x="579378" y="1066800"/>
             <a:ext cx="13103867" cy="1174750"/>
           </a:xfrm>
@@ -4576,7 +4672,7 @@
           </a:prstGeom>
         </p:spPr>
         <p:txBody>
-          <a:bodyPr anchor="t" rtlCol="false" tIns="0" lIns="0" bIns="0" rIns="0">
+          <a:bodyPr lIns="0" tIns="0" rIns="0" bIns="0" rtlCol="0" anchor="t">
             <a:spAutoFit/>
           </a:bodyPr>
           <a:lstStyle/>
@@ -4610,13 +4706,14 @@
 </file>
 
 <file path=ppt/slides/slide11.xml><?xml version="1.0" encoding="utf-8"?>
-<p:sld xmlns:p="http://schemas.openxmlformats.org/presentationml/2006/main" xmlns:a="http://schemas.openxmlformats.org/drawingml/2006/main" xmlns:r="http://schemas.openxmlformats.org/officeDocument/2006/relationships">
+<p:sld xmlns:a="http://schemas.openxmlformats.org/drawingml/2006/main" xmlns:r="http://schemas.openxmlformats.org/officeDocument/2006/relationships" xmlns:p="http://schemas.openxmlformats.org/presentationml/2006/main">
   <p:cSld>
     <p:bg>
       <p:bgPr>
         <a:solidFill>
           <a:srgbClr val="FFFEFE"/>
         </a:solidFill>
+        <a:effectLst/>
       </p:bgPr>
     </p:bg>
     <p:spTree>
@@ -4635,7 +4732,7 @@
       </p:grpSpPr>
       <p:sp>
         <p:nvSpPr>
-          <p:cNvPr name="AutoShape 2" id="2"/>
+          <p:cNvPr id="2" name="AutoShape 2"/>
           <p:cNvSpPr/>
           <p:nvPr/>
         </p:nvSpPr>
@@ -4647,24 +4744,31 @@
           <a:prstGeom prst="line">
             <a:avLst/>
           </a:prstGeom>
-          <a:ln cap="flat" w="9525">
+          <a:ln w="9525" cap="flat">
             <a:solidFill>
               <a:srgbClr val="A6A6A6"/>
             </a:solidFill>
             <a:prstDash val="solid"/>
-            <a:headEnd type="none" len="sm" w="sm"/>
-            <a:tailEnd type="none" len="sm" w="sm"/>
+            <a:headEnd type="none" w="sm" len="sm"/>
+            <a:tailEnd type="none" w="sm" len="sm"/>
           </a:ln>
         </p:spPr>
+        <p:txBody>
+          <a:bodyPr/>
+          <a:lstStyle/>
+          <a:p>
+            <a:endParaRPr lang="es-419"/>
+          </a:p>
+        </p:txBody>
       </p:sp>
       <p:grpSp>
         <p:nvGrpSpPr>
-          <p:cNvPr name="Group 3" id="3"/>
+          <p:cNvPr id="3" name="Group 3"/>
           <p:cNvGrpSpPr/>
           <p:nvPr/>
         </p:nvGrpSpPr>
         <p:grpSpPr>
-          <a:xfrm rot="0">
+          <a:xfrm>
             <a:off x="27" y="696725"/>
             <a:ext cx="9313954" cy="2106503"/>
             <a:chOff x="0" y="0"/>
@@ -4673,12 +4777,12 @@
         </p:grpSpPr>
         <p:sp>
           <p:nvSpPr>
-            <p:cNvPr name="Freeform 4" id="4"/>
+            <p:cNvPr id="4" name="Freeform 4"/>
             <p:cNvSpPr/>
             <p:nvPr/>
           </p:nvSpPr>
           <p:spPr>
-            <a:xfrm flipH="false" flipV="false" rot="0">
+            <a:xfrm>
               <a:off x="0" y="0"/>
               <a:ext cx="2453058" cy="554799"/>
             </a:xfrm>
@@ -4687,9 +4791,9 @@
               <a:gdLst/>
               <a:ahLst/>
               <a:cxnLst/>
-              <a:rect r="r" b="b" t="t" l="l"/>
+              <a:rect l="l" t="t" r="r" b="b"/>
               <a:pathLst>
-                <a:path h="554799" w="2453058">
+                <a:path w="2453058" h="554799">
                   <a:moveTo>
                     <a:pt x="2249858" y="0"/>
                   </a:moveTo>
@@ -4718,11 +4822,18 @@
               </a:srgbClr>
             </a:solidFill>
           </p:spPr>
+          <p:txBody>
+            <a:bodyPr/>
+            <a:lstStyle/>
+            <a:p>
+              <a:endParaRPr lang="es-419"/>
+            </a:p>
+          </p:txBody>
         </p:sp>
         <p:sp>
           <p:nvSpPr>
-            <p:cNvPr name="TextBox 5" id="5"/>
-            <p:cNvSpPr txBox="true"/>
+            <p:cNvPr id="5" name="TextBox 5"/>
+            <p:cNvSpPr txBox="1"/>
             <p:nvPr/>
           </p:nvSpPr>
           <p:spPr>
@@ -4735,7 +4846,7 @@
             </a:prstGeom>
           </p:spPr>
           <p:txBody>
-            <a:bodyPr anchor="ctr" rtlCol="false" tIns="50800" lIns="50800" bIns="50800" rIns="50800"/>
+            <a:bodyPr lIns="50800" tIns="50800" rIns="50800" bIns="50800" rtlCol="0" anchor="ctr"/>
             <a:lstStyle/>
             <a:p>
               <a:pPr algn="ctr">
@@ -4743,18 +4854,19 @@
                   <a:spcPts val="3624"/>
                 </a:lnSpc>
               </a:pPr>
+              <a:endParaRPr/>
             </a:p>
           </p:txBody>
         </p:sp>
       </p:grpSp>
       <p:sp>
         <p:nvSpPr>
-          <p:cNvPr name="Freeform 6" id="6"/>
+          <p:cNvPr id="6" name="Freeform 6"/>
           <p:cNvSpPr/>
           <p:nvPr/>
         </p:nvSpPr>
         <p:spPr>
-          <a:xfrm flipH="false" flipV="false" rot="0">
+          <a:xfrm>
             <a:off x="54" y="3380363"/>
             <a:ext cx="8148907" cy="6926560"/>
           </a:xfrm>
@@ -4763,9 +4875,9 @@
             <a:gdLst/>
             <a:ahLst/>
             <a:cxnLst/>
-            <a:rect r="r" b="b" t="t" l="l"/>
+            <a:rect l="l" t="t" r="r" b="b"/>
             <a:pathLst>
-              <a:path h="6926560" w="8148907">
+              <a:path w="8148907" h="6926560">
                 <a:moveTo>
                   <a:pt x="0" y="0"/>
                 </a:moveTo>
@@ -4788,19 +4900,26 @@
           <a:blipFill>
             <a:blip r:embed="rId2"/>
             <a:stretch>
-              <a:fillRect l="0" t="-25353" r="-97525" b="-258053"/>
+              <a:fillRect t="-25353" r="-97525" b="-258053"/>
             </a:stretch>
           </a:blipFill>
         </p:spPr>
-      </p:sp>
-      <p:sp>
-        <p:nvSpPr>
-          <p:cNvPr name="Freeform 7" id="7"/>
+        <p:txBody>
+          <a:bodyPr/>
+          <a:lstStyle/>
+          <a:p>
+            <a:endParaRPr lang="es-419"/>
+          </a:p>
+        </p:txBody>
+      </p:sp>
+      <p:sp>
+        <p:nvSpPr>
+          <p:cNvPr id="7" name="Freeform 7"/>
           <p:cNvSpPr/>
           <p:nvPr/>
         </p:nvSpPr>
         <p:spPr>
-          <a:xfrm flipH="false" flipV="false" rot="0">
+          <a:xfrm>
             <a:off x="10088348" y="3491462"/>
             <a:ext cx="6605882" cy="6815460"/>
           </a:xfrm>
@@ -4809,9 +4928,9 @@
             <a:gdLst/>
             <a:ahLst/>
             <a:cxnLst/>
-            <a:rect r="r" b="b" t="t" l="l"/>
+            <a:rect l="l" t="t" r="r" b="b"/>
             <a:pathLst>
-              <a:path h="6815460" w="6605882">
+              <a:path w="6605882" h="6815460">
                 <a:moveTo>
                   <a:pt x="0" y="0"/>
                 </a:moveTo>
@@ -4834,19 +4953,26 @@
           <a:blipFill>
             <a:blip r:embed="rId2"/>
             <a:stretch>
-              <a:fillRect l="0" t="-119098" r="-120048" b="-132793"/>
+              <a:fillRect t="-119098" r="-120048" b="-132793"/>
             </a:stretch>
           </a:blipFill>
         </p:spPr>
-      </p:sp>
-      <p:sp>
-        <p:nvSpPr>
-          <p:cNvPr name="TextBox 8" id="8"/>
-          <p:cNvSpPr txBox="true"/>
+        <p:txBody>
+          <a:bodyPr/>
+          <a:lstStyle/>
+          <a:p>
+            <a:endParaRPr lang="es-419"/>
+          </a:p>
+        </p:txBody>
+      </p:sp>
+      <p:sp>
+        <p:nvSpPr>
+          <p:cNvPr id="8" name="TextBox 8"/>
+          <p:cNvSpPr txBox="1"/>
           <p:nvPr/>
         </p:nvSpPr>
         <p:spPr>
-          <a:xfrm rot="0">
+          <a:xfrm>
             <a:off x="579378" y="1066800"/>
             <a:ext cx="13103867" cy="1174750"/>
           </a:xfrm>
@@ -4855,7 +4981,7 @@
           </a:prstGeom>
         </p:spPr>
         <p:txBody>
-          <a:bodyPr anchor="t" rtlCol="false" tIns="0" lIns="0" bIns="0" rIns="0">
+          <a:bodyPr lIns="0" tIns="0" rIns="0" bIns="0" rtlCol="0" anchor="t">
             <a:spAutoFit/>
           </a:bodyPr>
           <a:lstStyle/>
@@ -4882,12 +5008,12 @@
       </p:sp>
       <p:sp>
         <p:nvSpPr>
-          <p:cNvPr name="TextBox 9" id="9"/>
-          <p:cNvSpPr txBox="true"/>
+          <p:cNvPr id="9" name="TextBox 9"/>
+          <p:cNvSpPr txBox="1"/>
           <p:nvPr/>
         </p:nvSpPr>
         <p:spPr>
-          <a:xfrm rot="0">
+          <a:xfrm>
             <a:off x="579378" y="2174875"/>
             <a:ext cx="5857780" cy="444500"/>
           </a:xfrm>
@@ -4896,7 +5022,7 @@
           </a:prstGeom>
         </p:spPr>
         <p:txBody>
-          <a:bodyPr anchor="t" rtlCol="false" tIns="0" lIns="0" bIns="0" rIns="0">
+          <a:bodyPr lIns="0" tIns="0" rIns="0" bIns="0" rtlCol="0" anchor="t">
             <a:spAutoFit/>
           </a:bodyPr>
           <a:lstStyle/>
@@ -4933,13 +5059,14 @@
 </file>
 
 <file path=ppt/slides/slide12.xml><?xml version="1.0" encoding="utf-8"?>
-<p:sld xmlns:p="http://schemas.openxmlformats.org/presentationml/2006/main" xmlns:a="http://schemas.openxmlformats.org/drawingml/2006/main" xmlns:r="http://schemas.openxmlformats.org/officeDocument/2006/relationships">
+<p:sld xmlns:a="http://schemas.openxmlformats.org/drawingml/2006/main" xmlns:r="http://schemas.openxmlformats.org/officeDocument/2006/relationships" xmlns:p="http://schemas.openxmlformats.org/presentationml/2006/main">
   <p:cSld>
     <p:bg>
       <p:bgPr>
         <a:solidFill>
           <a:srgbClr val="FFFEFE"/>
         </a:solidFill>
+        <a:effectLst/>
       </p:bgPr>
     </p:bg>
     <p:spTree>
@@ -4958,7 +5085,7 @@
       </p:grpSpPr>
       <p:sp>
         <p:nvSpPr>
-          <p:cNvPr name="AutoShape 2" id="2"/>
+          <p:cNvPr id="2" name="AutoShape 2"/>
           <p:cNvSpPr/>
           <p:nvPr/>
         </p:nvSpPr>
@@ -4970,24 +5097,31 @@
           <a:prstGeom prst="line">
             <a:avLst/>
           </a:prstGeom>
-          <a:ln cap="flat" w="9525">
+          <a:ln w="9525" cap="flat">
             <a:solidFill>
               <a:srgbClr val="A6A6A6"/>
             </a:solidFill>
             <a:prstDash val="solid"/>
-            <a:headEnd type="none" len="sm" w="sm"/>
-            <a:tailEnd type="none" len="sm" w="sm"/>
+            <a:headEnd type="none" w="sm" len="sm"/>
+            <a:tailEnd type="none" w="sm" len="sm"/>
           </a:ln>
         </p:spPr>
+        <p:txBody>
+          <a:bodyPr/>
+          <a:lstStyle/>
+          <a:p>
+            <a:endParaRPr lang="es-419"/>
+          </a:p>
+        </p:txBody>
       </p:sp>
       <p:grpSp>
         <p:nvGrpSpPr>
-          <p:cNvPr name="Group 3" id="3"/>
+          <p:cNvPr id="3" name="Group 3"/>
           <p:cNvGrpSpPr/>
           <p:nvPr/>
         </p:nvGrpSpPr>
         <p:grpSpPr>
-          <a:xfrm rot="0">
+          <a:xfrm>
             <a:off x="27" y="696725"/>
             <a:ext cx="9313954" cy="2106503"/>
             <a:chOff x="0" y="0"/>
@@ -4996,12 +5130,12 @@
         </p:grpSpPr>
         <p:sp>
           <p:nvSpPr>
-            <p:cNvPr name="Freeform 4" id="4"/>
+            <p:cNvPr id="4" name="Freeform 4"/>
             <p:cNvSpPr/>
             <p:nvPr/>
           </p:nvSpPr>
           <p:spPr>
-            <a:xfrm flipH="false" flipV="false" rot="0">
+            <a:xfrm>
               <a:off x="0" y="0"/>
               <a:ext cx="2453058" cy="554799"/>
             </a:xfrm>
@@ -5010,9 +5144,9 @@
               <a:gdLst/>
               <a:ahLst/>
               <a:cxnLst/>
-              <a:rect r="r" b="b" t="t" l="l"/>
+              <a:rect l="l" t="t" r="r" b="b"/>
               <a:pathLst>
-                <a:path h="554799" w="2453058">
+                <a:path w="2453058" h="554799">
                   <a:moveTo>
                     <a:pt x="2249858" y="0"/>
                   </a:moveTo>
@@ -5041,11 +5175,18 @@
               </a:srgbClr>
             </a:solidFill>
           </p:spPr>
+          <p:txBody>
+            <a:bodyPr/>
+            <a:lstStyle/>
+            <a:p>
+              <a:endParaRPr lang="es-419"/>
+            </a:p>
+          </p:txBody>
         </p:sp>
         <p:sp>
           <p:nvSpPr>
-            <p:cNvPr name="TextBox 5" id="5"/>
-            <p:cNvSpPr txBox="true"/>
+            <p:cNvPr id="5" name="TextBox 5"/>
+            <p:cNvSpPr txBox="1"/>
             <p:nvPr/>
           </p:nvSpPr>
           <p:spPr>
@@ -5058,7 +5199,7 @@
             </a:prstGeom>
           </p:spPr>
           <p:txBody>
-            <a:bodyPr anchor="ctr" rtlCol="false" tIns="50800" lIns="50800" bIns="50800" rIns="50800"/>
+            <a:bodyPr lIns="50800" tIns="50800" rIns="50800" bIns="50800" rtlCol="0" anchor="ctr"/>
             <a:lstStyle/>
             <a:p>
               <a:pPr algn="ctr">
@@ -5066,18 +5207,19 @@
                   <a:spcPts val="3624"/>
                 </a:lnSpc>
               </a:pPr>
+              <a:endParaRPr/>
             </a:p>
           </p:txBody>
         </p:sp>
       </p:grpSp>
       <p:sp>
         <p:nvSpPr>
-          <p:cNvPr name="Freeform 6" id="6"/>
+          <p:cNvPr id="6" name="Freeform 6"/>
           <p:cNvSpPr/>
           <p:nvPr/>
         </p:nvSpPr>
         <p:spPr>
-          <a:xfrm flipH="false" flipV="false" rot="0">
+          <a:xfrm>
             <a:off x="1298304" y="3620590"/>
             <a:ext cx="8138283" cy="6191718"/>
           </a:xfrm>
@@ -5086,9 +5228,9 @@
             <a:gdLst/>
             <a:ahLst/>
             <a:cxnLst/>
-            <a:rect r="r" b="b" t="t" l="l"/>
+            <a:rect l="l" t="t" r="r" b="b"/>
             <a:pathLst>
-              <a:path h="6191718" w="8138283">
+              <a:path w="8138283" h="6191718">
                 <a:moveTo>
                   <a:pt x="0" y="0"/>
                 </a:moveTo>
@@ -5111,19 +5253,26 @@
           <a:blipFill>
             <a:blip r:embed="rId2"/>
             <a:stretch>
-              <a:fillRect l="-97928" t="-219259" r="0" b="-109965"/>
+              <a:fillRect l="-97928" t="-219259" b="-109965"/>
             </a:stretch>
           </a:blipFill>
         </p:spPr>
-      </p:sp>
-      <p:sp>
-        <p:nvSpPr>
-          <p:cNvPr name="Freeform 7" id="7"/>
+        <p:txBody>
+          <a:bodyPr/>
+          <a:lstStyle/>
+          <a:p>
+            <a:endParaRPr lang="es-419"/>
+          </a:p>
+        </p:txBody>
+      </p:sp>
+      <p:sp>
+        <p:nvSpPr>
+          <p:cNvPr id="7" name="Freeform 7"/>
           <p:cNvSpPr/>
           <p:nvPr/>
         </p:nvSpPr>
         <p:spPr>
-          <a:xfrm flipH="false" flipV="false" rot="0">
+          <a:xfrm>
             <a:off x="10781365" y="924657"/>
             <a:ext cx="5949396" cy="8887651"/>
           </a:xfrm>
@@ -5132,9 +5281,9 @@
             <a:gdLst/>
             <a:ahLst/>
             <a:cxnLst/>
-            <a:rect r="r" b="b" t="t" l="l"/>
+            <a:rect l="l" t="t" r="r" b="b"/>
             <a:pathLst>
-              <a:path h="8887651" w="5949396">
+              <a:path w="5949396" h="8887651">
                 <a:moveTo>
                   <a:pt x="0" y="0"/>
                 </a:moveTo>
@@ -5157,19 +5306,26 @@
           <a:blipFill>
             <a:blip r:embed="rId2"/>
             <a:stretch>
-              <a:fillRect l="-110091" t="-13666" r="0" b="-118367"/>
+              <a:fillRect l="-110091" t="-13666" b="-118367"/>
             </a:stretch>
           </a:blipFill>
         </p:spPr>
-      </p:sp>
-      <p:sp>
-        <p:nvSpPr>
-          <p:cNvPr name="TextBox 8" id="8"/>
-          <p:cNvSpPr txBox="true"/>
+        <p:txBody>
+          <a:bodyPr/>
+          <a:lstStyle/>
+          <a:p>
+            <a:endParaRPr lang="es-419"/>
+          </a:p>
+        </p:txBody>
+      </p:sp>
+      <p:sp>
+        <p:nvSpPr>
+          <p:cNvPr id="8" name="TextBox 8"/>
+          <p:cNvSpPr txBox="1"/>
           <p:nvPr/>
         </p:nvSpPr>
         <p:spPr>
-          <a:xfrm rot="0">
+          <a:xfrm>
             <a:off x="579378" y="1066800"/>
             <a:ext cx="13103867" cy="1174750"/>
           </a:xfrm>
@@ -5178,7 +5334,7 @@
           </a:prstGeom>
         </p:spPr>
         <p:txBody>
-          <a:bodyPr anchor="t" rtlCol="false" tIns="0" lIns="0" bIns="0" rIns="0">
+          <a:bodyPr lIns="0" tIns="0" rIns="0" bIns="0" rtlCol="0" anchor="t">
             <a:spAutoFit/>
           </a:bodyPr>
           <a:lstStyle/>
@@ -5205,12 +5361,12 @@
       </p:sp>
       <p:sp>
         <p:nvSpPr>
-          <p:cNvPr name="TextBox 9" id="9"/>
-          <p:cNvSpPr txBox="true"/>
+          <p:cNvPr id="9" name="TextBox 9"/>
+          <p:cNvSpPr txBox="1"/>
           <p:nvPr/>
         </p:nvSpPr>
         <p:spPr>
-          <a:xfrm rot="0">
+          <a:xfrm>
             <a:off x="579378" y="2174875"/>
             <a:ext cx="5857780" cy="444500"/>
           </a:xfrm>
@@ -5219,7 +5375,7 @@
           </a:prstGeom>
         </p:spPr>
         <p:txBody>
-          <a:bodyPr anchor="t" rtlCol="false" tIns="0" lIns="0" bIns="0" rIns="0">
+          <a:bodyPr lIns="0" tIns="0" rIns="0" bIns="0" rtlCol="0" anchor="t">
             <a:spAutoFit/>
           </a:bodyPr>
           <a:lstStyle/>
@@ -5256,7 +5412,7 @@
 </file>
 
 <file path=ppt/slides/slide13.xml><?xml version="1.0" encoding="utf-8"?>
-<p:sld xmlns:p="http://schemas.openxmlformats.org/presentationml/2006/main" xmlns:a="http://schemas.openxmlformats.org/drawingml/2006/main" xmlns:r="http://schemas.openxmlformats.org/officeDocument/2006/relationships">
+<p:sld xmlns:a="http://schemas.openxmlformats.org/drawingml/2006/main" xmlns:r="http://schemas.openxmlformats.org/officeDocument/2006/relationships" xmlns:p="http://schemas.openxmlformats.org/presentationml/2006/main">
   <p:cSld>
     <p:spTree>
       <p:nvGrpSpPr>
@@ -5274,7 +5430,7 @@
       </p:grpSpPr>
       <p:sp>
         <p:nvSpPr>
-          <p:cNvPr name="AutoShape 2" id="2"/>
+          <p:cNvPr id="2" name="AutoShape 2"/>
           <p:cNvSpPr/>
           <p:nvPr/>
         </p:nvSpPr>
@@ -5286,24 +5442,31 @@
           <a:prstGeom prst="line">
             <a:avLst/>
           </a:prstGeom>
-          <a:ln cap="flat" w="9525">
+          <a:ln w="9525" cap="flat">
             <a:solidFill>
               <a:srgbClr val="A6A6A6"/>
             </a:solidFill>
             <a:prstDash val="solid"/>
-            <a:headEnd type="none" len="sm" w="sm"/>
-            <a:tailEnd type="none" len="sm" w="sm"/>
+            <a:headEnd type="none" w="sm" len="sm"/>
+            <a:tailEnd type="none" w="sm" len="sm"/>
           </a:ln>
         </p:spPr>
+        <p:txBody>
+          <a:bodyPr/>
+          <a:lstStyle/>
+          <a:p>
+            <a:endParaRPr lang="es-419"/>
+          </a:p>
+        </p:txBody>
       </p:sp>
       <p:grpSp>
         <p:nvGrpSpPr>
-          <p:cNvPr name="Group 3" id="3"/>
+          <p:cNvPr id="3" name="Group 3"/>
           <p:cNvGrpSpPr/>
           <p:nvPr/>
         </p:nvGrpSpPr>
         <p:grpSpPr>
-          <a:xfrm rot="0">
+          <a:xfrm>
             <a:off x="27" y="696725"/>
             <a:ext cx="9313954" cy="2106503"/>
             <a:chOff x="0" y="0"/>
@@ -5312,12 +5475,12 @@
         </p:grpSpPr>
         <p:sp>
           <p:nvSpPr>
-            <p:cNvPr name="Freeform 4" id="4"/>
+            <p:cNvPr id="4" name="Freeform 4"/>
             <p:cNvSpPr/>
             <p:nvPr/>
           </p:nvSpPr>
           <p:spPr>
-            <a:xfrm flipH="false" flipV="false" rot="0">
+            <a:xfrm>
               <a:off x="0" y="0"/>
               <a:ext cx="2453058" cy="554799"/>
             </a:xfrm>
@@ -5326,9 +5489,9 @@
               <a:gdLst/>
               <a:ahLst/>
               <a:cxnLst/>
-              <a:rect r="r" b="b" t="t" l="l"/>
+              <a:rect l="l" t="t" r="r" b="b"/>
               <a:pathLst>
-                <a:path h="554799" w="2453058">
+                <a:path w="2453058" h="554799">
                   <a:moveTo>
                     <a:pt x="2249858" y="0"/>
                   </a:moveTo>
@@ -5357,11 +5520,18 @@
               </a:srgbClr>
             </a:solidFill>
           </p:spPr>
+          <p:txBody>
+            <a:bodyPr/>
+            <a:lstStyle/>
+            <a:p>
+              <a:endParaRPr lang="es-419"/>
+            </a:p>
+          </p:txBody>
         </p:sp>
         <p:sp>
           <p:nvSpPr>
-            <p:cNvPr name="TextBox 5" id="5"/>
-            <p:cNvSpPr txBox="true"/>
+            <p:cNvPr id="5" name="TextBox 5"/>
+            <p:cNvSpPr txBox="1"/>
             <p:nvPr/>
           </p:nvSpPr>
           <p:spPr>
@@ -5374,7 +5544,7 @@
             </a:prstGeom>
           </p:spPr>
           <p:txBody>
-            <a:bodyPr anchor="ctr" rtlCol="false" tIns="50800" lIns="50800" bIns="50800" rIns="50800"/>
+            <a:bodyPr lIns="50800" tIns="50800" rIns="50800" bIns="50800" rtlCol="0" anchor="ctr"/>
             <a:lstStyle/>
             <a:p>
               <a:pPr algn="ctr">
@@ -5382,18 +5552,19 @@
                   <a:spcPts val="3624"/>
                 </a:lnSpc>
               </a:pPr>
+              <a:endParaRPr/>
             </a:p>
           </p:txBody>
         </p:sp>
       </p:grpSp>
       <p:sp>
         <p:nvSpPr>
-          <p:cNvPr name="Freeform 6" id="6"/>
+          <p:cNvPr id="6" name="Freeform 6"/>
           <p:cNvSpPr/>
           <p:nvPr/>
         </p:nvSpPr>
         <p:spPr>
-          <a:xfrm flipH="false" flipV="false" rot="0">
+          <a:xfrm>
             <a:off x="215704" y="3380363"/>
             <a:ext cx="17839426" cy="5241124"/>
           </a:xfrm>
@@ -5402,9 +5573,9 @@
             <a:gdLst/>
             <a:ahLst/>
             <a:cxnLst/>
-            <a:rect r="r" b="b" t="t" l="l"/>
+            <a:rect l="l" t="t" r="r" b="b"/>
             <a:pathLst>
-              <a:path h="5241124" w="17839426">
+              <a:path w="17839426" h="5241124">
                 <a:moveTo>
                   <a:pt x="0" y="0"/>
                 </a:moveTo>
@@ -5427,19 +5598,26 @@
           <a:blipFill>
             <a:blip r:embed="rId2"/>
             <a:stretch>
-              <a:fillRect l="0" t="-32969" r="0" b="-97927"/>
+              <a:fillRect t="-32969" b="-97927"/>
             </a:stretch>
           </a:blipFill>
         </p:spPr>
-      </p:sp>
-      <p:sp>
-        <p:nvSpPr>
-          <p:cNvPr name="TextBox 7" id="7"/>
-          <p:cNvSpPr txBox="true"/>
+        <p:txBody>
+          <a:bodyPr/>
+          <a:lstStyle/>
+          <a:p>
+            <a:endParaRPr lang="es-419"/>
+          </a:p>
+        </p:txBody>
+      </p:sp>
+      <p:sp>
+        <p:nvSpPr>
+          <p:cNvPr id="7" name="TextBox 7"/>
+          <p:cNvSpPr txBox="1"/>
           <p:nvPr/>
         </p:nvSpPr>
         <p:spPr>
-          <a:xfrm rot="0">
+          <a:xfrm>
             <a:off x="579378" y="1066800"/>
             <a:ext cx="13103867" cy="1174750"/>
           </a:xfrm>
@@ -5448,7 +5626,7 @@
           </a:prstGeom>
         </p:spPr>
         <p:txBody>
-          <a:bodyPr anchor="t" rtlCol="false" tIns="0" lIns="0" bIns="0" rIns="0">
+          <a:bodyPr lIns="0" tIns="0" rIns="0" bIns="0" rtlCol="0" anchor="t">
             <a:spAutoFit/>
           </a:bodyPr>
           <a:lstStyle/>
@@ -5475,12 +5653,12 @@
       </p:sp>
       <p:sp>
         <p:nvSpPr>
-          <p:cNvPr name="TextBox 8" id="8"/>
-          <p:cNvSpPr txBox="true"/>
+          <p:cNvPr id="8" name="TextBox 8"/>
+          <p:cNvSpPr txBox="1"/>
           <p:nvPr/>
         </p:nvSpPr>
         <p:spPr>
-          <a:xfrm rot="0">
+          <a:xfrm>
             <a:off x="579378" y="2174875"/>
             <a:ext cx="5857780" cy="444500"/>
           </a:xfrm>
@@ -5489,7 +5667,7 @@
           </a:prstGeom>
         </p:spPr>
         <p:txBody>
-          <a:bodyPr anchor="t" rtlCol="false" tIns="0" lIns="0" bIns="0" rIns="0">
+          <a:bodyPr lIns="0" tIns="0" rIns="0" bIns="0" rtlCol="0" anchor="t">
             <a:spAutoFit/>
           </a:bodyPr>
           <a:lstStyle/>
@@ -5526,7 +5704,7 @@
 </file>
 
 <file path=ppt/slides/slide14.xml><?xml version="1.0" encoding="utf-8"?>
-<p:sld xmlns:p="http://schemas.openxmlformats.org/presentationml/2006/main" xmlns:a="http://schemas.openxmlformats.org/drawingml/2006/main" xmlns:r="http://schemas.openxmlformats.org/officeDocument/2006/relationships">
+<p:sld xmlns:a="http://schemas.openxmlformats.org/drawingml/2006/main" xmlns:r="http://schemas.openxmlformats.org/officeDocument/2006/relationships" xmlns:p="http://schemas.openxmlformats.org/presentationml/2006/main">
   <p:cSld>
     <p:spTree>
       <p:nvGrpSpPr>
@@ -5544,7 +5722,7 @@
       </p:grpSpPr>
       <p:sp>
         <p:nvSpPr>
-          <p:cNvPr name="AutoShape 2" id="2"/>
+          <p:cNvPr id="2" name="AutoShape 2"/>
           <p:cNvSpPr/>
           <p:nvPr/>
         </p:nvSpPr>
@@ -5556,24 +5734,31 @@
           <a:prstGeom prst="line">
             <a:avLst/>
           </a:prstGeom>
-          <a:ln cap="flat" w="9525">
+          <a:ln w="9525" cap="flat">
             <a:solidFill>
               <a:srgbClr val="A6A6A6"/>
             </a:solidFill>
             <a:prstDash val="solid"/>
-            <a:headEnd type="none" len="sm" w="sm"/>
-            <a:tailEnd type="none" len="sm" w="sm"/>
+            <a:headEnd type="none" w="sm" len="sm"/>
+            <a:tailEnd type="none" w="sm" len="sm"/>
           </a:ln>
         </p:spPr>
+        <p:txBody>
+          <a:bodyPr/>
+          <a:lstStyle/>
+          <a:p>
+            <a:endParaRPr lang="es-419"/>
+          </a:p>
+        </p:txBody>
       </p:sp>
       <p:grpSp>
         <p:nvGrpSpPr>
-          <p:cNvPr name="Group 3" id="3"/>
+          <p:cNvPr id="3" name="Group 3"/>
           <p:cNvGrpSpPr/>
           <p:nvPr/>
         </p:nvGrpSpPr>
         <p:grpSpPr>
-          <a:xfrm rot="0">
+          <a:xfrm>
             <a:off x="27" y="696725"/>
             <a:ext cx="9313954" cy="2106503"/>
             <a:chOff x="0" y="0"/>
@@ -5582,12 +5767,12 @@
         </p:grpSpPr>
         <p:sp>
           <p:nvSpPr>
-            <p:cNvPr name="Freeform 4" id="4"/>
+            <p:cNvPr id="4" name="Freeform 4"/>
             <p:cNvSpPr/>
             <p:nvPr/>
           </p:nvSpPr>
           <p:spPr>
-            <a:xfrm flipH="false" flipV="false" rot="0">
+            <a:xfrm>
               <a:off x="0" y="0"/>
               <a:ext cx="2453058" cy="554799"/>
             </a:xfrm>
@@ -5596,9 +5781,9 @@
               <a:gdLst/>
               <a:ahLst/>
               <a:cxnLst/>
-              <a:rect r="r" b="b" t="t" l="l"/>
+              <a:rect l="l" t="t" r="r" b="b"/>
               <a:pathLst>
-                <a:path h="554799" w="2453058">
+                <a:path w="2453058" h="554799">
                   <a:moveTo>
                     <a:pt x="2249858" y="0"/>
                   </a:moveTo>
@@ -5627,11 +5812,18 @@
               </a:srgbClr>
             </a:solidFill>
           </p:spPr>
+          <p:txBody>
+            <a:bodyPr/>
+            <a:lstStyle/>
+            <a:p>
+              <a:endParaRPr lang="es-419"/>
+            </a:p>
+          </p:txBody>
         </p:sp>
         <p:sp>
           <p:nvSpPr>
-            <p:cNvPr name="TextBox 5" id="5"/>
-            <p:cNvSpPr txBox="true"/>
+            <p:cNvPr id="5" name="TextBox 5"/>
+            <p:cNvSpPr txBox="1"/>
             <p:nvPr/>
           </p:nvSpPr>
           <p:spPr>
@@ -5644,7 +5836,7 @@
             </a:prstGeom>
           </p:spPr>
           <p:txBody>
-            <a:bodyPr anchor="ctr" rtlCol="false" tIns="50800" lIns="50800" bIns="50800" rIns="50800"/>
+            <a:bodyPr lIns="50800" tIns="50800" rIns="50800" bIns="50800" rtlCol="0" anchor="ctr"/>
             <a:lstStyle/>
             <a:p>
               <a:pPr algn="ctr">
@@ -5652,18 +5844,19 @@
                   <a:spcPts val="3624"/>
                 </a:lnSpc>
               </a:pPr>
+              <a:endParaRPr/>
             </a:p>
           </p:txBody>
         </p:sp>
       </p:grpSp>
       <p:sp>
         <p:nvSpPr>
-          <p:cNvPr name="Freeform 6" id="6"/>
+          <p:cNvPr id="6" name="Freeform 6"/>
           <p:cNvSpPr/>
           <p:nvPr/>
         </p:nvSpPr>
         <p:spPr>
-          <a:xfrm flipH="false" flipV="false" rot="0">
+          <a:xfrm>
             <a:off x="1540008" y="3380363"/>
             <a:ext cx="15719292" cy="6206954"/>
           </a:xfrm>
@@ -5672,9 +5865,9 @@
             <a:gdLst/>
             <a:ahLst/>
             <a:cxnLst/>
-            <a:rect r="r" b="b" t="t" l="l"/>
+            <a:rect l="l" t="t" r="r" b="b"/>
             <a:pathLst>
-              <a:path h="6206954" w="15719292">
+              <a:path w="15719292" h="6206954">
                 <a:moveTo>
                   <a:pt x="0" y="0"/>
                 </a:moveTo>
@@ -5697,19 +5890,26 @@
           <a:blipFill>
             <a:blip r:embed="rId2"/>
             <a:stretch>
-              <a:fillRect l="0" t="-135245" r="-36931" b="0"/>
+              <a:fillRect t="-135245" r="-36931"/>
             </a:stretch>
           </a:blipFill>
         </p:spPr>
-      </p:sp>
-      <p:sp>
-        <p:nvSpPr>
-          <p:cNvPr name="TextBox 7" id="7"/>
-          <p:cNvSpPr txBox="true"/>
+        <p:txBody>
+          <a:bodyPr/>
+          <a:lstStyle/>
+          <a:p>
+            <a:endParaRPr lang="es-419"/>
+          </a:p>
+        </p:txBody>
+      </p:sp>
+      <p:sp>
+        <p:nvSpPr>
+          <p:cNvPr id="7" name="TextBox 7"/>
+          <p:cNvSpPr txBox="1"/>
           <p:nvPr/>
         </p:nvSpPr>
         <p:spPr>
-          <a:xfrm rot="0">
+          <a:xfrm>
             <a:off x="579378" y="1066800"/>
             <a:ext cx="13103867" cy="1174750"/>
           </a:xfrm>
@@ -5718,7 +5918,7 @@
           </a:prstGeom>
         </p:spPr>
         <p:txBody>
-          <a:bodyPr anchor="t" rtlCol="false" tIns="0" lIns="0" bIns="0" rIns="0">
+          <a:bodyPr lIns="0" tIns="0" rIns="0" bIns="0" rtlCol="0" anchor="t">
             <a:spAutoFit/>
           </a:bodyPr>
           <a:lstStyle/>
@@ -5745,12 +5945,12 @@
       </p:sp>
       <p:sp>
         <p:nvSpPr>
-          <p:cNvPr name="TextBox 8" id="8"/>
-          <p:cNvSpPr txBox="true"/>
+          <p:cNvPr id="8" name="TextBox 8"/>
+          <p:cNvSpPr txBox="1"/>
           <p:nvPr/>
         </p:nvSpPr>
         <p:spPr>
-          <a:xfrm rot="0">
+          <a:xfrm>
             <a:off x="579378" y="2174875"/>
             <a:ext cx="5857780" cy="444500"/>
           </a:xfrm>
@@ -5759,7 +5959,7 @@
           </a:prstGeom>
         </p:spPr>
         <p:txBody>
-          <a:bodyPr anchor="t" rtlCol="false" tIns="0" lIns="0" bIns="0" rIns="0">
+          <a:bodyPr lIns="0" tIns="0" rIns="0" bIns="0" rtlCol="0" anchor="t">
             <a:spAutoFit/>
           </a:bodyPr>
           <a:lstStyle/>
@@ -5796,13 +5996,14 @@
 </file>
 
 <file path=ppt/slides/slide15.xml><?xml version="1.0" encoding="utf-8"?>
-<p:sld xmlns:p="http://schemas.openxmlformats.org/presentationml/2006/main" xmlns:a="http://schemas.openxmlformats.org/drawingml/2006/main" xmlns:r="http://schemas.openxmlformats.org/officeDocument/2006/relationships">
+<p:sld xmlns:a="http://schemas.openxmlformats.org/drawingml/2006/main" xmlns:r="http://schemas.openxmlformats.org/officeDocument/2006/relationships" xmlns:p="http://schemas.openxmlformats.org/presentationml/2006/main">
   <p:cSld>
     <p:bg>
       <p:bgPr>
         <a:solidFill>
           <a:srgbClr val="FFFEFE"/>
         </a:solidFill>
+        <a:effectLst/>
       </p:bgPr>
     </p:bg>
     <p:spTree>
@@ -5821,7 +6022,7 @@
       </p:grpSpPr>
       <p:sp>
         <p:nvSpPr>
-          <p:cNvPr name="AutoShape 2" id="2"/>
+          <p:cNvPr id="2" name="AutoShape 2"/>
           <p:cNvSpPr/>
           <p:nvPr/>
         </p:nvSpPr>
@@ -5833,24 +6034,31 @@
           <a:prstGeom prst="line">
             <a:avLst/>
           </a:prstGeom>
-          <a:ln cap="flat" w="9525">
+          <a:ln w="9525" cap="flat">
             <a:solidFill>
               <a:srgbClr val="A6A6A6"/>
             </a:solidFill>
             <a:prstDash val="solid"/>
-            <a:headEnd type="none" len="sm" w="sm"/>
-            <a:tailEnd type="none" len="sm" w="sm"/>
+            <a:headEnd type="none" w="sm" len="sm"/>
+            <a:tailEnd type="none" w="sm" len="sm"/>
           </a:ln>
         </p:spPr>
+        <p:txBody>
+          <a:bodyPr/>
+          <a:lstStyle/>
+          <a:p>
+            <a:endParaRPr lang="es-419"/>
+          </a:p>
+        </p:txBody>
       </p:sp>
       <p:grpSp>
         <p:nvGrpSpPr>
-          <p:cNvPr name="Group 3" id="3"/>
+          <p:cNvPr id="3" name="Group 3"/>
           <p:cNvGrpSpPr/>
           <p:nvPr/>
         </p:nvGrpSpPr>
         <p:grpSpPr>
-          <a:xfrm rot="0">
+          <a:xfrm>
             <a:off x="27" y="696725"/>
             <a:ext cx="9313954" cy="2106503"/>
             <a:chOff x="0" y="0"/>
@@ -5859,12 +6067,12 @@
         </p:grpSpPr>
         <p:sp>
           <p:nvSpPr>
-            <p:cNvPr name="Freeform 4" id="4"/>
+            <p:cNvPr id="4" name="Freeform 4"/>
             <p:cNvSpPr/>
             <p:nvPr/>
           </p:nvSpPr>
           <p:spPr>
-            <a:xfrm flipH="false" flipV="false" rot="0">
+            <a:xfrm>
               <a:off x="0" y="0"/>
               <a:ext cx="2453058" cy="554799"/>
             </a:xfrm>
@@ -5873,9 +6081,9 @@
               <a:gdLst/>
               <a:ahLst/>
               <a:cxnLst/>
-              <a:rect r="r" b="b" t="t" l="l"/>
+              <a:rect l="l" t="t" r="r" b="b"/>
               <a:pathLst>
-                <a:path h="554799" w="2453058">
+                <a:path w="2453058" h="554799">
                   <a:moveTo>
                     <a:pt x="2249858" y="0"/>
                   </a:moveTo>
@@ -5904,11 +6112,18 @@
               </a:srgbClr>
             </a:solidFill>
           </p:spPr>
+          <p:txBody>
+            <a:bodyPr/>
+            <a:lstStyle/>
+            <a:p>
+              <a:endParaRPr lang="es-419"/>
+            </a:p>
+          </p:txBody>
         </p:sp>
         <p:sp>
           <p:nvSpPr>
-            <p:cNvPr name="TextBox 5" id="5"/>
-            <p:cNvSpPr txBox="true"/>
+            <p:cNvPr id="5" name="TextBox 5"/>
+            <p:cNvSpPr txBox="1"/>
             <p:nvPr/>
           </p:nvSpPr>
           <p:spPr>
@@ -5921,7 +6136,7 @@
             </a:prstGeom>
           </p:spPr>
           <p:txBody>
-            <a:bodyPr anchor="ctr" rtlCol="false" tIns="50800" lIns="50800" bIns="50800" rIns="50800"/>
+            <a:bodyPr lIns="50800" tIns="50800" rIns="50800" bIns="50800" rtlCol="0" anchor="ctr"/>
             <a:lstStyle/>
             <a:p>
               <a:pPr algn="ctr">
@@ -5929,18 +6144,19 @@
                   <a:spcPts val="3624"/>
                 </a:lnSpc>
               </a:pPr>
+              <a:endParaRPr/>
             </a:p>
           </p:txBody>
         </p:sp>
       </p:grpSp>
       <p:sp>
         <p:nvSpPr>
-          <p:cNvPr name="Freeform 6" id="6"/>
+          <p:cNvPr id="6" name="Freeform 6"/>
           <p:cNvSpPr/>
           <p:nvPr/>
         </p:nvSpPr>
         <p:spPr>
-          <a:xfrm flipH="false" flipV="false" rot="0">
+          <a:xfrm>
             <a:off x="186896" y="3839093"/>
             <a:ext cx="5554580" cy="5419207"/>
           </a:xfrm>
@@ -5949,9 +6165,9 @@
             <a:gdLst/>
             <a:ahLst/>
             <a:cxnLst/>
-            <a:rect r="r" b="b" t="t" l="l"/>
+            <a:rect l="l" t="t" r="r" b="b"/>
             <a:pathLst>
-              <a:path h="5419207" w="5554580">
+              <a:path w="5554580" h="5419207">
                 <a:moveTo>
                   <a:pt x="0" y="0"/>
                 </a:moveTo>
@@ -5974,19 +6190,26 @@
           <a:blipFill>
             <a:blip r:embed="rId2"/>
             <a:stretch>
-              <a:fillRect l="0" t="-24036" r="-108147" b="-95627"/>
+              <a:fillRect t="-24036" r="-108147" b="-95627"/>
             </a:stretch>
           </a:blipFill>
         </p:spPr>
-      </p:sp>
-      <p:sp>
-        <p:nvSpPr>
-          <p:cNvPr name="Freeform 7" id="7"/>
+        <p:txBody>
+          <a:bodyPr/>
+          <a:lstStyle/>
+          <a:p>
+            <a:endParaRPr lang="es-419"/>
+          </a:p>
+        </p:txBody>
+      </p:sp>
+      <p:sp>
+        <p:nvSpPr>
+          <p:cNvPr id="7" name="Freeform 7"/>
           <p:cNvSpPr/>
           <p:nvPr/>
         </p:nvSpPr>
         <p:spPr>
-          <a:xfrm flipH="false" flipV="false" rot="0">
+          <a:xfrm>
             <a:off x="5726351" y="3839093"/>
             <a:ext cx="6595470" cy="5562857"/>
           </a:xfrm>
@@ -5995,9 +6218,9 @@
             <a:gdLst/>
             <a:ahLst/>
             <a:cxnLst/>
-            <a:rect r="r" b="b" t="t" l="l"/>
+            <a:rect l="l" t="t" r="r" b="b"/>
             <a:pathLst>
-              <a:path h="5562857" w="6595470">
+              <a:path w="6595470" h="5562857">
                 <a:moveTo>
                   <a:pt x="0" y="0"/>
                 </a:moveTo>
@@ -6020,19 +6243,26 @@
           <a:blipFill>
             <a:blip r:embed="rId2"/>
             <a:stretch>
-              <a:fillRect l="0" t="-142899" r="-110922" b="-14579"/>
+              <a:fillRect t="-142899" r="-110922" b="-14579"/>
             </a:stretch>
           </a:blipFill>
         </p:spPr>
-      </p:sp>
-      <p:sp>
-        <p:nvSpPr>
-          <p:cNvPr name="Freeform 8" id="8"/>
+        <p:txBody>
+          <a:bodyPr/>
+          <a:lstStyle/>
+          <a:p>
+            <a:endParaRPr lang="es-419"/>
+          </a:p>
+        </p:txBody>
+      </p:sp>
+      <p:sp>
+        <p:nvSpPr>
+          <p:cNvPr id="8" name="Freeform 8"/>
           <p:cNvSpPr/>
           <p:nvPr/>
         </p:nvSpPr>
         <p:spPr>
-          <a:xfrm flipH="false" flipV="false" rot="0">
+          <a:xfrm>
             <a:off x="12152578" y="-187459"/>
             <a:ext cx="5553228" cy="10346590"/>
           </a:xfrm>
@@ -6041,9 +6271,9 @@
             <a:gdLst/>
             <a:ahLst/>
             <a:cxnLst/>
-            <a:rect r="r" b="b" t="t" l="l"/>
+            <a:rect l="l" t="t" r="r" b="b"/>
             <a:pathLst>
-              <a:path h="10346590" w="5553228">
+              <a:path w="5553228" h="10346590">
                 <a:moveTo>
                   <a:pt x="0" y="0"/>
                 </a:moveTo>
@@ -6066,19 +6296,26 @@
           <a:blipFill>
             <a:blip r:embed="rId2"/>
             <a:stretch>
-              <a:fillRect l="-100503" t="-10800" r="0" b="0"/>
+              <a:fillRect l="-100503" t="-10800"/>
             </a:stretch>
           </a:blipFill>
         </p:spPr>
-      </p:sp>
-      <p:sp>
-        <p:nvSpPr>
-          <p:cNvPr name="TextBox 9" id="9"/>
-          <p:cNvSpPr txBox="true"/>
+        <p:txBody>
+          <a:bodyPr/>
+          <a:lstStyle/>
+          <a:p>
+            <a:endParaRPr lang="es-419"/>
+          </a:p>
+        </p:txBody>
+      </p:sp>
+      <p:sp>
+        <p:nvSpPr>
+          <p:cNvPr id="9" name="TextBox 9"/>
+          <p:cNvSpPr txBox="1"/>
           <p:nvPr/>
         </p:nvSpPr>
         <p:spPr>
-          <a:xfrm rot="0">
+          <a:xfrm>
             <a:off x="579378" y="1066800"/>
             <a:ext cx="13103867" cy="1174750"/>
           </a:xfrm>
@@ -6087,7 +6324,7 @@
           </a:prstGeom>
         </p:spPr>
         <p:txBody>
-          <a:bodyPr anchor="t" rtlCol="false" tIns="0" lIns="0" bIns="0" rIns="0">
+          <a:bodyPr lIns="0" tIns="0" rIns="0" bIns="0" rtlCol="0" anchor="t">
             <a:spAutoFit/>
           </a:bodyPr>
           <a:lstStyle/>
@@ -6114,12 +6351,12 @@
       </p:sp>
       <p:sp>
         <p:nvSpPr>
-          <p:cNvPr name="TextBox 10" id="10"/>
-          <p:cNvSpPr txBox="true"/>
+          <p:cNvPr id="10" name="TextBox 10"/>
+          <p:cNvSpPr txBox="1"/>
           <p:nvPr/>
         </p:nvSpPr>
         <p:spPr>
-          <a:xfrm rot="0">
+          <a:xfrm>
             <a:off x="579378" y="2174875"/>
             <a:ext cx="5857780" cy="444500"/>
           </a:xfrm>
@@ -6128,7 +6365,7 @@
           </a:prstGeom>
         </p:spPr>
         <p:txBody>
-          <a:bodyPr anchor="t" rtlCol="false" tIns="0" lIns="0" bIns="0" rIns="0">
+          <a:bodyPr lIns="0" tIns="0" rIns="0" bIns="0" rtlCol="0" anchor="t">
             <a:spAutoFit/>
           </a:bodyPr>
           <a:lstStyle/>
@@ -6165,7 +6402,7 @@
 </file>
 
 <file path=ppt/slides/slide16.xml><?xml version="1.0" encoding="utf-8"?>
-<p:sld xmlns:p="http://schemas.openxmlformats.org/presentationml/2006/main" xmlns:a="http://schemas.openxmlformats.org/drawingml/2006/main" xmlns:r="http://schemas.openxmlformats.org/officeDocument/2006/relationships">
+<p:sld xmlns:a="http://schemas.openxmlformats.org/drawingml/2006/main" xmlns:r="http://schemas.openxmlformats.org/officeDocument/2006/relationships" xmlns:p="http://schemas.openxmlformats.org/presentationml/2006/main">
   <p:cSld>
     <p:spTree>
       <p:nvGrpSpPr>
@@ -6183,7 +6420,7 @@
       </p:grpSpPr>
       <p:sp>
         <p:nvSpPr>
-          <p:cNvPr name="AutoShape 2" id="2"/>
+          <p:cNvPr id="2" name="AutoShape 2"/>
           <p:cNvSpPr/>
           <p:nvPr/>
         </p:nvSpPr>
@@ -6195,24 +6432,31 @@
           <a:prstGeom prst="line">
             <a:avLst/>
           </a:prstGeom>
-          <a:ln cap="flat" w="9525">
+          <a:ln w="9525" cap="flat">
             <a:solidFill>
               <a:srgbClr val="A6A6A6"/>
             </a:solidFill>
             <a:prstDash val="solid"/>
-            <a:headEnd type="none" len="sm" w="sm"/>
-            <a:tailEnd type="none" len="sm" w="sm"/>
+            <a:headEnd type="none" w="sm" len="sm"/>
+            <a:tailEnd type="none" w="sm" len="sm"/>
           </a:ln>
         </p:spPr>
+        <p:txBody>
+          <a:bodyPr/>
+          <a:lstStyle/>
+          <a:p>
+            <a:endParaRPr lang="es-419"/>
+          </a:p>
+        </p:txBody>
       </p:sp>
       <p:grpSp>
         <p:nvGrpSpPr>
-          <p:cNvPr name="Group 3" id="3"/>
+          <p:cNvPr id="3" name="Group 3"/>
           <p:cNvGrpSpPr/>
           <p:nvPr/>
         </p:nvGrpSpPr>
         <p:grpSpPr>
-          <a:xfrm rot="0">
+          <a:xfrm>
             <a:off x="27" y="696725"/>
             <a:ext cx="9313954" cy="2106503"/>
             <a:chOff x="0" y="0"/>
@@ -6221,12 +6465,12 @@
         </p:grpSpPr>
         <p:sp>
           <p:nvSpPr>
-            <p:cNvPr name="Freeform 4" id="4"/>
+            <p:cNvPr id="4" name="Freeform 4"/>
             <p:cNvSpPr/>
             <p:nvPr/>
           </p:nvSpPr>
           <p:spPr>
-            <a:xfrm flipH="false" flipV="false" rot="0">
+            <a:xfrm>
               <a:off x="0" y="0"/>
               <a:ext cx="2453058" cy="554799"/>
             </a:xfrm>
@@ -6235,9 +6479,9 @@
               <a:gdLst/>
               <a:ahLst/>
               <a:cxnLst/>
-              <a:rect r="r" b="b" t="t" l="l"/>
+              <a:rect l="l" t="t" r="r" b="b"/>
               <a:pathLst>
-                <a:path h="554799" w="2453058">
+                <a:path w="2453058" h="554799">
                   <a:moveTo>
                     <a:pt x="2249858" y="0"/>
                   </a:moveTo>
@@ -6266,11 +6510,18 @@
               </a:srgbClr>
             </a:solidFill>
           </p:spPr>
+          <p:txBody>
+            <a:bodyPr/>
+            <a:lstStyle/>
+            <a:p>
+              <a:endParaRPr lang="es-419"/>
+            </a:p>
+          </p:txBody>
         </p:sp>
         <p:sp>
           <p:nvSpPr>
-            <p:cNvPr name="TextBox 5" id="5"/>
-            <p:cNvSpPr txBox="true"/>
+            <p:cNvPr id="5" name="TextBox 5"/>
+            <p:cNvSpPr txBox="1"/>
             <p:nvPr/>
           </p:nvSpPr>
           <p:spPr>
@@ -6283,7 +6534,7 @@
             </a:prstGeom>
           </p:spPr>
           <p:txBody>
-            <a:bodyPr anchor="ctr" rtlCol="false" tIns="50800" lIns="50800" bIns="50800" rIns="50800"/>
+            <a:bodyPr lIns="50800" tIns="50800" rIns="50800" bIns="50800" rtlCol="0" anchor="ctr"/>
             <a:lstStyle/>
             <a:p>
               <a:pPr algn="ctr">
@@ -6291,18 +6542,19 @@
                   <a:spcPts val="3624"/>
                 </a:lnSpc>
               </a:pPr>
+              <a:endParaRPr/>
             </a:p>
           </p:txBody>
         </p:sp>
       </p:grpSp>
       <p:sp>
         <p:nvSpPr>
-          <p:cNvPr name="Freeform 6" id="6"/>
+          <p:cNvPr id="6" name="Freeform 6"/>
           <p:cNvSpPr/>
           <p:nvPr/>
         </p:nvSpPr>
         <p:spPr>
-          <a:xfrm flipH="false" flipV="false" rot="0">
+          <a:xfrm>
             <a:off x="579378" y="3419245"/>
             <a:ext cx="8734603" cy="6669601"/>
           </a:xfrm>
@@ -6311,9 +6563,9 @@
             <a:gdLst/>
             <a:ahLst/>
             <a:cxnLst/>
-            <a:rect r="r" b="b" t="t" l="l"/>
+            <a:rect l="l" t="t" r="r" b="b"/>
             <a:pathLst>
-              <a:path h="6669601" w="8734603">
+              <a:path w="8734603" h="6669601">
                 <a:moveTo>
                   <a:pt x="0" y="0"/>
                 </a:moveTo>
@@ -6336,19 +6588,26 @@
           <a:blipFill>
             <a:blip r:embed="rId2"/>
             <a:stretch>
-              <a:fillRect l="0" t="-308483" r="-89049" b="0"/>
+              <a:fillRect t="-308483" r="-89049"/>
             </a:stretch>
           </a:blipFill>
         </p:spPr>
-      </p:sp>
-      <p:sp>
-        <p:nvSpPr>
-          <p:cNvPr name="TextBox 7" id="7"/>
-          <p:cNvSpPr txBox="true"/>
+        <p:txBody>
+          <a:bodyPr/>
+          <a:lstStyle/>
+          <a:p>
+            <a:endParaRPr lang="es-419"/>
+          </a:p>
+        </p:txBody>
+      </p:sp>
+      <p:sp>
+        <p:nvSpPr>
+          <p:cNvPr id="7" name="TextBox 7"/>
+          <p:cNvSpPr txBox="1"/>
           <p:nvPr/>
         </p:nvSpPr>
         <p:spPr>
-          <a:xfrm rot="0">
+          <a:xfrm>
             <a:off x="579378" y="1066800"/>
             <a:ext cx="13103867" cy="1174750"/>
           </a:xfrm>
@@ -6357,7 +6616,7 @@
           </a:prstGeom>
         </p:spPr>
         <p:txBody>
-          <a:bodyPr anchor="t" rtlCol="false" tIns="0" lIns="0" bIns="0" rIns="0">
+          <a:bodyPr lIns="0" tIns="0" rIns="0" bIns="0" rtlCol="0" anchor="t">
             <a:spAutoFit/>
           </a:bodyPr>
           <a:lstStyle/>
@@ -6384,12 +6643,12 @@
       </p:sp>
       <p:sp>
         <p:nvSpPr>
-          <p:cNvPr name="TextBox 8" id="8"/>
-          <p:cNvSpPr txBox="true"/>
+          <p:cNvPr id="8" name="TextBox 8"/>
+          <p:cNvSpPr txBox="1"/>
           <p:nvPr/>
         </p:nvSpPr>
         <p:spPr>
-          <a:xfrm rot="0">
+          <a:xfrm>
             <a:off x="579378" y="2174875"/>
             <a:ext cx="5857780" cy="444500"/>
           </a:xfrm>
@@ -6398,7 +6657,7 @@
           </a:prstGeom>
         </p:spPr>
         <p:txBody>
-          <a:bodyPr anchor="t" rtlCol="false" tIns="0" lIns="0" bIns="0" rIns="0">
+          <a:bodyPr lIns="0" tIns="0" rIns="0" bIns="0" rtlCol="0" anchor="t">
             <a:spAutoFit/>
           </a:bodyPr>
           <a:lstStyle/>
@@ -6435,7 +6694,7 @@
 </file>
 
 <file path=ppt/slides/slide17.xml><?xml version="1.0" encoding="utf-8"?>
-<p:sld xmlns:p="http://schemas.openxmlformats.org/presentationml/2006/main" xmlns:a="http://schemas.openxmlformats.org/drawingml/2006/main" xmlns:r="http://schemas.openxmlformats.org/officeDocument/2006/relationships">
+<p:sld xmlns:a="http://schemas.openxmlformats.org/drawingml/2006/main" xmlns:r="http://schemas.openxmlformats.org/officeDocument/2006/relationships" xmlns:p="http://schemas.openxmlformats.org/presentationml/2006/main">
   <p:cSld>
     <p:spTree>
       <p:nvGrpSpPr>
@@ -6453,12 +6712,12 @@
       </p:grpSpPr>
       <p:grpSp>
         <p:nvGrpSpPr>
-          <p:cNvPr name="Group 2" id="2"/>
+          <p:cNvPr id="2" name="Group 2"/>
           <p:cNvGrpSpPr/>
           <p:nvPr/>
         </p:nvGrpSpPr>
         <p:grpSpPr>
-          <a:xfrm rot="0">
+          <a:xfrm>
             <a:off x="0" y="0"/>
             <a:ext cx="6906257" cy="10287000"/>
             <a:chOff x="0" y="0"/>
@@ -6467,12 +6726,12 @@
         </p:grpSpPr>
         <p:sp>
           <p:nvSpPr>
-            <p:cNvPr name="Freeform 3" id="3"/>
+            <p:cNvPr id="3" name="Freeform 3"/>
             <p:cNvSpPr/>
             <p:nvPr/>
           </p:nvSpPr>
           <p:spPr>
-            <a:xfrm flipH="false" flipV="false" rot="0">
+            <a:xfrm>
               <a:off x="0" y="0"/>
               <a:ext cx="1818932" cy="2709333"/>
             </a:xfrm>
@@ -6481,9 +6740,9 @@
               <a:gdLst/>
               <a:ahLst/>
               <a:cxnLst/>
-              <a:rect r="r" b="b" t="t" l="l"/>
+              <a:rect l="l" t="t" r="r" b="b"/>
               <a:pathLst>
-                <a:path h="2709333" w="1818932">
+                <a:path w="1818932" h="2709333">
                   <a:moveTo>
                     <a:pt x="0" y="0"/>
                   </a:moveTo>
@@ -6504,11 +6763,18 @@
               <a:srgbClr val="132232"/>
             </a:solidFill>
           </p:spPr>
+          <p:txBody>
+            <a:bodyPr/>
+            <a:lstStyle/>
+            <a:p>
+              <a:endParaRPr lang="es-419"/>
+            </a:p>
+          </p:txBody>
         </p:sp>
         <p:sp>
           <p:nvSpPr>
-            <p:cNvPr name="TextBox 4" id="4"/>
-            <p:cNvSpPr txBox="true"/>
+            <p:cNvPr id="4" name="TextBox 4"/>
+            <p:cNvSpPr txBox="1"/>
             <p:nvPr/>
           </p:nvSpPr>
           <p:spPr>
@@ -6521,7 +6787,7 @@
             </a:prstGeom>
           </p:spPr>
           <p:txBody>
-            <a:bodyPr anchor="ctr" rtlCol="false" tIns="50800" lIns="50800" bIns="50800" rIns="50800"/>
+            <a:bodyPr lIns="50800" tIns="50800" rIns="50800" bIns="50800" rtlCol="0" anchor="ctr"/>
             <a:lstStyle/>
             <a:p>
               <a:pPr algn="ctr">
@@ -6529,18 +6795,19 @@
                   <a:spcPts val="3624"/>
                 </a:lnSpc>
               </a:pPr>
+              <a:endParaRPr/>
             </a:p>
           </p:txBody>
         </p:sp>
       </p:grpSp>
       <p:sp>
         <p:nvSpPr>
-          <p:cNvPr name="Freeform 5" id="5"/>
+          <p:cNvPr id="5" name="Freeform 5"/>
           <p:cNvSpPr/>
           <p:nvPr/>
         </p:nvSpPr>
         <p:spPr>
-          <a:xfrm flipH="true" flipV="false" rot="0">
+          <a:xfrm flipH="1">
             <a:off x="8178490" y="1028700"/>
             <a:ext cx="8861932" cy="7991852"/>
           </a:xfrm>
@@ -6549,9 +6816,9 @@
             <a:gdLst/>
             <a:ahLst/>
             <a:cxnLst/>
-            <a:rect r="r" b="b" t="t" l="l"/>
+            <a:rect l="l" t="t" r="r" b="b"/>
             <a:pathLst>
-              <a:path h="7991852" w="8861932">
+              <a:path w="8861932" h="7991852">
                 <a:moveTo>
                   <a:pt x="8861933" y="0"/>
                 </a:moveTo>
@@ -6580,19 +6847,26 @@
               </a:extLst>
             </a:blip>
             <a:stretch>
-              <a:fillRect l="0" t="0" r="0" b="0"/>
+              <a:fillRect/>
             </a:stretch>
           </a:blipFill>
         </p:spPr>
-      </p:sp>
-      <p:sp>
-        <p:nvSpPr>
-          <p:cNvPr name="Freeform 6" id="6"/>
+        <p:txBody>
+          <a:bodyPr/>
+          <a:lstStyle/>
+          <a:p>
+            <a:endParaRPr lang="es-419"/>
+          </a:p>
+        </p:txBody>
+      </p:sp>
+      <p:sp>
+        <p:nvSpPr>
+          <p:cNvPr id="6" name="Freeform 6"/>
           <p:cNvSpPr/>
           <p:nvPr/>
         </p:nvSpPr>
         <p:spPr>
-          <a:xfrm flipH="false" flipV="false" rot="0">
+          <a:xfrm>
             <a:off x="7084263" y="261797"/>
             <a:ext cx="6074085" cy="6689024"/>
           </a:xfrm>
@@ -6601,9 +6875,9 @@
             <a:gdLst/>
             <a:ahLst/>
             <a:cxnLst/>
-            <a:rect r="r" b="b" t="t" l="l"/>
+            <a:rect l="l" t="t" r="r" b="b"/>
             <a:pathLst>
-              <a:path h="6689024" w="6074085">
+              <a:path w="6074085" h="6689024">
                 <a:moveTo>
                   <a:pt x="0" y="0"/>
                 </a:moveTo>
@@ -6626,19 +6900,26 @@
           <a:blipFill>
             <a:blip r:embed="rId4"/>
             <a:stretch>
-              <a:fillRect l="0" t="0" r="0" b="0"/>
+              <a:fillRect/>
             </a:stretch>
           </a:blipFill>
         </p:spPr>
-      </p:sp>
-      <p:sp>
-        <p:nvSpPr>
-          <p:cNvPr name="Freeform 7" id="7"/>
+        <p:txBody>
+          <a:bodyPr/>
+          <a:lstStyle/>
+          <a:p>
+            <a:endParaRPr lang="es-419"/>
+          </a:p>
+        </p:txBody>
+      </p:sp>
+      <p:sp>
+        <p:nvSpPr>
+          <p:cNvPr id="7" name="Freeform 7"/>
           <p:cNvSpPr/>
           <p:nvPr/>
         </p:nvSpPr>
         <p:spPr>
-          <a:xfrm flipH="false" flipV="false" rot="0">
+          <a:xfrm>
             <a:off x="11719607" y="5714230"/>
             <a:ext cx="5040323" cy="4032258"/>
           </a:xfrm>
@@ -6647,9 +6928,9 @@
             <a:gdLst/>
             <a:ahLst/>
             <a:cxnLst/>
-            <a:rect r="r" b="b" t="t" l="l"/>
+            <a:rect l="l" t="t" r="r" b="b"/>
             <a:pathLst>
-              <a:path h="4032258" w="5040323">
+              <a:path w="5040323" h="4032258">
                 <a:moveTo>
                   <a:pt x="0" y="0"/>
                 </a:moveTo>
@@ -6672,19 +6953,26 @@
           <a:blipFill>
             <a:blip r:embed="rId5"/>
             <a:stretch>
-              <a:fillRect l="0" t="0" r="0" b="0"/>
+              <a:fillRect/>
             </a:stretch>
           </a:blipFill>
         </p:spPr>
+        <p:txBody>
+          <a:bodyPr/>
+          <a:lstStyle/>
+          <a:p>
+            <a:endParaRPr lang="es-419"/>
+          </a:p>
+        </p:txBody>
       </p:sp>
       <p:grpSp>
         <p:nvGrpSpPr>
-          <p:cNvPr name="Group 8" id="8"/>
+          <p:cNvPr id="8" name="Group 8"/>
           <p:cNvGrpSpPr/>
           <p:nvPr/>
         </p:nvGrpSpPr>
         <p:grpSpPr>
-          <a:xfrm rot="0">
+          <a:xfrm>
             <a:off x="524238" y="3743288"/>
             <a:ext cx="5857780" cy="2503551"/>
             <a:chOff x="0" y="0"/>
@@ -6693,12 +6981,12 @@
         </p:grpSpPr>
         <p:sp>
           <p:nvSpPr>
-            <p:cNvPr name="TextBox 9" id="9"/>
-            <p:cNvSpPr txBox="true"/>
+            <p:cNvPr id="9" name="TextBox 9"/>
+            <p:cNvSpPr txBox="1"/>
             <p:nvPr/>
           </p:nvSpPr>
           <p:spPr>
-            <a:xfrm rot="0">
+            <a:xfrm>
               <a:off x="0" y="38100"/>
               <a:ext cx="7810373" cy="1445694"/>
             </a:xfrm>
@@ -6707,7 +6995,7 @@
             </a:prstGeom>
           </p:spPr>
           <p:txBody>
-            <a:bodyPr anchor="t" rtlCol="false" tIns="0" lIns="0" bIns="0" rIns="0">
+            <a:bodyPr lIns="0" tIns="0" rIns="0" bIns="0" rtlCol="0" anchor="t">
               <a:spAutoFit/>
             </a:bodyPr>
             <a:lstStyle/>
@@ -6734,12 +7022,12 @@
         </p:sp>
         <p:sp>
           <p:nvSpPr>
-            <p:cNvPr name="TextBox 10" id="10"/>
-            <p:cNvSpPr txBox="true"/>
+            <p:cNvPr id="10" name="TextBox 10"/>
+            <p:cNvSpPr txBox="1"/>
             <p:nvPr/>
           </p:nvSpPr>
           <p:spPr>
-            <a:xfrm rot="0">
+            <a:xfrm>
               <a:off x="0" y="2947478"/>
               <a:ext cx="7810373" cy="390590"/>
             </a:xfrm>
@@ -6748,7 +7036,7 @@
             </a:prstGeom>
           </p:spPr>
           <p:txBody>
-            <a:bodyPr anchor="t" rtlCol="false" tIns="0" lIns="0" bIns="0" rIns="0">
+            <a:bodyPr lIns="0" tIns="0" rIns="0" bIns="0" rtlCol="0" anchor="t">
               <a:spAutoFit/>
             </a:bodyPr>
             <a:lstStyle/>
@@ -6758,6 +7046,7 @@
                   <a:spcPts val="2403"/>
                 </a:lnSpc>
               </a:pPr>
+              <a:endParaRPr/>
             </a:p>
           </p:txBody>
         </p:sp>
@@ -6771,7 +7060,7 @@
 </file>
 
 <file path=ppt/slides/slide18.xml><?xml version="1.0" encoding="utf-8"?>
-<p:sld xmlns:p="http://schemas.openxmlformats.org/presentationml/2006/main" xmlns:a="http://schemas.openxmlformats.org/drawingml/2006/main" xmlns:r="http://schemas.openxmlformats.org/officeDocument/2006/relationships">
+<p:sld xmlns:a="http://schemas.openxmlformats.org/drawingml/2006/main" xmlns:r="http://schemas.openxmlformats.org/officeDocument/2006/relationships" xmlns:p="http://schemas.openxmlformats.org/presentationml/2006/main">
   <p:cSld>
     <p:spTree>
       <p:nvGrpSpPr>
@@ -6789,12 +7078,12 @@
       </p:grpSpPr>
       <p:grpSp>
         <p:nvGrpSpPr>
-          <p:cNvPr name="Group 2" id="2"/>
+          <p:cNvPr id="2" name="Group 2"/>
           <p:cNvGrpSpPr/>
           <p:nvPr/>
         </p:nvGrpSpPr>
         <p:grpSpPr>
-          <a:xfrm rot="0">
+          <a:xfrm>
             <a:off x="0" y="0"/>
             <a:ext cx="6906257" cy="10287000"/>
             <a:chOff x="0" y="0"/>
@@ -6803,12 +7092,12 @@
         </p:grpSpPr>
         <p:sp>
           <p:nvSpPr>
-            <p:cNvPr name="Freeform 3" id="3"/>
+            <p:cNvPr id="3" name="Freeform 3"/>
             <p:cNvSpPr/>
             <p:nvPr/>
           </p:nvSpPr>
           <p:spPr>
-            <a:xfrm flipH="false" flipV="false" rot="0">
+            <a:xfrm>
               <a:off x="0" y="0"/>
               <a:ext cx="1818932" cy="2709333"/>
             </a:xfrm>
@@ -6817,9 +7106,9 @@
               <a:gdLst/>
               <a:ahLst/>
               <a:cxnLst/>
-              <a:rect r="r" b="b" t="t" l="l"/>
+              <a:rect l="l" t="t" r="r" b="b"/>
               <a:pathLst>
-                <a:path h="2709333" w="1818932">
+                <a:path w="1818932" h="2709333">
                   <a:moveTo>
                     <a:pt x="0" y="0"/>
                   </a:moveTo>
@@ -6840,11 +7129,18 @@
               <a:srgbClr val="132232"/>
             </a:solidFill>
           </p:spPr>
+          <p:txBody>
+            <a:bodyPr/>
+            <a:lstStyle/>
+            <a:p>
+              <a:endParaRPr lang="es-419"/>
+            </a:p>
+          </p:txBody>
         </p:sp>
         <p:sp>
           <p:nvSpPr>
-            <p:cNvPr name="TextBox 4" id="4"/>
-            <p:cNvSpPr txBox="true"/>
+            <p:cNvPr id="4" name="TextBox 4"/>
+            <p:cNvSpPr txBox="1"/>
             <p:nvPr/>
           </p:nvSpPr>
           <p:spPr>
@@ -6857,7 +7153,7 @@
             </a:prstGeom>
           </p:spPr>
           <p:txBody>
-            <a:bodyPr anchor="ctr" rtlCol="false" tIns="50800" lIns="50800" bIns="50800" rIns="50800"/>
+            <a:bodyPr lIns="50800" tIns="50800" rIns="50800" bIns="50800" rtlCol="0" anchor="ctr"/>
             <a:lstStyle/>
             <a:p>
               <a:pPr algn="ctr">
@@ -6865,18 +7161,19 @@
                   <a:spcPts val="3624"/>
                 </a:lnSpc>
               </a:pPr>
+              <a:endParaRPr/>
             </a:p>
           </p:txBody>
         </p:sp>
       </p:grpSp>
       <p:sp>
         <p:nvSpPr>
-          <p:cNvPr name="Freeform 5" id="5"/>
+          <p:cNvPr id="5" name="Freeform 5"/>
           <p:cNvSpPr/>
           <p:nvPr/>
         </p:nvSpPr>
         <p:spPr>
-          <a:xfrm flipH="false" flipV="false" rot="0">
+          <a:xfrm>
             <a:off x="9585310" y="101741"/>
             <a:ext cx="5344265" cy="10083518"/>
           </a:xfrm>
@@ -6885,9 +7182,9 @@
             <a:gdLst/>
             <a:ahLst/>
             <a:cxnLst/>
-            <a:rect r="r" b="b" t="t" l="l"/>
+            <a:rect l="l" t="t" r="r" b="b"/>
             <a:pathLst>
-              <a:path h="10083518" w="5344265">
+              <a:path w="5344265" h="10083518">
                 <a:moveTo>
                   <a:pt x="0" y="0"/>
                 </a:moveTo>
@@ -6910,19 +7207,26 @@
           <a:blipFill>
             <a:blip r:embed="rId2"/>
             <a:stretch>
-              <a:fillRect l="0" t="0" r="0" b="0"/>
+              <a:fillRect/>
             </a:stretch>
           </a:blipFill>
         </p:spPr>
+        <p:txBody>
+          <a:bodyPr/>
+          <a:lstStyle/>
+          <a:p>
+            <a:endParaRPr lang="es-419"/>
+          </a:p>
+        </p:txBody>
       </p:sp>
       <p:grpSp>
         <p:nvGrpSpPr>
-          <p:cNvPr name="Group 6" id="6"/>
+          <p:cNvPr id="6" name="Group 6"/>
           <p:cNvGrpSpPr/>
           <p:nvPr/>
         </p:nvGrpSpPr>
         <p:grpSpPr>
-          <a:xfrm rot="0">
+          <a:xfrm>
             <a:off x="524238" y="3743288"/>
             <a:ext cx="5857780" cy="2503551"/>
             <a:chOff x="0" y="0"/>
@@ -6931,12 +7235,12 @@
         </p:grpSpPr>
         <p:sp>
           <p:nvSpPr>
-            <p:cNvPr name="TextBox 7" id="7"/>
-            <p:cNvSpPr txBox="true"/>
+            <p:cNvPr id="7" name="TextBox 7"/>
+            <p:cNvSpPr txBox="1"/>
             <p:nvPr/>
           </p:nvSpPr>
           <p:spPr>
-            <a:xfrm rot="0">
+            <a:xfrm>
               <a:off x="0" y="38100"/>
               <a:ext cx="7810373" cy="1445694"/>
             </a:xfrm>
@@ -6945,7 +7249,7 @@
             </a:prstGeom>
           </p:spPr>
           <p:txBody>
-            <a:bodyPr anchor="t" rtlCol="false" tIns="0" lIns="0" bIns="0" rIns="0">
+            <a:bodyPr lIns="0" tIns="0" rIns="0" bIns="0" rtlCol="0" anchor="t">
               <a:spAutoFit/>
             </a:bodyPr>
             <a:lstStyle/>
@@ -6972,12 +7276,12 @@
         </p:sp>
         <p:sp>
           <p:nvSpPr>
-            <p:cNvPr name="TextBox 8" id="8"/>
-            <p:cNvSpPr txBox="true"/>
+            <p:cNvPr id="8" name="TextBox 8"/>
+            <p:cNvSpPr txBox="1"/>
             <p:nvPr/>
           </p:nvSpPr>
           <p:spPr>
-            <a:xfrm rot="0">
+            <a:xfrm>
               <a:off x="0" y="2947478"/>
               <a:ext cx="7810373" cy="390590"/>
             </a:xfrm>
@@ -6986,7 +7290,7 @@
             </a:prstGeom>
           </p:spPr>
           <p:txBody>
-            <a:bodyPr anchor="t" rtlCol="false" tIns="0" lIns="0" bIns="0" rIns="0">
+            <a:bodyPr lIns="0" tIns="0" rIns="0" bIns="0" rtlCol="0" anchor="t">
               <a:spAutoFit/>
             </a:bodyPr>
             <a:lstStyle/>
@@ -6996,6 +7300,7 @@
                   <a:spcPts val="2403"/>
                 </a:lnSpc>
               </a:pPr>
+              <a:endParaRPr/>
             </a:p>
           </p:txBody>
         </p:sp>
@@ -7009,7 +7314,7 @@
 </file>
 
 <file path=ppt/slides/slide19.xml><?xml version="1.0" encoding="utf-8"?>
-<p:sld xmlns:p="http://schemas.openxmlformats.org/presentationml/2006/main" xmlns:a="http://schemas.openxmlformats.org/drawingml/2006/main" xmlns:r="http://schemas.openxmlformats.org/officeDocument/2006/relationships">
+<p:sld xmlns:a="http://schemas.openxmlformats.org/drawingml/2006/main" xmlns:r="http://schemas.openxmlformats.org/officeDocument/2006/relationships" xmlns:p="http://schemas.openxmlformats.org/presentationml/2006/main">
   <p:cSld>
     <p:spTree>
       <p:nvGrpSpPr>
@@ -7027,12 +7332,12 @@
       </p:grpSpPr>
       <p:grpSp>
         <p:nvGrpSpPr>
-          <p:cNvPr name="Group 2" id="2"/>
+          <p:cNvPr id="2" name="Group 2"/>
           <p:cNvGrpSpPr/>
           <p:nvPr/>
         </p:nvGrpSpPr>
         <p:grpSpPr>
-          <a:xfrm rot="0">
+          <a:xfrm>
             <a:off x="0" y="0"/>
             <a:ext cx="6906257" cy="10287000"/>
             <a:chOff x="0" y="0"/>
@@ -7041,12 +7346,12 @@
         </p:grpSpPr>
         <p:sp>
           <p:nvSpPr>
-            <p:cNvPr name="Freeform 3" id="3"/>
+            <p:cNvPr id="3" name="Freeform 3"/>
             <p:cNvSpPr/>
             <p:nvPr/>
           </p:nvSpPr>
           <p:spPr>
-            <a:xfrm flipH="false" flipV="false" rot="0">
+            <a:xfrm>
               <a:off x="0" y="0"/>
               <a:ext cx="1818932" cy="2709333"/>
             </a:xfrm>
@@ -7055,9 +7360,9 @@
               <a:gdLst/>
               <a:ahLst/>
               <a:cxnLst/>
-              <a:rect r="r" b="b" t="t" l="l"/>
+              <a:rect l="l" t="t" r="r" b="b"/>
               <a:pathLst>
-                <a:path h="2709333" w="1818932">
+                <a:path w="1818932" h="2709333">
                   <a:moveTo>
                     <a:pt x="0" y="0"/>
                   </a:moveTo>
@@ -7078,11 +7383,18 @@
               <a:srgbClr val="132232"/>
             </a:solidFill>
           </p:spPr>
+          <p:txBody>
+            <a:bodyPr/>
+            <a:lstStyle/>
+            <a:p>
+              <a:endParaRPr lang="es-419"/>
+            </a:p>
+          </p:txBody>
         </p:sp>
         <p:sp>
           <p:nvSpPr>
-            <p:cNvPr name="TextBox 4" id="4"/>
-            <p:cNvSpPr txBox="true"/>
+            <p:cNvPr id="4" name="TextBox 4"/>
+            <p:cNvSpPr txBox="1"/>
             <p:nvPr/>
           </p:nvSpPr>
           <p:spPr>
@@ -7095,7 +7407,7 @@
             </a:prstGeom>
           </p:spPr>
           <p:txBody>
-            <a:bodyPr anchor="ctr" rtlCol="false" tIns="50800" lIns="50800" bIns="50800" rIns="50800"/>
+            <a:bodyPr lIns="50800" tIns="50800" rIns="50800" bIns="50800" rtlCol="0" anchor="ctr"/>
             <a:lstStyle/>
             <a:p>
               <a:pPr algn="ctr">
@@ -7103,18 +7415,19 @@
                   <a:spcPts val="3624"/>
                 </a:lnSpc>
               </a:pPr>
+              <a:endParaRPr/>
             </a:p>
           </p:txBody>
         </p:sp>
       </p:grpSp>
       <p:sp>
         <p:nvSpPr>
-          <p:cNvPr name="Freeform 5" id="5"/>
+          <p:cNvPr id="5" name="Freeform 5"/>
           <p:cNvSpPr/>
           <p:nvPr/>
         </p:nvSpPr>
         <p:spPr>
-          <a:xfrm flipH="false" flipV="false" rot="0">
+          <a:xfrm>
             <a:off x="8906593" y="550885"/>
             <a:ext cx="7297495" cy="8707415"/>
           </a:xfrm>
@@ -7123,9 +7436,9 @@
             <a:gdLst/>
             <a:ahLst/>
             <a:cxnLst/>
-            <a:rect r="r" b="b" t="t" l="l"/>
+            <a:rect l="l" t="t" r="r" b="b"/>
             <a:pathLst>
-              <a:path h="8707415" w="7297495">
+              <a:path w="7297495" h="8707415">
                 <a:moveTo>
                   <a:pt x="0" y="0"/>
                 </a:moveTo>
@@ -7148,19 +7461,26 @@
           <a:blipFill>
             <a:blip r:embed="rId2"/>
             <a:stretch>
-              <a:fillRect l="0" t="0" r="0" b="0"/>
+              <a:fillRect/>
             </a:stretch>
           </a:blipFill>
         </p:spPr>
+        <p:txBody>
+          <a:bodyPr/>
+          <a:lstStyle/>
+          <a:p>
+            <a:endParaRPr lang="es-419"/>
+          </a:p>
+        </p:txBody>
       </p:sp>
       <p:grpSp>
         <p:nvGrpSpPr>
-          <p:cNvPr name="Group 6" id="6"/>
+          <p:cNvPr id="6" name="Group 6"/>
           <p:cNvGrpSpPr/>
           <p:nvPr/>
         </p:nvGrpSpPr>
         <p:grpSpPr>
-          <a:xfrm rot="0">
+          <a:xfrm>
             <a:off x="524238" y="3743288"/>
             <a:ext cx="5857780" cy="2503551"/>
             <a:chOff x="0" y="0"/>
@@ -7169,12 +7489,12 @@
         </p:grpSpPr>
         <p:sp>
           <p:nvSpPr>
-            <p:cNvPr name="TextBox 7" id="7"/>
-            <p:cNvSpPr txBox="true"/>
+            <p:cNvPr id="7" name="TextBox 7"/>
+            <p:cNvSpPr txBox="1"/>
             <p:nvPr/>
           </p:nvSpPr>
           <p:spPr>
-            <a:xfrm rot="0">
+            <a:xfrm>
               <a:off x="0" y="38100"/>
               <a:ext cx="7810373" cy="1445694"/>
             </a:xfrm>
@@ -7183,7 +7503,7 @@
             </a:prstGeom>
           </p:spPr>
           <p:txBody>
-            <a:bodyPr anchor="t" rtlCol="false" tIns="0" lIns="0" bIns="0" rIns="0">
+            <a:bodyPr lIns="0" tIns="0" rIns="0" bIns="0" rtlCol="0" anchor="t">
               <a:spAutoFit/>
             </a:bodyPr>
             <a:lstStyle/>
@@ -7210,12 +7530,12 @@
         </p:sp>
         <p:sp>
           <p:nvSpPr>
-            <p:cNvPr name="TextBox 8" id="8"/>
-            <p:cNvSpPr txBox="true"/>
+            <p:cNvPr id="8" name="TextBox 8"/>
+            <p:cNvSpPr txBox="1"/>
             <p:nvPr/>
           </p:nvSpPr>
           <p:spPr>
-            <a:xfrm rot="0">
+            <a:xfrm>
               <a:off x="0" y="2947478"/>
               <a:ext cx="7810373" cy="390590"/>
             </a:xfrm>
@@ -7224,7 +7544,7 @@
             </a:prstGeom>
           </p:spPr>
           <p:txBody>
-            <a:bodyPr anchor="t" rtlCol="false" tIns="0" lIns="0" bIns="0" rIns="0">
+            <a:bodyPr lIns="0" tIns="0" rIns="0" bIns="0" rtlCol="0" anchor="t">
               <a:spAutoFit/>
             </a:bodyPr>
             <a:lstStyle/>
@@ -7234,6 +7554,7 @@
                   <a:spcPts val="2403"/>
                 </a:lnSpc>
               </a:pPr>
+              <a:endParaRPr/>
             </a:p>
           </p:txBody>
         </p:sp>
@@ -7247,13 +7568,14 @@
 </file>
 
 <file path=ppt/slides/slide2.xml><?xml version="1.0" encoding="utf-8"?>
-<p:sld xmlns:p="http://schemas.openxmlformats.org/presentationml/2006/main" xmlns:a="http://schemas.openxmlformats.org/drawingml/2006/main">
+<p:sld xmlns:a="http://schemas.openxmlformats.org/drawingml/2006/main" xmlns:r="http://schemas.openxmlformats.org/officeDocument/2006/relationships" xmlns:p="http://schemas.openxmlformats.org/presentationml/2006/main">
   <p:cSld>
     <p:bg>
       <p:bgPr>
         <a:solidFill>
           <a:srgbClr val="132232"/>
         </a:solidFill>
+        <a:effectLst/>
       </p:bgPr>
     </p:bg>
     <p:spTree>
@@ -7272,36 +7594,43 @@
       </p:grpSpPr>
       <p:sp>
         <p:nvSpPr>
-          <p:cNvPr name="AutoShape 2" id="2"/>
+          <p:cNvPr id="2" name="AutoShape 2"/>
           <p:cNvSpPr/>
           <p:nvPr/>
         </p:nvSpPr>
         <p:spPr>
-          <a:xfrm flipH="true" flipV="true">
+          <a:xfrm flipH="1" flipV="1">
             <a:off x="6369695" y="0"/>
             <a:ext cx="0" cy="7909460"/>
           </a:xfrm>
           <a:prstGeom prst="line">
             <a:avLst/>
           </a:prstGeom>
-          <a:ln cap="flat" w="9525">
+          <a:ln w="9525" cap="flat">
             <a:solidFill>
               <a:srgbClr val="FFFFFF"/>
             </a:solidFill>
             <a:prstDash val="solid"/>
-            <a:headEnd type="none" len="sm" w="sm"/>
-            <a:tailEnd type="none" len="sm" w="sm"/>
+            <a:headEnd type="none" w="sm" len="sm"/>
+            <a:tailEnd type="none" w="sm" len="sm"/>
           </a:ln>
         </p:spPr>
+        <p:txBody>
+          <a:bodyPr/>
+          <a:lstStyle/>
+          <a:p>
+            <a:endParaRPr lang="es-419"/>
+          </a:p>
+        </p:txBody>
       </p:sp>
       <p:grpSp>
         <p:nvGrpSpPr>
-          <p:cNvPr name="Group 3" id="3"/>
+          <p:cNvPr id="3" name="Group 3"/>
           <p:cNvGrpSpPr/>
           <p:nvPr/>
         </p:nvGrpSpPr>
         <p:grpSpPr>
-          <a:xfrm rot="0">
+          <a:xfrm>
             <a:off x="6237656" y="2547822"/>
             <a:ext cx="264078" cy="264078"/>
             <a:chOff x="0" y="0"/>
@@ -7310,12 +7639,12 @@
         </p:grpSpPr>
         <p:sp>
           <p:nvSpPr>
-            <p:cNvPr name="Freeform 4" id="4"/>
+            <p:cNvPr id="4" name="Freeform 4"/>
             <p:cNvSpPr/>
             <p:nvPr/>
           </p:nvSpPr>
           <p:spPr>
-            <a:xfrm flipH="false" flipV="false" rot="0">
+            <a:xfrm>
               <a:off x="0" y="0"/>
               <a:ext cx="812800" cy="812800"/>
             </a:xfrm>
@@ -7324,9 +7653,9 @@
               <a:gdLst/>
               <a:ahLst/>
               <a:cxnLst/>
-              <a:rect r="r" b="b" t="t" l="l"/>
+              <a:rect l="l" t="t" r="r" b="b"/>
               <a:pathLst>
-                <a:path h="812800" w="812800">
+                <a:path w="812800" h="812800">
                   <a:moveTo>
                     <a:pt x="406400" y="0"/>
                   </a:moveTo>
@@ -7358,11 +7687,18 @@
               <a:srgbClr val="FFFFFF"/>
             </a:solidFill>
           </p:spPr>
+          <p:txBody>
+            <a:bodyPr/>
+            <a:lstStyle/>
+            <a:p>
+              <a:endParaRPr lang="es-419"/>
+            </a:p>
+          </p:txBody>
         </p:sp>
         <p:sp>
           <p:nvSpPr>
-            <p:cNvPr name="TextBox 5" id="5"/>
-            <p:cNvSpPr txBox="true"/>
+            <p:cNvPr id="5" name="TextBox 5"/>
+            <p:cNvSpPr txBox="1"/>
             <p:nvPr/>
           </p:nvSpPr>
           <p:spPr>
@@ -7375,7 +7711,7 @@
             </a:prstGeom>
           </p:spPr>
           <p:txBody>
-            <a:bodyPr anchor="ctr" rtlCol="false" tIns="50800" lIns="50800" bIns="50800" rIns="50800"/>
+            <a:bodyPr lIns="50800" tIns="50800" rIns="50800" bIns="50800" rtlCol="0" anchor="ctr"/>
             <a:lstStyle/>
             <a:p>
               <a:pPr algn="ctr">
@@ -7383,18 +7719,19 @@
                   <a:spcPts val="3624"/>
                 </a:lnSpc>
               </a:pPr>
+              <a:endParaRPr/>
             </a:p>
           </p:txBody>
         </p:sp>
       </p:grpSp>
       <p:sp>
         <p:nvSpPr>
-          <p:cNvPr name="TextBox 6" id="6"/>
-          <p:cNvSpPr txBox="true"/>
+          <p:cNvPr id="6" name="TextBox 6"/>
+          <p:cNvSpPr txBox="1"/>
           <p:nvPr/>
         </p:nvSpPr>
         <p:spPr>
-          <a:xfrm rot="0">
+          <a:xfrm>
             <a:off x="1038225" y="3364109"/>
             <a:ext cx="5199431" cy="1174750"/>
           </a:xfrm>
@@ -7403,7 +7740,7 @@
           </a:prstGeom>
         </p:spPr>
         <p:txBody>
-          <a:bodyPr anchor="t" rtlCol="false" tIns="0" lIns="0" bIns="0" rIns="0">
+          <a:bodyPr lIns="0" tIns="0" rIns="0" bIns="0" rtlCol="0" anchor="t">
             <a:spAutoFit/>
           </a:bodyPr>
           <a:lstStyle/>
@@ -7430,12 +7767,12 @@
       </p:sp>
       <p:sp>
         <p:nvSpPr>
-          <p:cNvPr name="TextBox 7" id="7"/>
-          <p:cNvSpPr txBox="true"/>
+          <p:cNvPr id="7" name="TextBox 7"/>
+          <p:cNvSpPr txBox="1"/>
           <p:nvPr/>
         </p:nvSpPr>
         <p:spPr>
-          <a:xfrm rot="0">
+          <a:xfrm>
             <a:off x="6717521" y="2424273"/>
             <a:ext cx="7929515" cy="444500"/>
           </a:xfrm>
@@ -7444,7 +7781,7 @@
           </a:prstGeom>
         </p:spPr>
         <p:txBody>
-          <a:bodyPr anchor="t" rtlCol="false" tIns="0" lIns="0" bIns="0" rIns="0">
+          <a:bodyPr lIns="0" tIns="0" rIns="0" bIns="0" rtlCol="0" anchor="t">
             <a:spAutoFit/>
           </a:bodyPr>
           <a:lstStyle/>
@@ -7471,12 +7808,12 @@
       </p:sp>
       <p:sp>
         <p:nvSpPr>
-          <p:cNvPr name="TextBox 8" id="8"/>
-          <p:cNvSpPr txBox="true"/>
+          <p:cNvPr id="8" name="TextBox 8"/>
+          <p:cNvSpPr txBox="1"/>
           <p:nvPr/>
         </p:nvSpPr>
         <p:spPr>
-          <a:xfrm rot="0">
+          <a:xfrm>
             <a:off x="6717521" y="3316243"/>
             <a:ext cx="7929515" cy="444500"/>
           </a:xfrm>
@@ -7485,7 +7822,7 @@
           </a:prstGeom>
         </p:spPr>
         <p:txBody>
-          <a:bodyPr anchor="t" rtlCol="false" tIns="0" lIns="0" bIns="0" rIns="0">
+          <a:bodyPr lIns="0" tIns="0" rIns="0" bIns="0" rtlCol="0" anchor="t">
             <a:spAutoFit/>
           </a:bodyPr>
           <a:lstStyle/>
@@ -7512,12 +7849,12 @@
       </p:sp>
       <p:sp>
         <p:nvSpPr>
-          <p:cNvPr name="TextBox 9" id="9"/>
-          <p:cNvSpPr txBox="true"/>
+          <p:cNvPr id="9" name="TextBox 9"/>
+          <p:cNvSpPr txBox="1"/>
           <p:nvPr/>
         </p:nvSpPr>
         <p:spPr>
-          <a:xfrm rot="0">
+          <a:xfrm>
             <a:off x="6596984" y="4151268"/>
             <a:ext cx="7929515" cy="444500"/>
           </a:xfrm>
@@ -7526,7 +7863,7 @@
           </a:prstGeom>
         </p:spPr>
         <p:txBody>
-          <a:bodyPr anchor="t" rtlCol="false" tIns="0" lIns="0" bIns="0" rIns="0">
+          <a:bodyPr lIns="0" tIns="0" rIns="0" bIns="0" rtlCol="0" anchor="t">
             <a:spAutoFit/>
           </a:bodyPr>
           <a:lstStyle/>
@@ -7553,12 +7890,12 @@
       </p:sp>
       <p:sp>
         <p:nvSpPr>
-          <p:cNvPr name="TextBox 10" id="10"/>
-          <p:cNvSpPr txBox="true"/>
+          <p:cNvPr id="10" name="TextBox 10"/>
+          <p:cNvSpPr txBox="1"/>
           <p:nvPr/>
         </p:nvSpPr>
         <p:spPr>
-          <a:xfrm rot="0">
+          <a:xfrm>
             <a:off x="6717521" y="4986293"/>
             <a:ext cx="7929515" cy="444500"/>
           </a:xfrm>
@@ -7567,7 +7904,7 @@
           </a:prstGeom>
         </p:spPr>
         <p:txBody>
-          <a:bodyPr anchor="t" rtlCol="false" tIns="0" lIns="0" bIns="0" rIns="0">
+          <a:bodyPr lIns="0" tIns="0" rIns="0" bIns="0" rtlCol="0" anchor="t">
             <a:spAutoFit/>
           </a:bodyPr>
           <a:lstStyle/>
@@ -7594,12 +7931,12 @@
       </p:sp>
       <p:sp>
         <p:nvSpPr>
-          <p:cNvPr name="TextBox 11" id="11"/>
-          <p:cNvSpPr txBox="true"/>
+          <p:cNvPr id="11" name="TextBox 11"/>
+          <p:cNvSpPr txBox="1"/>
           <p:nvPr/>
         </p:nvSpPr>
         <p:spPr>
-          <a:xfrm rot="0">
+          <a:xfrm>
             <a:off x="6717521" y="5821318"/>
             <a:ext cx="7929515" cy="444500"/>
           </a:xfrm>
@@ -7608,7 +7945,7 @@
           </a:prstGeom>
         </p:spPr>
         <p:txBody>
-          <a:bodyPr anchor="t" rtlCol="false" tIns="0" lIns="0" bIns="0" rIns="0">
+          <a:bodyPr lIns="0" tIns="0" rIns="0" bIns="0" rtlCol="0" anchor="t">
             <a:spAutoFit/>
           </a:bodyPr>
           <a:lstStyle/>
@@ -7635,12 +7972,12 @@
       </p:sp>
       <p:grpSp>
         <p:nvGrpSpPr>
-          <p:cNvPr name="Group 12" id="12"/>
+          <p:cNvPr id="12" name="Group 12"/>
           <p:cNvGrpSpPr/>
           <p:nvPr/>
         </p:nvGrpSpPr>
         <p:grpSpPr>
-          <a:xfrm rot="0">
+          <a:xfrm>
             <a:off x="6228131" y="4217390"/>
             <a:ext cx="264078" cy="264078"/>
             <a:chOff x="0" y="0"/>
@@ -7649,12 +7986,12 @@
         </p:grpSpPr>
         <p:sp>
           <p:nvSpPr>
-            <p:cNvPr name="Freeform 13" id="13"/>
+            <p:cNvPr id="13" name="Freeform 13"/>
             <p:cNvSpPr/>
             <p:nvPr/>
           </p:nvSpPr>
           <p:spPr>
-            <a:xfrm flipH="false" flipV="false" rot="0">
+            <a:xfrm>
               <a:off x="0" y="0"/>
               <a:ext cx="812800" cy="812800"/>
             </a:xfrm>
@@ -7663,9 +8000,9 @@
               <a:gdLst/>
               <a:ahLst/>
               <a:cxnLst/>
-              <a:rect r="r" b="b" t="t" l="l"/>
+              <a:rect l="l" t="t" r="r" b="b"/>
               <a:pathLst>
-                <a:path h="812800" w="812800">
+                <a:path w="812800" h="812800">
                   <a:moveTo>
                     <a:pt x="406400" y="0"/>
                   </a:moveTo>
@@ -7697,11 +8034,18 @@
               <a:srgbClr val="FFFFFF"/>
             </a:solidFill>
           </p:spPr>
+          <p:txBody>
+            <a:bodyPr/>
+            <a:lstStyle/>
+            <a:p>
+              <a:endParaRPr lang="es-419"/>
+            </a:p>
+          </p:txBody>
         </p:sp>
         <p:sp>
           <p:nvSpPr>
-            <p:cNvPr name="TextBox 14" id="14"/>
-            <p:cNvSpPr txBox="true"/>
+            <p:cNvPr id="14" name="TextBox 14"/>
+            <p:cNvSpPr txBox="1"/>
             <p:nvPr/>
           </p:nvSpPr>
           <p:spPr>
@@ -7714,7 +8058,7 @@
             </a:prstGeom>
           </p:spPr>
           <p:txBody>
-            <a:bodyPr anchor="ctr" rtlCol="false" tIns="50800" lIns="50800" bIns="50800" rIns="50800"/>
+            <a:bodyPr lIns="50800" tIns="50800" rIns="50800" bIns="50800" rtlCol="0" anchor="ctr"/>
             <a:lstStyle/>
             <a:p>
               <a:pPr algn="ctr">
@@ -7722,18 +8066,19 @@
                   <a:spcPts val="3624"/>
                 </a:lnSpc>
               </a:pPr>
+              <a:endParaRPr/>
             </a:p>
           </p:txBody>
         </p:sp>
       </p:grpSp>
       <p:grpSp>
         <p:nvGrpSpPr>
-          <p:cNvPr name="Group 15" id="15"/>
+          <p:cNvPr id="15" name="Group 15"/>
           <p:cNvGrpSpPr/>
           <p:nvPr/>
         </p:nvGrpSpPr>
         <p:grpSpPr>
-          <a:xfrm rot="0">
+          <a:xfrm>
             <a:off x="6237656" y="5052968"/>
             <a:ext cx="264078" cy="264078"/>
             <a:chOff x="0" y="0"/>
@@ -7742,12 +8087,12 @@
         </p:grpSpPr>
         <p:sp>
           <p:nvSpPr>
-            <p:cNvPr name="Freeform 16" id="16"/>
+            <p:cNvPr id="16" name="Freeform 16"/>
             <p:cNvSpPr/>
             <p:nvPr/>
           </p:nvSpPr>
           <p:spPr>
-            <a:xfrm flipH="false" flipV="false" rot="0">
+            <a:xfrm>
               <a:off x="0" y="0"/>
               <a:ext cx="812800" cy="812800"/>
             </a:xfrm>
@@ -7756,9 +8101,9 @@
               <a:gdLst/>
               <a:ahLst/>
               <a:cxnLst/>
-              <a:rect r="r" b="b" t="t" l="l"/>
+              <a:rect l="l" t="t" r="r" b="b"/>
               <a:pathLst>
-                <a:path h="812800" w="812800">
+                <a:path w="812800" h="812800">
                   <a:moveTo>
                     <a:pt x="406400" y="0"/>
                   </a:moveTo>
@@ -7790,11 +8135,18 @@
               <a:srgbClr val="FFFFFF"/>
             </a:solidFill>
           </p:spPr>
+          <p:txBody>
+            <a:bodyPr/>
+            <a:lstStyle/>
+            <a:p>
+              <a:endParaRPr lang="es-419"/>
+            </a:p>
+          </p:txBody>
         </p:sp>
         <p:sp>
           <p:nvSpPr>
-            <p:cNvPr name="TextBox 17" id="17"/>
-            <p:cNvSpPr txBox="true"/>
+            <p:cNvPr id="17" name="TextBox 17"/>
+            <p:cNvSpPr txBox="1"/>
             <p:nvPr/>
           </p:nvSpPr>
           <p:spPr>
@@ -7807,7 +8159,7 @@
             </a:prstGeom>
           </p:spPr>
           <p:txBody>
-            <a:bodyPr anchor="ctr" rtlCol="false" tIns="50800" lIns="50800" bIns="50800" rIns="50800"/>
+            <a:bodyPr lIns="50800" tIns="50800" rIns="50800" bIns="50800" rtlCol="0" anchor="ctr"/>
             <a:lstStyle/>
             <a:p>
               <a:pPr algn="ctr">
@@ -7815,18 +8167,19 @@
                   <a:spcPts val="3624"/>
                 </a:lnSpc>
               </a:pPr>
+              <a:endParaRPr/>
             </a:p>
           </p:txBody>
         </p:sp>
       </p:grpSp>
       <p:grpSp>
         <p:nvGrpSpPr>
-          <p:cNvPr name="Group 18" id="18"/>
+          <p:cNvPr id="18" name="Group 18"/>
           <p:cNvGrpSpPr/>
           <p:nvPr/>
         </p:nvGrpSpPr>
         <p:grpSpPr>
-          <a:xfrm rot="0">
+          <a:xfrm>
             <a:off x="6237656" y="6724123"/>
             <a:ext cx="264078" cy="264078"/>
             <a:chOff x="0" y="0"/>
@@ -7835,12 +8188,12 @@
         </p:grpSpPr>
         <p:sp>
           <p:nvSpPr>
-            <p:cNvPr name="Freeform 19" id="19"/>
+            <p:cNvPr id="19" name="Freeform 19"/>
             <p:cNvSpPr/>
             <p:nvPr/>
           </p:nvSpPr>
           <p:spPr>
-            <a:xfrm flipH="false" flipV="false" rot="0">
+            <a:xfrm>
               <a:off x="0" y="0"/>
               <a:ext cx="812800" cy="812800"/>
             </a:xfrm>
@@ -7849,9 +8202,9 @@
               <a:gdLst/>
               <a:ahLst/>
               <a:cxnLst/>
-              <a:rect r="r" b="b" t="t" l="l"/>
+              <a:rect l="l" t="t" r="r" b="b"/>
               <a:pathLst>
-                <a:path h="812800" w="812800">
+                <a:path w="812800" h="812800">
                   <a:moveTo>
                     <a:pt x="406400" y="0"/>
                   </a:moveTo>
@@ -7883,11 +8236,18 @@
               <a:srgbClr val="FFFFFF"/>
             </a:solidFill>
           </p:spPr>
+          <p:txBody>
+            <a:bodyPr/>
+            <a:lstStyle/>
+            <a:p>
+              <a:endParaRPr lang="es-419"/>
+            </a:p>
+          </p:txBody>
         </p:sp>
         <p:sp>
           <p:nvSpPr>
-            <p:cNvPr name="TextBox 20" id="20"/>
-            <p:cNvSpPr txBox="true"/>
+            <p:cNvPr id="20" name="TextBox 20"/>
+            <p:cNvSpPr txBox="1"/>
             <p:nvPr/>
           </p:nvSpPr>
           <p:spPr>
@@ -7900,7 +8260,7 @@
             </a:prstGeom>
           </p:spPr>
           <p:txBody>
-            <a:bodyPr anchor="ctr" rtlCol="false" tIns="50800" lIns="50800" bIns="50800" rIns="50800"/>
+            <a:bodyPr lIns="50800" tIns="50800" rIns="50800" bIns="50800" rtlCol="0" anchor="ctr"/>
             <a:lstStyle/>
             <a:p>
               <a:pPr algn="ctr">
@@ -7908,18 +8268,19 @@
                   <a:spcPts val="3624"/>
                 </a:lnSpc>
               </a:pPr>
+              <a:endParaRPr/>
             </a:p>
           </p:txBody>
         </p:sp>
       </p:grpSp>
       <p:grpSp>
         <p:nvGrpSpPr>
-          <p:cNvPr name="Group 21" id="21"/>
+          <p:cNvPr id="21" name="Group 21"/>
           <p:cNvGrpSpPr/>
           <p:nvPr/>
         </p:nvGrpSpPr>
         <p:grpSpPr>
-          <a:xfrm rot="0">
+          <a:xfrm>
             <a:off x="6237656" y="5888546"/>
             <a:ext cx="264078" cy="264078"/>
             <a:chOff x="0" y="0"/>
@@ -7928,12 +8289,12 @@
         </p:grpSpPr>
         <p:sp>
           <p:nvSpPr>
-            <p:cNvPr name="Freeform 22" id="22"/>
+            <p:cNvPr id="22" name="Freeform 22"/>
             <p:cNvSpPr/>
             <p:nvPr/>
           </p:nvSpPr>
           <p:spPr>
-            <a:xfrm flipH="false" flipV="false" rot="0">
+            <a:xfrm>
               <a:off x="0" y="0"/>
               <a:ext cx="812800" cy="812800"/>
             </a:xfrm>
@@ -7942,9 +8303,9 @@
               <a:gdLst/>
               <a:ahLst/>
               <a:cxnLst/>
-              <a:rect r="r" b="b" t="t" l="l"/>
+              <a:rect l="l" t="t" r="r" b="b"/>
               <a:pathLst>
-                <a:path h="812800" w="812800">
+                <a:path w="812800" h="812800">
                   <a:moveTo>
                     <a:pt x="406400" y="0"/>
                   </a:moveTo>
@@ -7976,11 +8337,18 @@
               <a:srgbClr val="FFFFFF"/>
             </a:solidFill>
           </p:spPr>
+          <p:txBody>
+            <a:bodyPr/>
+            <a:lstStyle/>
+            <a:p>
+              <a:endParaRPr lang="es-419"/>
+            </a:p>
+          </p:txBody>
         </p:sp>
         <p:sp>
           <p:nvSpPr>
-            <p:cNvPr name="TextBox 23" id="23"/>
-            <p:cNvSpPr txBox="true"/>
+            <p:cNvPr id="23" name="TextBox 23"/>
+            <p:cNvSpPr txBox="1"/>
             <p:nvPr/>
           </p:nvSpPr>
           <p:spPr>
@@ -7993,7 +8361,7 @@
             </a:prstGeom>
           </p:spPr>
           <p:txBody>
-            <a:bodyPr anchor="ctr" rtlCol="false" tIns="50800" lIns="50800" bIns="50800" rIns="50800"/>
+            <a:bodyPr lIns="50800" tIns="50800" rIns="50800" bIns="50800" rtlCol="0" anchor="ctr"/>
             <a:lstStyle/>
             <a:p>
               <a:pPr algn="ctr">
@@ -8001,18 +8369,19 @@
                   <a:spcPts val="3624"/>
                 </a:lnSpc>
               </a:pPr>
+              <a:endParaRPr/>
             </a:p>
           </p:txBody>
         </p:sp>
       </p:grpSp>
       <p:grpSp>
         <p:nvGrpSpPr>
-          <p:cNvPr name="Group 24" id="24"/>
+          <p:cNvPr id="24" name="Group 24"/>
           <p:cNvGrpSpPr/>
           <p:nvPr/>
         </p:nvGrpSpPr>
         <p:grpSpPr>
-          <a:xfrm rot="0">
+          <a:xfrm>
             <a:off x="6228131" y="3381812"/>
             <a:ext cx="264078" cy="264078"/>
             <a:chOff x="0" y="0"/>
@@ -8021,12 +8390,12 @@
         </p:grpSpPr>
         <p:sp>
           <p:nvSpPr>
-            <p:cNvPr name="Freeform 25" id="25"/>
+            <p:cNvPr id="25" name="Freeform 25"/>
             <p:cNvSpPr/>
             <p:nvPr/>
           </p:nvSpPr>
           <p:spPr>
-            <a:xfrm flipH="false" flipV="false" rot="0">
+            <a:xfrm>
               <a:off x="0" y="0"/>
               <a:ext cx="812800" cy="812800"/>
             </a:xfrm>
@@ -8035,9 +8404,9 @@
               <a:gdLst/>
               <a:ahLst/>
               <a:cxnLst/>
-              <a:rect r="r" b="b" t="t" l="l"/>
+              <a:rect l="l" t="t" r="r" b="b"/>
               <a:pathLst>
-                <a:path h="812800" w="812800">
+                <a:path w="812800" h="812800">
                   <a:moveTo>
                     <a:pt x="406400" y="0"/>
                   </a:moveTo>
@@ -8069,11 +8438,18 @@
               <a:srgbClr val="FFFFFF"/>
             </a:solidFill>
           </p:spPr>
+          <p:txBody>
+            <a:bodyPr/>
+            <a:lstStyle/>
+            <a:p>
+              <a:endParaRPr lang="es-419"/>
+            </a:p>
+          </p:txBody>
         </p:sp>
         <p:sp>
           <p:nvSpPr>
-            <p:cNvPr name="TextBox 26" id="26"/>
-            <p:cNvSpPr txBox="true"/>
+            <p:cNvPr id="26" name="TextBox 26"/>
+            <p:cNvSpPr txBox="1"/>
             <p:nvPr/>
           </p:nvSpPr>
           <p:spPr>
@@ -8086,7 +8462,7 @@
             </a:prstGeom>
           </p:spPr>
           <p:txBody>
-            <a:bodyPr anchor="ctr" rtlCol="false" tIns="50800" lIns="50800" bIns="50800" rIns="50800"/>
+            <a:bodyPr lIns="50800" tIns="50800" rIns="50800" bIns="50800" rtlCol="0" anchor="ctr"/>
             <a:lstStyle/>
             <a:p>
               <a:pPr algn="ctr">
@@ -8094,18 +8470,19 @@
                   <a:spcPts val="3624"/>
                 </a:lnSpc>
               </a:pPr>
+              <a:endParaRPr/>
             </a:p>
           </p:txBody>
         </p:sp>
       </p:grpSp>
       <p:sp>
         <p:nvSpPr>
-          <p:cNvPr name="TextBox 27" id="27"/>
-          <p:cNvSpPr txBox="true"/>
+          <p:cNvPr id="27" name="TextBox 27"/>
+          <p:cNvSpPr txBox="1"/>
           <p:nvPr/>
         </p:nvSpPr>
         <p:spPr>
-          <a:xfrm rot="0">
+          <a:xfrm>
             <a:off x="6730334" y="6656343"/>
             <a:ext cx="7929515" cy="444500"/>
           </a:xfrm>
@@ -8114,7 +8491,7 @@
           </a:prstGeom>
         </p:spPr>
         <p:txBody>
-          <a:bodyPr anchor="t" rtlCol="false" tIns="0" lIns="0" bIns="0" rIns="0">
+          <a:bodyPr lIns="0" tIns="0" rIns="0" bIns="0" rtlCol="0" anchor="t">
             <a:spAutoFit/>
           </a:bodyPr>
           <a:lstStyle/>
@@ -8148,7 +8525,7 @@
 </file>
 
 <file path=ppt/slides/slide20.xml><?xml version="1.0" encoding="utf-8"?>
-<p:sld xmlns:p="http://schemas.openxmlformats.org/presentationml/2006/main" xmlns:a="http://schemas.openxmlformats.org/drawingml/2006/main" xmlns:r="http://schemas.openxmlformats.org/officeDocument/2006/relationships">
+<p:sld xmlns:a="http://schemas.openxmlformats.org/drawingml/2006/main" xmlns:r="http://schemas.openxmlformats.org/officeDocument/2006/relationships" xmlns:p="http://schemas.openxmlformats.org/presentationml/2006/main">
   <p:cSld>
     <p:spTree>
       <p:nvGrpSpPr>
@@ -8166,12 +8543,12 @@
       </p:grpSpPr>
       <p:grpSp>
         <p:nvGrpSpPr>
-          <p:cNvPr name="Group 2" id="2"/>
+          <p:cNvPr id="2" name="Group 2"/>
           <p:cNvGrpSpPr/>
           <p:nvPr/>
         </p:nvGrpSpPr>
         <p:grpSpPr>
-          <a:xfrm rot="0">
+          <a:xfrm>
             <a:off x="0" y="0"/>
             <a:ext cx="8333901" cy="3279284"/>
             <a:chOff x="0" y="0"/>
@@ -8180,12 +8557,12 @@
         </p:grpSpPr>
         <p:sp>
           <p:nvSpPr>
-            <p:cNvPr name="Freeform 3" id="3"/>
+            <p:cNvPr id="3" name="Freeform 3"/>
             <p:cNvSpPr/>
             <p:nvPr/>
           </p:nvSpPr>
           <p:spPr>
-            <a:xfrm flipH="false" flipV="false" rot="0">
+            <a:xfrm>
               <a:off x="0" y="0"/>
               <a:ext cx="2194937" cy="863680"/>
             </a:xfrm>
@@ -8194,9 +8571,9 @@
               <a:gdLst/>
               <a:ahLst/>
               <a:cxnLst/>
-              <a:rect r="r" b="b" t="t" l="l"/>
+              <a:rect l="l" t="t" r="r" b="b"/>
               <a:pathLst>
-                <a:path h="863680" w="2194937">
+                <a:path w="2194937" h="863680">
                   <a:moveTo>
                     <a:pt x="0" y="0"/>
                   </a:moveTo>
@@ -8217,11 +8594,18 @@
               <a:srgbClr val="132232"/>
             </a:solidFill>
           </p:spPr>
+          <p:txBody>
+            <a:bodyPr/>
+            <a:lstStyle/>
+            <a:p>
+              <a:endParaRPr lang="es-419"/>
+            </a:p>
+          </p:txBody>
         </p:sp>
         <p:sp>
           <p:nvSpPr>
-            <p:cNvPr name="TextBox 4" id="4"/>
-            <p:cNvSpPr txBox="true"/>
+            <p:cNvPr id="4" name="TextBox 4"/>
+            <p:cNvSpPr txBox="1"/>
             <p:nvPr/>
           </p:nvSpPr>
           <p:spPr>
@@ -8234,7 +8618,7 @@
             </a:prstGeom>
           </p:spPr>
           <p:txBody>
-            <a:bodyPr anchor="ctr" rtlCol="false" tIns="50800" lIns="50800" bIns="50800" rIns="50800"/>
+            <a:bodyPr lIns="50800" tIns="50800" rIns="50800" bIns="50800" rtlCol="0" anchor="ctr"/>
             <a:lstStyle/>
             <a:p>
               <a:pPr algn="ctr">
@@ -8242,18 +8626,19 @@
                   <a:spcPts val="3624"/>
                 </a:lnSpc>
               </a:pPr>
+              <a:endParaRPr/>
             </a:p>
           </p:txBody>
         </p:sp>
       </p:grpSp>
       <p:sp>
         <p:nvSpPr>
-          <p:cNvPr name="Freeform 5" id="5"/>
+          <p:cNvPr id="5" name="Freeform 5"/>
           <p:cNvSpPr/>
           <p:nvPr/>
         </p:nvSpPr>
         <p:spPr>
-          <a:xfrm flipH="false" flipV="false" rot="0">
+          <a:xfrm>
             <a:off x="9312079" y="173663"/>
             <a:ext cx="6897972" cy="9530877"/>
           </a:xfrm>
@@ -8262,9 +8647,9 @@
             <a:gdLst/>
             <a:ahLst/>
             <a:cxnLst/>
-            <a:rect r="r" b="b" t="t" l="l"/>
+            <a:rect l="l" t="t" r="r" b="b"/>
             <a:pathLst>
-              <a:path h="9530877" w="6897972">
+              <a:path w="6897972" h="9530877">
                 <a:moveTo>
                   <a:pt x="0" y="0"/>
                 </a:moveTo>
@@ -8287,19 +8672,26 @@
           <a:blipFill>
             <a:blip r:embed="rId2"/>
             <a:stretch>
-              <a:fillRect l="0" t="0" r="0" b="0"/>
+              <a:fillRect/>
             </a:stretch>
           </a:blipFill>
         </p:spPr>
-      </p:sp>
-      <p:sp>
-        <p:nvSpPr>
-          <p:cNvPr name="TextBox 6" id="6"/>
-          <p:cNvSpPr txBox="true"/>
+        <p:txBody>
+          <a:bodyPr/>
+          <a:lstStyle/>
+          <a:p>
+            <a:endParaRPr lang="es-419"/>
+          </a:p>
+        </p:txBody>
+      </p:sp>
+      <p:sp>
+        <p:nvSpPr>
+          <p:cNvPr id="6" name="TextBox 6"/>
+          <p:cNvSpPr txBox="1"/>
           <p:nvPr/>
         </p:nvSpPr>
         <p:spPr>
-          <a:xfrm rot="0">
+          <a:xfrm>
             <a:off x="1028700" y="1066763"/>
             <a:ext cx="13103867" cy="1174750"/>
           </a:xfrm>
@@ -8308,7 +8700,7 @@
           </a:prstGeom>
         </p:spPr>
         <p:txBody>
-          <a:bodyPr anchor="t" rtlCol="false" tIns="0" lIns="0" bIns="0" rIns="0">
+          <a:bodyPr lIns="0" tIns="0" rIns="0" bIns="0" rtlCol="0" anchor="t">
             <a:spAutoFit/>
           </a:bodyPr>
           <a:lstStyle/>
@@ -8342,7 +8734,7 @@
 </file>
 
 <file path=ppt/slides/slide21.xml><?xml version="1.0" encoding="utf-8"?>
-<p:sld xmlns:p="http://schemas.openxmlformats.org/presentationml/2006/main" xmlns:a="http://schemas.openxmlformats.org/drawingml/2006/main" xmlns:r="http://schemas.openxmlformats.org/officeDocument/2006/relationships">
+<p:sld xmlns:a="http://schemas.openxmlformats.org/drawingml/2006/main" xmlns:r="http://schemas.openxmlformats.org/officeDocument/2006/relationships" xmlns:p="http://schemas.openxmlformats.org/presentationml/2006/main">
   <p:cSld>
     <p:spTree>
       <p:nvGrpSpPr>
@@ -8360,12 +8752,12 @@
       </p:grpSpPr>
       <p:sp>
         <p:nvSpPr>
-          <p:cNvPr name="Freeform 2" id="2"/>
+          <p:cNvPr id="2" name="Freeform 2"/>
           <p:cNvSpPr/>
           <p:nvPr/>
         </p:nvSpPr>
         <p:spPr>
-          <a:xfrm flipH="false" flipV="false" rot="0">
+          <a:xfrm>
             <a:off x="2870093" y="1028700"/>
             <a:ext cx="12547814" cy="7847011"/>
           </a:xfrm>
@@ -8374,9 +8766,9 @@
             <a:gdLst/>
             <a:ahLst/>
             <a:cxnLst/>
-            <a:rect r="r" b="b" t="t" l="l"/>
+            <a:rect l="l" t="t" r="r" b="b"/>
             <a:pathLst>
-              <a:path h="7847011" w="12547814">
+              <a:path w="12547814" h="7847011">
                 <a:moveTo>
                   <a:pt x="0" y="0"/>
                 </a:moveTo>
@@ -8399,10 +8791,17 @@
           <a:blipFill>
             <a:blip r:embed="rId2"/>
             <a:stretch>
-              <a:fillRect l="0" t="0" r="0" b="0"/>
+              <a:fillRect/>
             </a:stretch>
           </a:blipFill>
         </p:spPr>
+        <p:txBody>
+          <a:bodyPr/>
+          <a:lstStyle/>
+          <a:p>
+            <a:endParaRPr lang="es-419"/>
+          </a:p>
+        </p:txBody>
       </p:sp>
     </p:spTree>
   </p:cSld>
@@ -8413,7 +8812,7 @@
 </file>
 
 <file path=ppt/slides/slide22.xml><?xml version="1.0" encoding="utf-8"?>
-<p:sld xmlns:p="http://schemas.openxmlformats.org/presentationml/2006/main" xmlns:a="http://schemas.openxmlformats.org/drawingml/2006/main" xmlns:r="http://schemas.openxmlformats.org/officeDocument/2006/relationships">
+<p:sld xmlns:a="http://schemas.openxmlformats.org/drawingml/2006/main" xmlns:r="http://schemas.openxmlformats.org/officeDocument/2006/relationships" xmlns:p="http://schemas.openxmlformats.org/presentationml/2006/main">
   <p:cSld>
     <p:spTree>
       <p:nvGrpSpPr>
@@ -8431,12 +8830,12 @@
       </p:grpSpPr>
       <p:sp>
         <p:nvSpPr>
-          <p:cNvPr name="Freeform 2" id="2"/>
+          <p:cNvPr id="2" name="Freeform 2"/>
           <p:cNvSpPr/>
           <p:nvPr/>
         </p:nvSpPr>
         <p:spPr>
-          <a:xfrm flipH="false" flipV="false" rot="0">
+          <a:xfrm>
             <a:off x="2992944" y="111688"/>
             <a:ext cx="12302111" cy="10063624"/>
           </a:xfrm>
@@ -8445,9 +8844,9 @@
             <a:gdLst/>
             <a:ahLst/>
             <a:cxnLst/>
-            <a:rect r="r" b="b" t="t" l="l"/>
+            <a:rect l="l" t="t" r="r" b="b"/>
             <a:pathLst>
-              <a:path h="10063624" w="12302111">
+              <a:path w="12302111" h="10063624">
                 <a:moveTo>
                   <a:pt x="0" y="0"/>
                 </a:moveTo>
@@ -8470,10 +8869,17 @@
           <a:blipFill>
             <a:blip r:embed="rId2"/>
             <a:stretch>
-              <a:fillRect l="0" t="0" r="0" b="0"/>
+              <a:fillRect/>
             </a:stretch>
           </a:blipFill>
         </p:spPr>
+        <p:txBody>
+          <a:bodyPr/>
+          <a:lstStyle/>
+          <a:p>
+            <a:endParaRPr lang="es-419"/>
+          </a:p>
+        </p:txBody>
       </p:sp>
     </p:spTree>
   </p:cSld>
@@ -8484,13 +8890,14 @@
 </file>
 
 <file path=ppt/slides/slide23.xml><?xml version="1.0" encoding="utf-8"?>
-<p:sld xmlns:p="http://schemas.openxmlformats.org/presentationml/2006/main" xmlns:a="http://schemas.openxmlformats.org/drawingml/2006/main" xmlns:r="http://schemas.openxmlformats.org/officeDocument/2006/relationships">
+<p:sld xmlns:a="http://schemas.openxmlformats.org/drawingml/2006/main" xmlns:r="http://schemas.openxmlformats.org/officeDocument/2006/relationships" xmlns:p="http://schemas.openxmlformats.org/presentationml/2006/main">
   <p:cSld>
     <p:bg>
       <p:bgPr>
         <a:solidFill>
           <a:srgbClr val="132232"/>
         </a:solidFill>
+        <a:effectLst/>
       </p:bgPr>
     </p:bg>
     <p:spTree>
@@ -8509,12 +8916,12 @@
       </p:grpSpPr>
       <p:sp>
         <p:nvSpPr>
-          <p:cNvPr name="Freeform 2" id="2"/>
+          <p:cNvPr id="2" name="Freeform 2"/>
           <p:cNvSpPr/>
           <p:nvPr/>
         </p:nvSpPr>
         <p:spPr>
-          <a:xfrm flipH="false" flipV="false" rot="0">
+          <a:xfrm>
             <a:off x="6222809" y="5883952"/>
             <a:ext cx="3126490" cy="3137901"/>
           </a:xfrm>
@@ -8523,9 +8930,9 @@
             <a:gdLst/>
             <a:ahLst/>
             <a:cxnLst/>
-            <a:rect r="r" b="b" t="t" l="l"/>
+            <a:rect l="l" t="t" r="r" b="b"/>
             <a:pathLst>
-              <a:path h="3137901" w="3126490">
+              <a:path w="3126490" h="3137901">
                 <a:moveTo>
                   <a:pt x="0" y="0"/>
                 </a:moveTo>
@@ -8554,19 +8961,26 @@
               </a:extLst>
             </a:blip>
             <a:stretch>
-              <a:fillRect l="0" t="0" r="0" b="0"/>
+              <a:fillRect/>
             </a:stretch>
           </a:blipFill>
         </p:spPr>
-      </p:sp>
-      <p:sp>
-        <p:nvSpPr>
-          <p:cNvPr name="TextBox 3" id="3"/>
-          <p:cNvSpPr txBox="true"/>
+        <p:txBody>
+          <a:bodyPr/>
+          <a:lstStyle/>
+          <a:p>
+            <a:endParaRPr lang="es-419"/>
+          </a:p>
+        </p:txBody>
+      </p:sp>
+      <p:sp>
+        <p:nvSpPr>
+          <p:cNvPr id="3" name="TextBox 3"/>
+          <p:cNvSpPr txBox="1"/>
           <p:nvPr/>
         </p:nvSpPr>
         <p:spPr>
-          <a:xfrm rot="0">
+          <a:xfrm>
             <a:off x="1028700" y="6427325"/>
             <a:ext cx="10732976" cy="2032105"/>
           </a:xfrm>
@@ -8575,21 +8989,22 @@
           </a:prstGeom>
         </p:spPr>
         <p:txBody>
-          <a:bodyPr anchor="t" rtlCol="false" tIns="0" lIns="0" bIns="0" rIns="0">
+          <a:bodyPr lIns="0" tIns="0" rIns="0" bIns="0" rtlCol="0" anchor="t">
             <a:spAutoFit/>
           </a:bodyPr>
           <a:lstStyle/>
           <a:p>
-            <a:pPr algn="l" marL="538124" indent="-269062" lvl="1">
+            <a:pPr marL="538124" lvl="1" indent="-269062" algn="l">
               <a:lnSpc>
                 <a:spcPts val="3265"/>
               </a:lnSpc>
               <a:buFont typeface="Arial"/>
               <a:buChar char="•"/>
             </a:pPr>
-          </a:p>
-          <a:p>
-            <a:pPr algn="l" marL="538124" indent="-269062" lvl="1">
+            <a:endParaRPr/>
+          </a:p>
+          <a:p>
+            <a:pPr marL="538124" lvl="1" indent="-269062" algn="l">
               <a:lnSpc>
                 <a:spcPts val="3265"/>
               </a:lnSpc>
@@ -8610,7 +9025,7 @@
             </a:r>
           </a:p>
           <a:p>
-            <a:pPr algn="l" marL="538124" indent="-269062" lvl="1">
+            <a:pPr marL="538124" lvl="1" indent="-269062" algn="l">
               <a:lnSpc>
                 <a:spcPts val="3265"/>
               </a:lnSpc>
@@ -8631,7 +9046,7 @@
             </a:r>
           </a:p>
           <a:p>
-            <a:pPr algn="l" marL="538124" indent="-269062" lvl="1">
+            <a:pPr marL="538124" lvl="1" indent="-269062" algn="l">
               <a:lnSpc>
                 <a:spcPts val="3265"/>
               </a:lnSpc>
@@ -8652,7 +9067,7 @@
             </a:r>
           </a:p>
           <a:p>
-            <a:pPr algn="l" marL="538124" indent="-269062" lvl="1">
+            <a:pPr marL="538124" lvl="1" indent="-269062" algn="l">
               <a:lnSpc>
                 <a:spcPts val="3265"/>
               </a:lnSpc>
@@ -8683,7 +9098,7 @@
 </file>
 
 <file path=ppt/slides/slide3.xml><?xml version="1.0" encoding="utf-8"?>
-<p:sld xmlns:p="http://schemas.openxmlformats.org/presentationml/2006/main" xmlns:a="http://schemas.openxmlformats.org/drawingml/2006/main" xmlns:r="http://schemas.openxmlformats.org/officeDocument/2006/relationships">
+<p:sld xmlns:a="http://schemas.openxmlformats.org/drawingml/2006/main" xmlns:r="http://schemas.openxmlformats.org/officeDocument/2006/relationships" xmlns:p="http://schemas.openxmlformats.org/presentationml/2006/main">
   <p:cSld>
     <p:spTree>
       <p:nvGrpSpPr>
@@ -8701,12 +9116,12 @@
       </p:grpSpPr>
       <p:grpSp>
         <p:nvGrpSpPr>
-          <p:cNvPr name="Group 2" id="2"/>
+          <p:cNvPr id="2" name="Group 2"/>
           <p:cNvGrpSpPr/>
           <p:nvPr/>
         </p:nvGrpSpPr>
         <p:grpSpPr>
-          <a:xfrm rot="0">
+          <a:xfrm>
             <a:off x="0" y="0"/>
             <a:ext cx="18288000" cy="3109886"/>
             <a:chOff x="0" y="0"/>
@@ -8715,12 +9130,12 @@
         </p:grpSpPr>
         <p:sp>
           <p:nvSpPr>
-            <p:cNvPr name="Freeform 3" id="3"/>
+            <p:cNvPr id="3" name="Freeform 3"/>
             <p:cNvSpPr/>
             <p:nvPr/>
           </p:nvSpPr>
           <p:spPr>
-            <a:xfrm flipH="false" flipV="false" rot="0">
+            <a:xfrm>
               <a:off x="0" y="0"/>
               <a:ext cx="4816592" cy="819065"/>
             </a:xfrm>
@@ -8729,9 +9144,9 @@
               <a:gdLst/>
               <a:ahLst/>
               <a:cxnLst/>
-              <a:rect r="r" b="b" t="t" l="l"/>
+              <a:rect l="l" t="t" r="r" b="b"/>
               <a:pathLst>
-                <a:path h="819065" w="4816592">
+                <a:path w="4816592" h="819065">
                   <a:moveTo>
                     <a:pt x="0" y="0"/>
                   </a:moveTo>
@@ -8752,11 +9167,18 @@
               <a:srgbClr val="132232"/>
             </a:solidFill>
           </p:spPr>
+          <p:txBody>
+            <a:bodyPr/>
+            <a:lstStyle/>
+            <a:p>
+              <a:endParaRPr lang="es-419"/>
+            </a:p>
+          </p:txBody>
         </p:sp>
         <p:sp>
           <p:nvSpPr>
-            <p:cNvPr name="TextBox 4" id="4"/>
-            <p:cNvSpPr txBox="true"/>
+            <p:cNvPr id="4" name="TextBox 4"/>
+            <p:cNvSpPr txBox="1"/>
             <p:nvPr/>
           </p:nvSpPr>
           <p:spPr>
@@ -8769,7 +9191,7 @@
             </a:prstGeom>
           </p:spPr>
           <p:txBody>
-            <a:bodyPr anchor="ctr" rtlCol="false" tIns="50800" lIns="50800" bIns="50800" rIns="50800"/>
+            <a:bodyPr lIns="50800" tIns="50800" rIns="50800" bIns="50800" rtlCol="0" anchor="ctr"/>
             <a:lstStyle/>
             <a:p>
               <a:pPr algn="ctr">
@@ -8777,18 +9199,19 @@
                   <a:spcPts val="3624"/>
                 </a:lnSpc>
               </a:pPr>
+              <a:endParaRPr/>
             </a:p>
           </p:txBody>
         </p:sp>
       </p:grpSp>
       <p:sp>
         <p:nvSpPr>
-          <p:cNvPr name="Freeform 5" id="5"/>
+          <p:cNvPr id="5" name="Freeform 5"/>
           <p:cNvSpPr/>
           <p:nvPr/>
         </p:nvSpPr>
         <p:spPr>
-          <a:xfrm flipH="false" flipV="false" rot="0">
+          <a:xfrm>
             <a:off x="1028700" y="4774807"/>
             <a:ext cx="2028780" cy="4483493"/>
           </a:xfrm>
@@ -8797,9 +9220,9 @@
             <a:gdLst/>
             <a:ahLst/>
             <a:cxnLst/>
-            <a:rect r="r" b="b" t="t" l="l"/>
+            <a:rect l="l" t="t" r="r" b="b"/>
             <a:pathLst>
-              <a:path h="4483493" w="2028780">
+              <a:path w="2028780" h="4483493">
                 <a:moveTo>
                   <a:pt x="0" y="0"/>
                 </a:moveTo>
@@ -8822,19 +9245,26 @@
           <a:blipFill>
             <a:blip r:embed="rId2"/>
             <a:stretch>
-              <a:fillRect l="0" t="0" r="0" b="0"/>
+              <a:fillRect/>
             </a:stretch>
           </a:blipFill>
         </p:spPr>
-      </p:sp>
-      <p:sp>
-        <p:nvSpPr>
-          <p:cNvPr name="Freeform 6" id="6"/>
+        <p:txBody>
+          <a:bodyPr/>
+          <a:lstStyle/>
+          <a:p>
+            <a:endParaRPr lang="es-419"/>
+          </a:p>
+        </p:txBody>
+      </p:sp>
+      <p:sp>
+        <p:nvSpPr>
+          <p:cNvPr id="6" name="Freeform 6"/>
           <p:cNvSpPr/>
           <p:nvPr/>
         </p:nvSpPr>
         <p:spPr>
-          <a:xfrm flipH="false" flipV="false" rot="0">
+          <a:xfrm>
             <a:off x="2410562" y="4366633"/>
             <a:ext cx="646918" cy="776867"/>
           </a:xfrm>
@@ -8843,9 +9273,9 @@
             <a:gdLst/>
             <a:ahLst/>
             <a:cxnLst/>
-            <a:rect r="r" b="b" t="t" l="l"/>
+            <a:rect l="l" t="t" r="r" b="b"/>
             <a:pathLst>
-              <a:path h="776867" w="646918">
+              <a:path w="646918" h="776867">
                 <a:moveTo>
                   <a:pt x="0" y="0"/>
                 </a:moveTo>
@@ -8874,19 +9304,26 @@
               </a:extLst>
             </a:blip>
             <a:stretch>
-              <a:fillRect l="0" t="0" r="0" b="0"/>
+              <a:fillRect/>
             </a:stretch>
           </a:blipFill>
         </p:spPr>
-      </p:sp>
-      <p:sp>
-        <p:nvSpPr>
-          <p:cNvPr name="Freeform 7" id="7"/>
+        <p:txBody>
+          <a:bodyPr/>
+          <a:lstStyle/>
+          <a:p>
+            <a:endParaRPr lang="es-419"/>
+          </a:p>
+        </p:txBody>
+      </p:sp>
+      <p:sp>
+        <p:nvSpPr>
+          <p:cNvPr id="7" name="Freeform 7"/>
           <p:cNvSpPr/>
           <p:nvPr/>
         </p:nvSpPr>
         <p:spPr>
-          <a:xfrm flipH="false" flipV="false" rot="0">
+          <a:xfrm>
             <a:off x="14727513" y="5143500"/>
             <a:ext cx="2531787" cy="2956439"/>
           </a:xfrm>
@@ -8895,9 +9332,9 @@
             <a:gdLst/>
             <a:ahLst/>
             <a:cxnLst/>
-            <a:rect r="r" b="b" t="t" l="l"/>
+            <a:rect l="l" t="t" r="r" b="b"/>
             <a:pathLst>
-              <a:path h="2956439" w="2531787">
+              <a:path w="2531787" h="2956439">
                 <a:moveTo>
                   <a:pt x="0" y="0"/>
                 </a:moveTo>
@@ -8926,19 +9363,26 @@
               </a:extLst>
             </a:blip>
             <a:stretch>
-              <a:fillRect l="0" t="0" r="0" b="0"/>
+              <a:fillRect/>
             </a:stretch>
           </a:blipFill>
         </p:spPr>
-      </p:sp>
-      <p:sp>
-        <p:nvSpPr>
-          <p:cNvPr name="Freeform 8" id="8"/>
+        <p:txBody>
+          <a:bodyPr/>
+          <a:lstStyle/>
+          <a:p>
+            <a:endParaRPr lang="es-419"/>
+          </a:p>
+        </p:txBody>
+      </p:sp>
+      <p:sp>
+        <p:nvSpPr>
+          <p:cNvPr id="8" name="Freeform 8"/>
           <p:cNvSpPr/>
           <p:nvPr/>
         </p:nvSpPr>
         <p:spPr>
-          <a:xfrm flipH="false" flipV="false" rot="0">
+          <a:xfrm>
             <a:off x="12415943" y="4309636"/>
             <a:ext cx="1408873" cy="1645181"/>
           </a:xfrm>
@@ -8947,9 +9391,9 @@
             <a:gdLst/>
             <a:ahLst/>
             <a:cxnLst/>
-            <a:rect r="r" b="b" t="t" l="l"/>
+            <a:rect l="l" t="t" r="r" b="b"/>
             <a:pathLst>
-              <a:path h="1645181" w="1408873">
+              <a:path w="1408873" h="1645181">
                 <a:moveTo>
                   <a:pt x="0" y="0"/>
                 </a:moveTo>
@@ -8978,19 +9422,26 @@
               </a:extLst>
             </a:blip>
             <a:stretch>
-              <a:fillRect l="0" t="0" r="0" b="0"/>
+              <a:fillRect/>
             </a:stretch>
           </a:blipFill>
         </p:spPr>
-      </p:sp>
-      <p:sp>
-        <p:nvSpPr>
-          <p:cNvPr name="Freeform 9" id="9"/>
+        <p:txBody>
+          <a:bodyPr/>
+          <a:lstStyle/>
+          <a:p>
+            <a:endParaRPr lang="es-419"/>
+          </a:p>
+        </p:txBody>
+      </p:sp>
+      <p:sp>
+        <p:nvSpPr>
+          <p:cNvPr id="9" name="Freeform 9"/>
           <p:cNvSpPr/>
           <p:nvPr/>
         </p:nvSpPr>
         <p:spPr>
-          <a:xfrm flipH="false" flipV="false" rot="0">
+          <a:xfrm>
             <a:off x="14298916" y="3343806"/>
             <a:ext cx="875911" cy="1022827"/>
           </a:xfrm>
@@ -8999,9 +9450,9 @@
             <a:gdLst/>
             <a:ahLst/>
             <a:cxnLst/>
-            <a:rect r="r" b="b" t="t" l="l"/>
+            <a:rect l="l" t="t" r="r" b="b"/>
             <a:pathLst>
-              <a:path h="1022827" w="875911">
+              <a:path w="875911" h="1022827">
                 <a:moveTo>
                   <a:pt x="0" y="0"/>
                 </a:moveTo>
@@ -9030,19 +9481,26 @@
               </a:extLst>
             </a:blip>
             <a:stretch>
-              <a:fillRect l="0" t="0" r="0" b="0"/>
+              <a:fillRect/>
             </a:stretch>
           </a:blipFill>
         </p:spPr>
-      </p:sp>
-      <p:sp>
-        <p:nvSpPr>
-          <p:cNvPr name="Freeform 10" id="10"/>
+        <p:txBody>
+          <a:bodyPr/>
+          <a:lstStyle/>
+          <a:p>
+            <a:endParaRPr lang="es-419"/>
+          </a:p>
+        </p:txBody>
+      </p:sp>
+      <p:sp>
+        <p:nvSpPr>
+          <p:cNvPr id="10" name="Freeform 10"/>
           <p:cNvSpPr/>
           <p:nvPr/>
         </p:nvSpPr>
         <p:spPr>
-          <a:xfrm flipH="false" flipV="false" rot="0">
+          <a:xfrm>
             <a:off x="13374263" y="8022940"/>
             <a:ext cx="1362609" cy="1591157"/>
           </a:xfrm>
@@ -9051,9 +9509,9 @@
             <a:gdLst/>
             <a:ahLst/>
             <a:cxnLst/>
-            <a:rect r="r" b="b" t="t" l="l"/>
+            <a:rect l="l" t="t" r="r" b="b"/>
             <a:pathLst>
-              <a:path h="1591157" w="1362609">
+              <a:path w="1362609" h="1591157">
                 <a:moveTo>
                   <a:pt x="0" y="0"/>
                 </a:moveTo>
@@ -9082,19 +9540,26 @@
               </a:extLst>
             </a:blip>
             <a:stretch>
-              <a:fillRect l="0" t="0" r="0" b="0"/>
+              <a:fillRect/>
             </a:stretch>
           </a:blipFill>
         </p:spPr>
-      </p:sp>
-      <p:sp>
-        <p:nvSpPr>
-          <p:cNvPr name="Freeform 11" id="11"/>
+        <p:txBody>
+          <a:bodyPr/>
+          <a:lstStyle/>
+          <a:p>
+            <a:endParaRPr lang="es-419"/>
+          </a:p>
+        </p:txBody>
+      </p:sp>
+      <p:sp>
+        <p:nvSpPr>
+          <p:cNvPr id="11" name="Freeform 11"/>
           <p:cNvSpPr/>
           <p:nvPr/>
         </p:nvSpPr>
         <p:spPr>
-          <a:xfrm flipH="false" flipV="false" rot="0">
+          <a:xfrm>
             <a:off x="17259300" y="4951340"/>
             <a:ext cx="787029" cy="919036"/>
           </a:xfrm>
@@ -9103,9 +9568,9 @@
             <a:gdLst/>
             <a:ahLst/>
             <a:cxnLst/>
-            <a:rect r="r" b="b" t="t" l="l"/>
+            <a:rect l="l" t="t" r="r" b="b"/>
             <a:pathLst>
-              <a:path h="919036" w="787029">
+              <a:path w="787029" h="919036">
                 <a:moveTo>
                   <a:pt x="0" y="0"/>
                 </a:moveTo>
@@ -9134,19 +9599,26 @@
               </a:extLst>
             </a:blip>
             <a:stretch>
-              <a:fillRect l="0" t="0" r="0" b="0"/>
+              <a:fillRect/>
             </a:stretch>
           </a:blipFill>
         </p:spPr>
-      </p:sp>
-      <p:sp>
-        <p:nvSpPr>
-          <p:cNvPr name="Freeform 12" id="12"/>
+        <p:txBody>
+          <a:bodyPr/>
+          <a:lstStyle/>
+          <a:p>
+            <a:endParaRPr lang="es-419"/>
+          </a:p>
+        </p:txBody>
+      </p:sp>
+      <p:sp>
+        <p:nvSpPr>
+          <p:cNvPr id="12" name="Freeform 12"/>
           <p:cNvSpPr/>
           <p:nvPr/>
         </p:nvSpPr>
         <p:spPr>
-          <a:xfrm flipH="false" flipV="false" rot="-2114878">
+          <a:xfrm rot="-2114878">
             <a:off x="857009" y="5848437"/>
             <a:ext cx="563624" cy="446800"/>
           </a:xfrm>
@@ -9155,9 +9627,9 @@
             <a:gdLst/>
             <a:ahLst/>
             <a:cxnLst/>
-            <a:rect r="r" b="b" t="t" l="l"/>
+            <a:rect l="l" t="t" r="r" b="b"/>
             <a:pathLst>
-              <a:path h="446800" w="563624">
+              <a:path w="563624" h="446800">
                 <a:moveTo>
                   <a:pt x="0" y="0"/>
                 </a:moveTo>
@@ -9186,19 +9658,26 @@
               </a:extLst>
             </a:blip>
             <a:stretch>
-              <a:fillRect l="0" t="0" r="0" b="0"/>
+              <a:fillRect/>
             </a:stretch>
           </a:blipFill>
         </p:spPr>
-      </p:sp>
-      <p:sp>
-        <p:nvSpPr>
-          <p:cNvPr name="Freeform 13" id="13"/>
+        <p:txBody>
+          <a:bodyPr/>
+          <a:lstStyle/>
+          <a:p>
+            <a:endParaRPr lang="es-419"/>
+          </a:p>
+        </p:txBody>
+      </p:sp>
+      <p:sp>
+        <p:nvSpPr>
+          <p:cNvPr id="13" name="Freeform 13"/>
           <p:cNvSpPr/>
           <p:nvPr/>
         </p:nvSpPr>
         <p:spPr>
-          <a:xfrm flipH="false" flipV="false" rot="0">
+          <a:xfrm>
             <a:off x="6117144" y="3459412"/>
             <a:ext cx="3239135" cy="2591308"/>
           </a:xfrm>
@@ -9207,9 +9686,9 @@
             <a:gdLst/>
             <a:ahLst/>
             <a:cxnLst/>
-            <a:rect r="r" b="b" t="t" l="l"/>
+            <a:rect l="l" t="t" r="r" b="b"/>
             <a:pathLst>
-              <a:path h="2591308" w="3239135">
+              <a:path w="3239135" h="2591308">
                 <a:moveTo>
                   <a:pt x="0" y="0"/>
                 </a:moveTo>
@@ -9238,38 +9717,52 @@
               </a:extLst>
             </a:blip>
             <a:stretch>
-              <a:fillRect l="0" t="0" r="0" b="0"/>
+              <a:fillRect/>
             </a:stretch>
           </a:blipFill>
         </p:spPr>
-      </p:sp>
-      <p:sp>
-        <p:nvSpPr>
-          <p:cNvPr name="AutoShape 14" id="14"/>
+        <p:txBody>
+          <a:bodyPr/>
+          <a:lstStyle/>
+          <a:p>
+            <a:endParaRPr lang="es-419"/>
+          </a:p>
+        </p:txBody>
+      </p:sp>
+      <p:sp>
+        <p:nvSpPr>
+          <p:cNvPr id="14" name="AutoShape 14"/>
           <p:cNvSpPr/>
           <p:nvPr/>
         </p:nvSpPr>
         <p:spPr>
-          <a:xfrm flipV="true">
+          <a:xfrm flipV="1">
             <a:off x="3057480" y="4755066"/>
             <a:ext cx="2653050" cy="3267873"/>
           </a:xfrm>
           <a:prstGeom prst="line">
             <a:avLst/>
           </a:prstGeom>
-          <a:ln cap="flat" w="38100">
+          <a:ln w="38100" cap="flat">
             <a:solidFill>
               <a:srgbClr val="000000"/>
             </a:solidFill>
             <a:prstDash val="solid"/>
-            <a:headEnd type="none" len="sm" w="sm"/>
-            <a:tailEnd type="arrow" len="sm" w="med"/>
+            <a:headEnd type="none" w="sm" len="sm"/>
+            <a:tailEnd type="arrow" w="med" len="sm"/>
           </a:ln>
         </p:spPr>
-      </p:sp>
-      <p:sp>
-        <p:nvSpPr>
-          <p:cNvPr name="AutoShape 15" id="15"/>
+        <p:txBody>
+          <a:bodyPr/>
+          <a:lstStyle/>
+          <a:p>
+            <a:endParaRPr lang="es-419"/>
+          </a:p>
+        </p:txBody>
+      </p:sp>
+      <p:sp>
+        <p:nvSpPr>
+          <p:cNvPr id="15" name="AutoShape 15"/>
           <p:cNvSpPr/>
           <p:nvPr/>
         </p:nvSpPr>
@@ -9281,43 +9774,57 @@
           <a:prstGeom prst="line">
             <a:avLst/>
           </a:prstGeom>
-          <a:ln cap="flat" w="38100">
+          <a:ln w="38100" cap="flat">
             <a:solidFill>
               <a:srgbClr val="000000"/>
             </a:solidFill>
             <a:prstDash val="solid"/>
-            <a:headEnd type="none" len="sm" w="sm"/>
-            <a:tailEnd type="arrow" len="sm" w="med"/>
+            <a:headEnd type="none" w="sm" len="sm"/>
+            <a:tailEnd type="arrow" w="med" len="sm"/>
           </a:ln>
         </p:spPr>
-      </p:sp>
-      <p:sp>
-        <p:nvSpPr>
-          <p:cNvPr name="AutoShape 16" id="16"/>
+        <p:txBody>
+          <a:bodyPr/>
+          <a:lstStyle/>
+          <a:p>
+            <a:endParaRPr lang="es-419"/>
+          </a:p>
+        </p:txBody>
+      </p:sp>
+      <p:sp>
+        <p:nvSpPr>
+          <p:cNvPr id="16" name="AutoShape 16"/>
           <p:cNvSpPr/>
           <p:nvPr/>
         </p:nvSpPr>
         <p:spPr>
-          <a:xfrm flipV="true">
+          <a:xfrm flipV="1">
             <a:off x="9144577" y="3857439"/>
             <a:ext cx="5154339" cy="26119"/>
           </a:xfrm>
           <a:prstGeom prst="line">
             <a:avLst/>
           </a:prstGeom>
-          <a:ln cap="flat" w="38100">
+          <a:ln w="38100" cap="flat">
             <a:solidFill>
               <a:srgbClr val="000000"/>
             </a:solidFill>
             <a:prstDash val="solid"/>
-            <a:headEnd type="none" len="sm" w="sm"/>
-            <a:tailEnd type="arrow" len="sm" w="med"/>
+            <a:headEnd type="none" w="sm" len="sm"/>
+            <a:tailEnd type="arrow" w="med" len="sm"/>
           </a:ln>
         </p:spPr>
-      </p:sp>
-      <p:sp>
-        <p:nvSpPr>
-          <p:cNvPr name="AutoShape 17" id="17"/>
+        <p:txBody>
+          <a:bodyPr/>
+          <a:lstStyle/>
+          <a:p>
+            <a:endParaRPr lang="es-419"/>
+          </a:p>
+        </p:txBody>
+      </p:sp>
+      <p:sp>
+        <p:nvSpPr>
+          <p:cNvPr id="17" name="AutoShape 17"/>
           <p:cNvSpPr/>
           <p:nvPr/>
         </p:nvSpPr>
@@ -9329,19 +9836,26 @@
           <a:prstGeom prst="line">
             <a:avLst/>
           </a:prstGeom>
-          <a:ln cap="flat" w="38100">
+          <a:ln w="38100" cap="flat">
             <a:solidFill>
               <a:srgbClr val="000000"/>
             </a:solidFill>
             <a:prstDash val="solid"/>
-            <a:headEnd type="none" len="sm" w="sm"/>
-            <a:tailEnd type="arrow" len="sm" w="med"/>
+            <a:headEnd type="none" w="sm" len="sm"/>
+            <a:tailEnd type="arrow" w="med" len="sm"/>
           </a:ln>
         </p:spPr>
-      </p:sp>
-      <p:sp>
-        <p:nvSpPr>
-          <p:cNvPr name="AutoShape 18" id="18"/>
+        <p:txBody>
+          <a:bodyPr/>
+          <a:lstStyle/>
+          <a:p>
+            <a:endParaRPr lang="es-419"/>
+          </a:p>
+        </p:txBody>
+      </p:sp>
+      <p:sp>
+        <p:nvSpPr>
+          <p:cNvPr id="18" name="AutoShape 18"/>
           <p:cNvSpPr/>
           <p:nvPr/>
         </p:nvSpPr>
@@ -9353,24 +9867,31 @@
           <a:prstGeom prst="line">
             <a:avLst/>
           </a:prstGeom>
-          <a:ln cap="flat" w="38100">
+          <a:ln w="38100" cap="flat">
             <a:solidFill>
               <a:srgbClr val="000000"/>
             </a:solidFill>
             <a:prstDash val="solid"/>
-            <a:headEnd type="arrow" len="sm" w="med"/>
-            <a:tailEnd type="arrow" len="sm" w="med"/>
+            <a:headEnd type="arrow" w="med" len="sm"/>
+            <a:tailEnd type="arrow" w="med" len="sm"/>
           </a:ln>
         </p:spPr>
-      </p:sp>
-      <p:sp>
-        <p:nvSpPr>
-          <p:cNvPr name="Freeform 19" id="19"/>
+        <p:txBody>
+          <a:bodyPr/>
+          <a:lstStyle/>
+          <a:p>
+            <a:endParaRPr lang="es-419"/>
+          </a:p>
+        </p:txBody>
+      </p:sp>
+      <p:sp>
+        <p:nvSpPr>
+          <p:cNvPr id="19" name="Freeform 19"/>
           <p:cNvSpPr/>
           <p:nvPr/>
         </p:nvSpPr>
         <p:spPr>
-          <a:xfrm flipH="false" flipV="false" rot="0">
+          <a:xfrm>
             <a:off x="10277752" y="5224955"/>
             <a:ext cx="634463" cy="501802"/>
           </a:xfrm>
@@ -9379,9 +9900,9 @@
             <a:gdLst/>
             <a:ahLst/>
             <a:cxnLst/>
-            <a:rect r="r" b="b" t="t" l="l"/>
+            <a:rect l="l" t="t" r="r" b="b"/>
             <a:pathLst>
-              <a:path h="501802" w="634463">
+              <a:path w="634463" h="501802">
                 <a:moveTo>
                   <a:pt x="0" y="0"/>
                 </a:moveTo>
@@ -9410,19 +9931,26 @@
               </a:extLst>
             </a:blip>
             <a:stretch>
-              <a:fillRect l="0" t="0" r="0" b="0"/>
+              <a:fillRect/>
             </a:stretch>
           </a:blipFill>
         </p:spPr>
-      </p:sp>
-      <p:sp>
-        <p:nvSpPr>
-          <p:cNvPr name="Freeform 20" id="20"/>
+        <p:txBody>
+          <a:bodyPr/>
+          <a:lstStyle/>
+          <a:p>
+            <a:endParaRPr lang="es-419"/>
+          </a:p>
+        </p:txBody>
+      </p:sp>
+      <p:sp>
+        <p:nvSpPr>
+          <p:cNvPr id="20" name="Freeform 20"/>
           <p:cNvSpPr/>
           <p:nvPr/>
         </p:nvSpPr>
         <p:spPr>
-          <a:xfrm flipH="false" flipV="false" rot="0">
+          <a:xfrm>
             <a:off x="14055567" y="6300069"/>
             <a:ext cx="1050286" cy="643300"/>
           </a:xfrm>
@@ -9431,9 +9959,9 @@
             <a:gdLst/>
             <a:ahLst/>
             <a:cxnLst/>
-            <a:rect r="r" b="b" t="t" l="l"/>
+            <a:rect l="l" t="t" r="r" b="b"/>
             <a:pathLst>
-              <a:path h="643300" w="1050286">
+              <a:path w="1050286" h="643300">
                 <a:moveTo>
                   <a:pt x="0" y="0"/>
                 </a:moveTo>
@@ -9462,19 +9990,26 @@
               </a:extLst>
             </a:blip>
             <a:stretch>
-              <a:fillRect l="0" t="0" r="0" b="0"/>
+              <a:fillRect/>
             </a:stretch>
           </a:blipFill>
         </p:spPr>
-      </p:sp>
-      <p:sp>
-        <p:nvSpPr>
-          <p:cNvPr name="TextBox 21" id="21"/>
-          <p:cNvSpPr txBox="true"/>
+        <p:txBody>
+          <a:bodyPr/>
+          <a:lstStyle/>
+          <a:p>
+            <a:endParaRPr lang="es-419"/>
+          </a:p>
+        </p:txBody>
+      </p:sp>
+      <p:sp>
+        <p:nvSpPr>
+          <p:cNvPr id="21" name="TextBox 21"/>
+          <p:cNvSpPr txBox="1"/>
           <p:nvPr/>
         </p:nvSpPr>
         <p:spPr>
-          <a:xfrm rot="0">
+          <a:xfrm>
             <a:off x="1028700" y="1066763"/>
             <a:ext cx="13103867" cy="1174750"/>
           </a:xfrm>
@@ -9483,7 +10018,7 @@
           </a:prstGeom>
         </p:spPr>
         <p:txBody>
-          <a:bodyPr anchor="t" rtlCol="false" tIns="0" lIns="0" bIns="0" rIns="0">
+          <a:bodyPr lIns="0" tIns="0" rIns="0" bIns="0" rtlCol="0" anchor="t">
             <a:spAutoFit/>
           </a:bodyPr>
           <a:lstStyle/>
@@ -9510,12 +10045,12 @@
       </p:sp>
       <p:sp>
         <p:nvSpPr>
-          <p:cNvPr name="TextBox 22" id="22"/>
-          <p:cNvSpPr txBox="true"/>
+          <p:cNvPr id="22" name="TextBox 22"/>
+          <p:cNvSpPr txBox="1"/>
           <p:nvPr/>
         </p:nvSpPr>
         <p:spPr>
-          <a:xfrm rot="0">
+          <a:xfrm>
             <a:off x="6172074" y="6368993"/>
             <a:ext cx="3829186" cy="647561"/>
           </a:xfrm>
@@ -9524,7 +10059,7 @@
           </a:prstGeom>
         </p:spPr>
         <p:txBody>
-          <a:bodyPr anchor="t" rtlCol="false" tIns="0" lIns="0" bIns="0" rIns="0">
+          <a:bodyPr lIns="0" tIns="0" rIns="0" bIns="0" rtlCol="0" anchor="t">
             <a:spAutoFit/>
           </a:bodyPr>
           <a:lstStyle/>
@@ -9551,12 +10086,12 @@
       </p:sp>
       <p:sp>
         <p:nvSpPr>
-          <p:cNvPr name="Freeform 23" id="23"/>
+          <p:cNvPr id="23" name="Freeform 23"/>
           <p:cNvSpPr/>
           <p:nvPr/>
         </p:nvSpPr>
         <p:spPr>
-          <a:xfrm flipH="false" flipV="false" rot="0">
+          <a:xfrm>
             <a:off x="8575266" y="5848141"/>
             <a:ext cx="634463" cy="501802"/>
           </a:xfrm>
@@ -9565,9 +10100,9 @@
             <a:gdLst/>
             <a:ahLst/>
             <a:cxnLst/>
-            <a:rect r="r" b="b" t="t" l="l"/>
+            <a:rect l="l" t="t" r="r" b="b"/>
             <a:pathLst>
-              <a:path h="501802" w="634463">
+              <a:path w="634463" h="501802">
                 <a:moveTo>
                   <a:pt x="0" y="0"/>
                 </a:moveTo>
@@ -9596,19 +10131,26 @@
               </a:extLst>
             </a:blip>
             <a:stretch>
-              <a:fillRect l="0" t="0" r="0" b="0"/>
+              <a:fillRect/>
             </a:stretch>
           </a:blipFill>
         </p:spPr>
-      </p:sp>
-      <p:sp>
-        <p:nvSpPr>
-          <p:cNvPr name="Freeform 24" id="24"/>
+        <p:txBody>
+          <a:bodyPr/>
+          <a:lstStyle/>
+          <a:p>
+            <a:endParaRPr lang="es-419"/>
+          </a:p>
+        </p:txBody>
+      </p:sp>
+      <p:sp>
+        <p:nvSpPr>
+          <p:cNvPr id="24" name="Freeform 24"/>
           <p:cNvSpPr/>
           <p:nvPr/>
         </p:nvSpPr>
         <p:spPr>
-          <a:xfrm flipH="false" flipV="false" rot="0">
+          <a:xfrm>
             <a:off x="12323977" y="7778289"/>
             <a:ext cx="1050286" cy="643300"/>
           </a:xfrm>
@@ -9617,9 +10159,9 @@
             <a:gdLst/>
             <a:ahLst/>
             <a:cxnLst/>
-            <a:rect r="r" b="b" t="t" l="l"/>
+            <a:rect l="l" t="t" r="r" b="b"/>
             <a:pathLst>
-              <a:path h="643300" w="1050286">
+              <a:path w="1050286" h="643300">
                 <a:moveTo>
                   <a:pt x="0" y="0"/>
                 </a:moveTo>
@@ -9648,19 +10190,26 @@
               </a:extLst>
             </a:blip>
             <a:stretch>
-              <a:fillRect l="0" t="0" r="0" b="0"/>
+              <a:fillRect/>
             </a:stretch>
           </a:blipFill>
         </p:spPr>
-      </p:sp>
-      <p:sp>
-        <p:nvSpPr>
-          <p:cNvPr name="Freeform 25" id="25"/>
+        <p:txBody>
+          <a:bodyPr/>
+          <a:lstStyle/>
+          <a:p>
+            <a:endParaRPr lang="es-419"/>
+          </a:p>
+        </p:txBody>
+      </p:sp>
+      <p:sp>
+        <p:nvSpPr>
+          <p:cNvPr id="25" name="Freeform 25"/>
           <p:cNvSpPr/>
           <p:nvPr/>
         </p:nvSpPr>
         <p:spPr>
-          <a:xfrm flipH="false" flipV="false" rot="0">
+          <a:xfrm>
             <a:off x="11365657" y="4270753"/>
             <a:ext cx="1050286" cy="643300"/>
           </a:xfrm>
@@ -9669,9 +10218,9 @@
             <a:gdLst/>
             <a:ahLst/>
             <a:cxnLst/>
-            <a:rect r="r" b="b" t="t" l="l"/>
+            <a:rect l="l" t="t" r="r" b="b"/>
             <a:pathLst>
-              <a:path h="643300" w="1050286">
+              <a:path w="1050286" h="643300">
                 <a:moveTo>
                   <a:pt x="0" y="0"/>
                 </a:moveTo>
@@ -9700,19 +10249,26 @@
               </a:extLst>
             </a:blip>
             <a:stretch>
-              <a:fillRect l="0" t="0" r="0" b="0"/>
+              <a:fillRect/>
             </a:stretch>
           </a:blipFill>
         </p:spPr>
-      </p:sp>
-      <p:sp>
-        <p:nvSpPr>
-          <p:cNvPr name="Freeform 26" id="26"/>
+        <p:txBody>
+          <a:bodyPr/>
+          <a:lstStyle/>
+          <a:p>
+            <a:endParaRPr lang="es-419"/>
+          </a:p>
+        </p:txBody>
+      </p:sp>
+      <p:sp>
+        <p:nvSpPr>
+          <p:cNvPr id="26" name="Freeform 26"/>
           <p:cNvSpPr/>
           <p:nvPr/>
         </p:nvSpPr>
         <p:spPr>
-          <a:xfrm flipH="false" flipV="false" rot="0">
+          <a:xfrm>
             <a:off x="9356280" y="4115732"/>
             <a:ext cx="634463" cy="501802"/>
           </a:xfrm>
@@ -9721,9 +10277,9 @@
             <a:gdLst/>
             <a:ahLst/>
             <a:cxnLst/>
-            <a:rect r="r" b="b" t="t" l="l"/>
+            <a:rect l="l" t="t" r="r" b="b"/>
             <a:pathLst>
-              <a:path h="501802" w="634463">
+              <a:path w="634463" h="501802">
                 <a:moveTo>
                   <a:pt x="0" y="0"/>
                 </a:moveTo>
@@ -9752,19 +10308,26 @@
               </a:extLst>
             </a:blip>
             <a:stretch>
-              <a:fillRect l="0" t="0" r="0" b="0"/>
+              <a:fillRect/>
             </a:stretch>
           </a:blipFill>
         </p:spPr>
-      </p:sp>
-      <p:sp>
-        <p:nvSpPr>
-          <p:cNvPr name="Freeform 27" id="27"/>
+        <p:txBody>
+          <a:bodyPr/>
+          <a:lstStyle/>
+          <a:p>
+            <a:endParaRPr lang="es-419"/>
+          </a:p>
+        </p:txBody>
+      </p:sp>
+      <p:sp>
+        <p:nvSpPr>
+          <p:cNvPr id="27" name="Freeform 27"/>
           <p:cNvSpPr/>
           <p:nvPr/>
         </p:nvSpPr>
         <p:spPr>
-          <a:xfrm flipH="false" flipV="false" rot="0">
+          <a:xfrm>
             <a:off x="13374263" y="3343806"/>
             <a:ext cx="681304" cy="417299"/>
           </a:xfrm>
@@ -9773,9 +10336,9 @@
             <a:gdLst/>
             <a:ahLst/>
             <a:cxnLst/>
-            <a:rect r="r" b="b" t="t" l="l"/>
+            <a:rect l="l" t="t" r="r" b="b"/>
             <a:pathLst>
-              <a:path h="417299" w="681304">
+              <a:path w="681304" h="417299">
                 <a:moveTo>
                   <a:pt x="0" y="0"/>
                 </a:moveTo>
@@ -9804,19 +10367,26 @@
               </a:extLst>
             </a:blip>
             <a:stretch>
-              <a:fillRect l="0" t="0" r="0" b="0"/>
+              <a:fillRect/>
             </a:stretch>
           </a:blipFill>
         </p:spPr>
-      </p:sp>
-      <p:sp>
-        <p:nvSpPr>
-          <p:cNvPr name="Freeform 28" id="28"/>
+        <p:txBody>
+          <a:bodyPr/>
+          <a:lstStyle/>
+          <a:p>
+            <a:endParaRPr lang="es-419"/>
+          </a:p>
+        </p:txBody>
+      </p:sp>
+      <p:sp>
+        <p:nvSpPr>
+          <p:cNvPr id="28" name="Freeform 28"/>
           <p:cNvSpPr/>
           <p:nvPr/>
         </p:nvSpPr>
         <p:spPr>
-          <a:xfrm flipH="false" flipV="false" rot="0">
+          <a:xfrm>
             <a:off x="9366798" y="3259303"/>
             <a:ext cx="634463" cy="501802"/>
           </a:xfrm>
@@ -9825,9 +10395,9 @@
             <a:gdLst/>
             <a:ahLst/>
             <a:cxnLst/>
-            <a:rect r="r" b="b" t="t" l="l"/>
+            <a:rect l="l" t="t" r="r" b="b"/>
             <a:pathLst>
-              <a:path h="501802" w="634463">
+              <a:path w="634463" h="501802">
                 <a:moveTo>
                   <a:pt x="0" y="0"/>
                 </a:moveTo>
@@ -9856,10 +10426,17 @@
               </a:extLst>
             </a:blip>
             <a:stretch>
-              <a:fillRect l="0" t="0" r="0" b="0"/>
+              <a:fillRect/>
             </a:stretch>
           </a:blipFill>
         </p:spPr>
+        <p:txBody>
+          <a:bodyPr/>
+          <a:lstStyle/>
+          <a:p>
+            <a:endParaRPr lang="es-419"/>
+          </a:p>
+        </p:txBody>
       </p:sp>
     </p:spTree>
   </p:cSld>
@@ -9870,7 +10447,7 @@
 </file>
 
 <file path=ppt/slides/slide4.xml><?xml version="1.0" encoding="utf-8"?>
-<p:sld xmlns:p="http://schemas.openxmlformats.org/presentationml/2006/main" xmlns:a="http://schemas.openxmlformats.org/drawingml/2006/main">
+<p:sld xmlns:a="http://schemas.openxmlformats.org/drawingml/2006/main" xmlns:r="http://schemas.openxmlformats.org/officeDocument/2006/relationships" xmlns:p="http://schemas.openxmlformats.org/presentationml/2006/main">
   <p:cSld>
     <p:spTree>
       <p:nvGrpSpPr>
@@ -9888,12 +10465,12 @@
       </p:grpSpPr>
       <p:grpSp>
         <p:nvGrpSpPr>
-          <p:cNvPr name="Group 2" id="2"/>
+          <p:cNvPr id="2" name="Group 2"/>
           <p:cNvGrpSpPr/>
           <p:nvPr/>
         </p:nvGrpSpPr>
         <p:grpSpPr>
-          <a:xfrm rot="0">
+          <a:xfrm>
             <a:off x="0" y="0"/>
             <a:ext cx="6906257" cy="10287000"/>
             <a:chOff x="0" y="0"/>
@@ -9902,12 +10479,12 @@
         </p:grpSpPr>
         <p:sp>
           <p:nvSpPr>
-            <p:cNvPr name="Freeform 3" id="3"/>
+            <p:cNvPr id="3" name="Freeform 3"/>
             <p:cNvSpPr/>
             <p:nvPr/>
           </p:nvSpPr>
           <p:spPr>
-            <a:xfrm flipH="false" flipV="false" rot="0">
+            <a:xfrm>
               <a:off x="0" y="0"/>
               <a:ext cx="1818932" cy="2709333"/>
             </a:xfrm>
@@ -9916,9 +10493,9 @@
               <a:gdLst/>
               <a:ahLst/>
               <a:cxnLst/>
-              <a:rect r="r" b="b" t="t" l="l"/>
+              <a:rect l="l" t="t" r="r" b="b"/>
               <a:pathLst>
-                <a:path h="2709333" w="1818932">
+                <a:path w="1818932" h="2709333">
                   <a:moveTo>
                     <a:pt x="0" y="0"/>
                   </a:moveTo>
@@ -9939,11 +10516,18 @@
               <a:srgbClr val="132232"/>
             </a:solidFill>
           </p:spPr>
+          <p:txBody>
+            <a:bodyPr/>
+            <a:lstStyle/>
+            <a:p>
+              <a:endParaRPr lang="es-419"/>
+            </a:p>
+          </p:txBody>
         </p:sp>
         <p:sp>
           <p:nvSpPr>
-            <p:cNvPr name="TextBox 4" id="4"/>
-            <p:cNvSpPr txBox="true"/>
+            <p:cNvPr id="4" name="TextBox 4"/>
+            <p:cNvSpPr txBox="1"/>
             <p:nvPr/>
           </p:nvSpPr>
           <p:spPr>
@@ -9956,7 +10540,7 @@
             </a:prstGeom>
           </p:spPr>
           <p:txBody>
-            <a:bodyPr anchor="ctr" rtlCol="false" tIns="50800" lIns="50800" bIns="50800" rIns="50800"/>
+            <a:bodyPr lIns="50800" tIns="50800" rIns="50800" bIns="50800" rtlCol="0" anchor="ctr"/>
             <a:lstStyle/>
             <a:p>
               <a:pPr algn="ctr">
@@ -9964,18 +10548,19 @@
                   <a:spcPts val="3624"/>
                 </a:lnSpc>
               </a:pPr>
+              <a:endParaRPr/>
             </a:p>
           </p:txBody>
         </p:sp>
       </p:grpSp>
       <p:grpSp>
         <p:nvGrpSpPr>
-          <p:cNvPr name="Group 5" id="5"/>
+          <p:cNvPr id="5" name="Group 5"/>
           <p:cNvGrpSpPr/>
           <p:nvPr/>
         </p:nvGrpSpPr>
         <p:grpSpPr>
-          <a:xfrm rot="0">
+          <a:xfrm>
             <a:off x="524238" y="3679259"/>
             <a:ext cx="5857780" cy="1635454"/>
             <a:chOff x="0" y="0"/>
@@ -9984,12 +10569,12 @@
         </p:grpSpPr>
         <p:sp>
           <p:nvSpPr>
-            <p:cNvPr name="TextBox 6" id="6"/>
-            <p:cNvSpPr txBox="true"/>
+            <p:cNvPr id="6" name="TextBox 6"/>
+            <p:cNvSpPr txBox="1"/>
             <p:nvPr/>
           </p:nvSpPr>
           <p:spPr>
-            <a:xfrm rot="0">
+            <a:xfrm>
               <a:off x="0" y="38100"/>
               <a:ext cx="7810373" cy="1445694"/>
             </a:xfrm>
@@ -9998,7 +10583,7 @@
             </a:prstGeom>
           </p:spPr>
           <p:txBody>
-            <a:bodyPr anchor="t" rtlCol="false" tIns="0" lIns="0" bIns="0" rIns="0">
+            <a:bodyPr lIns="0" tIns="0" rIns="0" bIns="0" rtlCol="0" anchor="t">
               <a:spAutoFit/>
             </a:bodyPr>
             <a:lstStyle/>
@@ -10025,12 +10610,12 @@
         </p:sp>
         <p:sp>
           <p:nvSpPr>
-            <p:cNvPr name="TextBox 7" id="7"/>
-            <p:cNvSpPr txBox="true"/>
+            <p:cNvPr id="7" name="TextBox 7"/>
+            <p:cNvSpPr txBox="1"/>
             <p:nvPr/>
           </p:nvSpPr>
           <p:spPr>
-            <a:xfrm rot="0">
+            <a:xfrm>
               <a:off x="0" y="1651701"/>
               <a:ext cx="7050665" cy="528904"/>
             </a:xfrm>
@@ -10039,7 +10624,7 @@
             </a:prstGeom>
           </p:spPr>
           <p:txBody>
-            <a:bodyPr anchor="t" rtlCol="false" tIns="0" lIns="0" bIns="0" rIns="0">
+            <a:bodyPr lIns="0" tIns="0" rIns="0" bIns="0" rtlCol="0" anchor="t">
               <a:spAutoFit/>
             </a:bodyPr>
             <a:lstStyle/>
@@ -10049,18 +10634,19 @@
                   <a:spcPts val="3326"/>
                 </a:lnSpc>
               </a:pPr>
+              <a:endParaRPr/>
             </a:p>
           </p:txBody>
         </p:sp>
       </p:grpSp>
       <p:sp>
         <p:nvSpPr>
-          <p:cNvPr name="TextBox 8" id="8"/>
-          <p:cNvSpPr txBox="true"/>
+          <p:cNvPr id="8" name="TextBox 8"/>
+          <p:cNvSpPr txBox="1"/>
           <p:nvPr/>
         </p:nvSpPr>
         <p:spPr>
-          <a:xfrm rot="0">
+          <a:xfrm>
             <a:off x="524238" y="4699000"/>
             <a:ext cx="5857780" cy="444500"/>
           </a:xfrm>
@@ -10069,7 +10655,7 @@
           </a:prstGeom>
         </p:spPr>
         <p:txBody>
-          <a:bodyPr anchor="t" rtlCol="false" tIns="0" lIns="0" bIns="0" rIns="0">
+          <a:bodyPr lIns="0" tIns="0" rIns="0" bIns="0" rtlCol="0" anchor="t">
             <a:spAutoFit/>
           </a:bodyPr>
           <a:lstStyle/>
@@ -10099,12 +10685,12 @@
       </p:sp>
       <p:grpSp>
         <p:nvGrpSpPr>
-          <p:cNvPr name="Group 9" id="9"/>
+          <p:cNvPr id="9" name="Group 9"/>
           <p:cNvGrpSpPr/>
           <p:nvPr/>
         </p:nvGrpSpPr>
         <p:grpSpPr>
-          <a:xfrm rot="0">
+          <a:xfrm>
             <a:off x="9144000" y="141636"/>
             <a:ext cx="6820421" cy="1694679"/>
             <a:chOff x="0" y="0"/>
@@ -10113,12 +10699,12 @@
         </p:grpSpPr>
         <p:sp>
           <p:nvSpPr>
-            <p:cNvPr name="Freeform 10" id="10"/>
+            <p:cNvPr id="10" name="Freeform 10"/>
             <p:cNvSpPr/>
             <p:nvPr/>
           </p:nvSpPr>
           <p:spPr>
-            <a:xfrm flipH="false" flipV="false" rot="0">
+            <a:xfrm>
               <a:off x="0" y="0"/>
               <a:ext cx="1796325" cy="446335"/>
             </a:xfrm>
@@ -10127,9 +10713,9 @@
               <a:gdLst/>
               <a:ahLst/>
               <a:cxnLst/>
-              <a:rect r="r" b="b" t="t" l="l"/>
+              <a:rect l="l" t="t" r="r" b="b"/>
               <a:pathLst>
-                <a:path h="446335" w="1796325">
+                <a:path w="1796325" h="446335">
                   <a:moveTo>
                     <a:pt x="9081" y="0"/>
                   </a:moveTo>
@@ -10187,11 +10773,18 @@
               <a:miter/>
             </a:ln>
           </p:spPr>
+          <p:txBody>
+            <a:bodyPr/>
+            <a:lstStyle/>
+            <a:p>
+              <a:endParaRPr lang="es-419"/>
+            </a:p>
+          </p:txBody>
         </p:sp>
         <p:sp>
           <p:nvSpPr>
-            <p:cNvPr name="TextBox 11" id="11"/>
-            <p:cNvSpPr txBox="true"/>
+            <p:cNvPr id="11" name="TextBox 11"/>
+            <p:cNvSpPr txBox="1"/>
             <p:nvPr/>
           </p:nvSpPr>
           <p:spPr>
@@ -10204,7 +10797,7 @@
             </a:prstGeom>
           </p:spPr>
           <p:txBody>
-            <a:bodyPr anchor="ctr" rtlCol="false" tIns="50800" lIns="50800" bIns="50800" rIns="50800"/>
+            <a:bodyPr lIns="50800" tIns="50800" rIns="50800" bIns="50800" rtlCol="0" anchor="ctr"/>
             <a:lstStyle/>
             <a:p>
               <a:pPr algn="ctr">
@@ -10212,18 +10805,19 @@
                   <a:spcPts val="3624"/>
                 </a:lnSpc>
               </a:pPr>
+              <a:endParaRPr/>
             </a:p>
           </p:txBody>
         </p:sp>
       </p:grpSp>
       <p:sp>
         <p:nvSpPr>
-          <p:cNvPr name="TextBox 12" id="12"/>
-          <p:cNvSpPr txBox="true"/>
+          <p:cNvPr id="12" name="TextBox 12"/>
+          <p:cNvSpPr txBox="1"/>
           <p:nvPr/>
         </p:nvSpPr>
         <p:spPr>
-          <a:xfrm rot="0">
+          <a:xfrm>
             <a:off x="9272012" y="232403"/>
             <a:ext cx="6692409" cy="1455994"/>
           </a:xfrm>
@@ -10232,12 +10826,12 @@
           </a:prstGeom>
         </p:spPr>
         <p:txBody>
-          <a:bodyPr anchor="t" rtlCol="false" tIns="0" lIns="0" bIns="0" rIns="0">
+          <a:bodyPr lIns="0" tIns="0" rIns="0" bIns="0" rtlCol="0" anchor="t">
             <a:spAutoFit/>
           </a:bodyPr>
           <a:lstStyle/>
           <a:p>
-            <a:pPr algn="l" marL="431585" indent="-215792" lvl="1">
+            <a:pPr marL="431585" lvl="1" indent="-215792" algn="l">
               <a:lnSpc>
                 <a:spcPts val="2898"/>
               </a:lnSpc>
@@ -10261,12 +10855,12 @@
       </p:sp>
       <p:grpSp>
         <p:nvGrpSpPr>
-          <p:cNvPr name="Group 13" id="13"/>
+          <p:cNvPr id="13" name="Group 13"/>
           <p:cNvGrpSpPr/>
           <p:nvPr/>
         </p:nvGrpSpPr>
         <p:grpSpPr>
-          <a:xfrm rot="0">
+          <a:xfrm>
             <a:off x="9162915" y="2036340"/>
             <a:ext cx="6803203" cy="1857851"/>
             <a:chOff x="0" y="0"/>
@@ -10275,12 +10869,12 @@
         </p:grpSpPr>
         <p:sp>
           <p:nvSpPr>
-            <p:cNvPr name="TextBox 14" id="14"/>
-            <p:cNvSpPr txBox="true"/>
+            <p:cNvPr id="14" name="TextBox 14"/>
+            <p:cNvSpPr txBox="1"/>
             <p:nvPr/>
           </p:nvSpPr>
           <p:spPr>
-            <a:xfrm rot="0">
+            <a:xfrm>
               <a:off x="36933" y="145038"/>
               <a:ext cx="8702598" cy="1955714"/>
             </a:xfrm>
@@ -10289,12 +10883,12 @@
             </a:prstGeom>
           </p:spPr>
           <p:txBody>
-            <a:bodyPr anchor="t" rtlCol="false" tIns="0" lIns="0" bIns="0" rIns="0">
+            <a:bodyPr lIns="0" tIns="0" rIns="0" bIns="0" rtlCol="0" anchor="t">
               <a:spAutoFit/>
             </a:bodyPr>
             <a:lstStyle/>
             <a:p>
-              <a:pPr algn="l" marL="441526" indent="-220763" lvl="1">
+              <a:pPr marL="441526" lvl="1" indent="-220763" algn="l">
                 <a:lnSpc>
                   <a:spcPts val="2965"/>
                 </a:lnSpc>
@@ -10318,12 +10912,12 @@
         </p:sp>
         <p:grpSp>
           <p:nvGrpSpPr>
-            <p:cNvPr name="Group 15" id="15"/>
+            <p:cNvPr id="15" name="Group 15"/>
             <p:cNvGrpSpPr/>
             <p:nvPr/>
           </p:nvGrpSpPr>
           <p:grpSpPr>
-            <a:xfrm rot="0">
+            <a:xfrm>
               <a:off x="0" y="0"/>
               <a:ext cx="9070938" cy="2477135"/>
               <a:chOff x="0" y="0"/>
@@ -10332,12 +10926,12 @@
           </p:grpSpPr>
           <p:sp>
             <p:nvSpPr>
-              <p:cNvPr name="Freeform 16" id="16"/>
+              <p:cNvPr id="16" name="Freeform 16"/>
               <p:cNvSpPr/>
               <p:nvPr/>
             </p:nvSpPr>
             <p:spPr>
-              <a:xfrm flipH="false" flipV="false" rot="0">
+              <a:xfrm>
                 <a:off x="0" y="0"/>
                 <a:ext cx="1765349" cy="482090"/>
               </a:xfrm>
@@ -10346,9 +10940,9 @@
                 <a:gdLst/>
                 <a:ahLst/>
                 <a:cxnLst/>
-                <a:rect r="r" b="b" t="t" l="l"/>
+                <a:rect l="l" t="t" r="r" b="b"/>
                 <a:pathLst>
-                  <a:path h="482090" w="1765349">
+                  <a:path w="1765349" h="482090">
                     <a:moveTo>
                       <a:pt x="11380" y="0"/>
                     </a:moveTo>
@@ -10406,11 +11000,18 @@
                 <a:miter/>
               </a:ln>
             </p:spPr>
+            <p:txBody>
+              <a:bodyPr/>
+              <a:lstStyle/>
+              <a:p>
+                <a:endParaRPr lang="es-419"/>
+              </a:p>
+            </p:txBody>
           </p:sp>
           <p:sp>
             <p:nvSpPr>
-              <p:cNvPr name="TextBox 17" id="17"/>
-              <p:cNvSpPr txBox="true"/>
+              <p:cNvPr id="17" name="TextBox 17"/>
+              <p:cNvSpPr txBox="1"/>
               <p:nvPr/>
             </p:nvSpPr>
             <p:spPr>
@@ -10423,7 +11024,7 @@
               </a:prstGeom>
             </p:spPr>
             <p:txBody>
-              <a:bodyPr anchor="ctr" rtlCol="false" tIns="50800" lIns="50800" bIns="50800" rIns="50800"/>
+              <a:bodyPr lIns="50800" tIns="50800" rIns="50800" bIns="50800" rtlCol="0" anchor="ctr"/>
               <a:lstStyle/>
               <a:p>
                 <a:pPr algn="ctr">
@@ -10431,6 +11032,7 @@
                     <a:spcPts val="3624"/>
                   </a:lnSpc>
                 </a:pPr>
+                <a:endParaRPr/>
               </a:p>
             </p:txBody>
           </p:sp>
@@ -10438,12 +11040,12 @@
       </p:grpSp>
       <p:grpSp>
         <p:nvGrpSpPr>
-          <p:cNvPr name="Group 18" id="18"/>
+          <p:cNvPr id="18" name="Group 18"/>
           <p:cNvGrpSpPr/>
           <p:nvPr/>
         </p:nvGrpSpPr>
         <p:grpSpPr>
-          <a:xfrm rot="0">
+          <a:xfrm>
             <a:off x="9144000" y="6356795"/>
             <a:ext cx="6822119" cy="2144001"/>
             <a:chOff x="0" y="0"/>
@@ -10452,12 +11054,12 @@
         </p:grpSpPr>
         <p:sp>
           <p:nvSpPr>
-            <p:cNvPr name="TextBox 19" id="19"/>
-            <p:cNvSpPr txBox="true"/>
+            <p:cNvPr id="19" name="TextBox 19"/>
+            <p:cNvSpPr txBox="1"/>
             <p:nvPr/>
           </p:nvSpPr>
           <p:spPr>
-            <a:xfrm rot="0">
+            <a:xfrm>
               <a:off x="0" y="201296"/>
               <a:ext cx="8832615" cy="2409714"/>
             </a:xfrm>
@@ -10466,12 +11068,12 @@
             </a:prstGeom>
           </p:spPr>
           <p:txBody>
-            <a:bodyPr anchor="t" rtlCol="false" tIns="0" lIns="0" bIns="0" rIns="0">
+            <a:bodyPr lIns="0" tIns="0" rIns="0" bIns="0" rtlCol="0" anchor="t">
               <a:spAutoFit/>
             </a:bodyPr>
             <a:lstStyle/>
             <a:p>
-              <a:pPr algn="l" marL="431585" indent="-215792" lvl="1">
+              <a:pPr marL="431585" lvl="1" indent="-215792" algn="l">
                 <a:lnSpc>
                   <a:spcPts val="2898"/>
                 </a:lnSpc>
@@ -10495,12 +11097,12 @@
         </p:sp>
         <p:grpSp>
           <p:nvGrpSpPr>
-            <p:cNvPr name="Group 20" id="20"/>
+            <p:cNvPr id="20" name="Group 20"/>
             <p:cNvGrpSpPr/>
             <p:nvPr/>
           </p:nvGrpSpPr>
           <p:grpSpPr>
-            <a:xfrm rot="0">
+            <a:xfrm>
               <a:off x="0" y="0"/>
               <a:ext cx="9096158" cy="2858668"/>
               <a:chOff x="0" y="0"/>
@@ -10509,12 +11111,12 @@
           </p:grpSpPr>
           <p:sp>
             <p:nvSpPr>
-              <p:cNvPr name="Freeform 21" id="21"/>
+              <p:cNvPr id="21" name="Freeform 21"/>
               <p:cNvSpPr/>
               <p:nvPr/>
             </p:nvSpPr>
             <p:spPr>
-              <a:xfrm flipH="false" flipV="false" rot="0">
+              <a:xfrm>
                 <a:off x="0" y="0"/>
                 <a:ext cx="1796772" cy="564675"/>
               </a:xfrm>
@@ -10523,9 +11125,9 @@
                 <a:gdLst/>
                 <a:ahLst/>
                 <a:cxnLst/>
-                <a:rect r="r" b="b" t="t" l="l"/>
+                <a:rect l="l" t="t" r="r" b="b"/>
                 <a:pathLst>
-                  <a:path h="564675" w="1796772">
+                  <a:path w="1796772" h="564675">
                     <a:moveTo>
                       <a:pt x="11348" y="0"/>
                     </a:moveTo>
@@ -10598,11 +11200,18 @@
                 <a:miter/>
               </a:ln>
             </p:spPr>
+            <p:txBody>
+              <a:bodyPr/>
+              <a:lstStyle/>
+              <a:p>
+                <a:endParaRPr lang="es-419"/>
+              </a:p>
+            </p:txBody>
           </p:sp>
           <p:sp>
             <p:nvSpPr>
-              <p:cNvPr name="TextBox 22" id="22"/>
-              <p:cNvSpPr txBox="true"/>
+              <p:cNvPr id="22" name="TextBox 22"/>
+              <p:cNvSpPr txBox="1"/>
               <p:nvPr/>
             </p:nvSpPr>
             <p:spPr>
@@ -10615,7 +11224,7 @@
               </a:prstGeom>
             </p:spPr>
             <p:txBody>
-              <a:bodyPr anchor="ctr" rtlCol="false" tIns="50800" lIns="50800" bIns="50800" rIns="50800"/>
+              <a:bodyPr lIns="50800" tIns="50800" rIns="50800" bIns="50800" rtlCol="0" anchor="ctr"/>
               <a:lstStyle/>
               <a:p>
                 <a:pPr algn="ctr">
@@ -10623,6 +11232,7 @@
                     <a:spcPts val="3624"/>
                   </a:lnSpc>
                 </a:pPr>
+                <a:endParaRPr/>
               </a:p>
             </p:txBody>
           </p:sp>
@@ -10630,12 +11240,12 @@
       </p:grpSp>
       <p:grpSp>
         <p:nvGrpSpPr>
-          <p:cNvPr name="Group 23" id="23"/>
+          <p:cNvPr id="23" name="Group 23"/>
           <p:cNvGrpSpPr/>
           <p:nvPr/>
         </p:nvGrpSpPr>
         <p:grpSpPr>
-          <a:xfrm rot="0">
+          <a:xfrm>
             <a:off x="9162915" y="4093248"/>
             <a:ext cx="6803203" cy="2064490"/>
             <a:chOff x="0" y="0"/>
@@ -10644,12 +11254,12 @@
         </p:grpSpPr>
         <p:sp>
           <p:nvSpPr>
-            <p:cNvPr name="TextBox 24" id="24"/>
-            <p:cNvSpPr txBox="true"/>
+            <p:cNvPr id="24" name="TextBox 24"/>
+            <p:cNvSpPr txBox="1"/>
             <p:nvPr/>
           </p:nvSpPr>
           <p:spPr>
-            <a:xfrm rot="0">
+            <a:xfrm>
               <a:off x="185438" y="14425"/>
               <a:ext cx="8783770" cy="2409714"/>
             </a:xfrm>
@@ -10658,12 +11268,12 @@
             </a:prstGeom>
           </p:spPr>
           <p:txBody>
-            <a:bodyPr anchor="t" rtlCol="false" tIns="0" lIns="0" bIns="0" rIns="0">
+            <a:bodyPr lIns="0" tIns="0" rIns="0" bIns="0" rtlCol="0" anchor="t">
               <a:spAutoFit/>
             </a:bodyPr>
             <a:lstStyle/>
             <a:p>
-              <a:pPr algn="l" marL="431585" indent="-215792" lvl="1">
+              <a:pPr marL="431585" lvl="1" indent="-215792" algn="l">
                 <a:lnSpc>
                   <a:spcPts val="2898"/>
                 </a:lnSpc>
@@ -10687,12 +11297,12 @@
         </p:sp>
         <p:grpSp>
           <p:nvGrpSpPr>
-            <p:cNvPr name="Group 25" id="25"/>
+            <p:cNvPr id="25" name="Group 25"/>
             <p:cNvGrpSpPr/>
             <p:nvPr/>
           </p:nvGrpSpPr>
           <p:grpSpPr>
-            <a:xfrm rot="0">
+            <a:xfrm>
               <a:off x="0" y="0"/>
               <a:ext cx="9070938" cy="2752654"/>
               <a:chOff x="0" y="0"/>
@@ -10701,12 +11311,12 @@
           </p:grpSpPr>
           <p:sp>
             <p:nvSpPr>
-              <p:cNvPr name="Freeform 26" id="26"/>
+              <p:cNvPr id="26" name="Freeform 26"/>
               <p:cNvSpPr/>
               <p:nvPr/>
             </p:nvSpPr>
             <p:spPr>
-              <a:xfrm flipH="false" flipV="false" rot="0">
+              <a:xfrm>
                 <a:off x="0" y="0"/>
                 <a:ext cx="1791790" cy="543734"/>
               </a:xfrm>
@@ -10715,9 +11325,9 @@
                 <a:gdLst/>
                 <a:ahLst/>
                 <a:cxnLst/>
-                <a:rect r="r" b="b" t="t" l="l"/>
+                <a:rect l="l" t="t" r="r" b="b"/>
                 <a:pathLst>
-                  <a:path h="543734" w="1791790">
+                  <a:path w="1791790" h="543734">
                     <a:moveTo>
                       <a:pt x="11380" y="0"/>
                     </a:moveTo>
@@ -10775,11 +11385,18 @@
                 <a:miter/>
               </a:ln>
             </p:spPr>
+            <p:txBody>
+              <a:bodyPr/>
+              <a:lstStyle/>
+              <a:p>
+                <a:endParaRPr lang="es-419"/>
+              </a:p>
+            </p:txBody>
           </p:sp>
           <p:sp>
             <p:nvSpPr>
-              <p:cNvPr name="TextBox 27" id="27"/>
-              <p:cNvSpPr txBox="true"/>
+              <p:cNvPr id="27" name="TextBox 27"/>
+              <p:cNvSpPr txBox="1"/>
               <p:nvPr/>
             </p:nvSpPr>
             <p:spPr>
@@ -10792,7 +11409,7 @@
               </a:prstGeom>
             </p:spPr>
             <p:txBody>
-              <a:bodyPr anchor="ctr" rtlCol="false" tIns="50800" lIns="50800" bIns="50800" rIns="50800"/>
+              <a:bodyPr lIns="50800" tIns="50800" rIns="50800" bIns="50800" rtlCol="0" anchor="ctr"/>
               <a:lstStyle/>
               <a:p>
                 <a:pPr algn="ctr">
@@ -10800,6 +11417,7 @@
                     <a:spcPts val="3624"/>
                   </a:lnSpc>
                 </a:pPr>
+                <a:endParaRPr/>
               </a:p>
             </p:txBody>
           </p:sp>
@@ -10807,12 +11425,12 @@
       </p:grpSp>
       <p:grpSp>
         <p:nvGrpSpPr>
-          <p:cNvPr name="Group 28" id="28"/>
+          <p:cNvPr id="28" name="Group 28"/>
           <p:cNvGrpSpPr/>
           <p:nvPr/>
         </p:nvGrpSpPr>
         <p:grpSpPr>
-          <a:xfrm rot="0">
+          <a:xfrm>
             <a:off x="9144000" y="8662721"/>
             <a:ext cx="6841034" cy="1482643"/>
             <a:chOff x="0" y="0"/>
@@ -10821,12 +11439,12 @@
         </p:grpSpPr>
         <p:sp>
           <p:nvSpPr>
-            <p:cNvPr name="TextBox 29" id="29"/>
-            <p:cNvSpPr txBox="true"/>
+            <p:cNvPr id="29" name="TextBox 29"/>
+            <p:cNvSpPr txBox="1"/>
             <p:nvPr/>
           </p:nvSpPr>
           <p:spPr>
-            <a:xfrm rot="0">
+            <a:xfrm>
               <a:off x="0" y="242434"/>
               <a:ext cx="9104813" cy="1434838"/>
             </a:xfrm>
@@ -10835,12 +11453,12 @@
             </a:prstGeom>
           </p:spPr>
           <p:txBody>
-            <a:bodyPr anchor="t" rtlCol="false" tIns="0" lIns="0" bIns="0" rIns="0">
+            <a:bodyPr lIns="0" tIns="0" rIns="0" bIns="0" rtlCol="0" anchor="t">
               <a:spAutoFit/>
             </a:bodyPr>
             <a:lstStyle/>
             <a:p>
-              <a:pPr algn="l" marL="431585" indent="-215792" lvl="1">
+              <a:pPr marL="431585" lvl="1" indent="-215792" algn="l">
                 <a:lnSpc>
                   <a:spcPts val="2898"/>
                 </a:lnSpc>
@@ -10864,12 +11482,12 @@
         </p:sp>
         <p:grpSp>
           <p:nvGrpSpPr>
-            <p:cNvPr name="Group 30" id="30"/>
+            <p:cNvPr id="30" name="Group 30"/>
             <p:cNvGrpSpPr/>
             <p:nvPr/>
           </p:nvGrpSpPr>
           <p:grpSpPr>
-            <a:xfrm rot="0">
+            <a:xfrm>
               <a:off x="0" y="0"/>
               <a:ext cx="9121379" cy="1976857"/>
               <a:chOff x="0" y="0"/>
@@ -10878,12 +11496,12 @@
           </p:grpSpPr>
           <p:sp>
             <p:nvSpPr>
-              <p:cNvPr name="Freeform 31" id="31"/>
+              <p:cNvPr id="31" name="Freeform 31"/>
               <p:cNvSpPr/>
               <p:nvPr/>
             </p:nvSpPr>
             <p:spPr>
-              <a:xfrm flipH="false" flipV="false" rot="0">
+              <a:xfrm>
                 <a:off x="0" y="0"/>
                 <a:ext cx="1801754" cy="390490"/>
               </a:xfrm>
@@ -10892,9 +11510,9 @@
                 <a:gdLst/>
                 <a:ahLst/>
                 <a:cxnLst/>
-                <a:rect r="r" b="b" t="t" l="l"/>
+                <a:rect l="l" t="t" r="r" b="b"/>
                 <a:pathLst>
-                  <a:path h="390490" w="1801754">
+                  <a:path w="1801754" h="390490">
                     <a:moveTo>
                       <a:pt x="11317" y="0"/>
                     </a:moveTo>
@@ -10947,11 +11565,18 @@
                 <a:miter/>
               </a:ln>
             </p:spPr>
+            <p:txBody>
+              <a:bodyPr/>
+              <a:lstStyle/>
+              <a:p>
+                <a:endParaRPr lang="es-419"/>
+              </a:p>
+            </p:txBody>
           </p:sp>
           <p:sp>
             <p:nvSpPr>
-              <p:cNvPr name="TextBox 32" id="32"/>
-              <p:cNvSpPr txBox="true"/>
+              <p:cNvPr id="32" name="TextBox 32"/>
+              <p:cNvSpPr txBox="1"/>
               <p:nvPr/>
             </p:nvSpPr>
             <p:spPr>
@@ -10964,7 +11589,7 @@
               </a:prstGeom>
             </p:spPr>
             <p:txBody>
-              <a:bodyPr anchor="ctr" rtlCol="false" tIns="50800" lIns="50800" bIns="50800" rIns="50800"/>
+              <a:bodyPr lIns="50800" tIns="50800" rIns="50800" bIns="50800" rtlCol="0" anchor="ctr"/>
               <a:lstStyle/>
               <a:p>
                 <a:pPr algn="ctr">
@@ -10972,6 +11597,7 @@
                     <a:spcPts val="3624"/>
                   </a:lnSpc>
                 </a:pPr>
+                <a:endParaRPr/>
               </a:p>
             </p:txBody>
           </p:sp>
@@ -10986,7 +11612,7 @@
 </file>
 
 <file path=ppt/slides/slide5.xml><?xml version="1.0" encoding="utf-8"?>
-<p:sld xmlns:p="http://schemas.openxmlformats.org/presentationml/2006/main" xmlns:a="http://schemas.openxmlformats.org/drawingml/2006/main">
+<p:sld xmlns:a="http://schemas.openxmlformats.org/drawingml/2006/main" xmlns:r="http://schemas.openxmlformats.org/officeDocument/2006/relationships" xmlns:p="http://schemas.openxmlformats.org/presentationml/2006/main">
   <p:cSld>
     <p:spTree>
       <p:nvGrpSpPr>
@@ -11004,12 +11630,12 @@
       </p:grpSpPr>
       <p:grpSp>
         <p:nvGrpSpPr>
-          <p:cNvPr name="Group 2" id="2"/>
+          <p:cNvPr id="2" name="Group 2"/>
           <p:cNvGrpSpPr/>
           <p:nvPr/>
         </p:nvGrpSpPr>
         <p:grpSpPr>
-          <a:xfrm rot="0">
+          <a:xfrm>
             <a:off x="0" y="0"/>
             <a:ext cx="6906257" cy="10287000"/>
             <a:chOff x="0" y="0"/>
@@ -11018,12 +11644,12 @@
         </p:grpSpPr>
         <p:sp>
           <p:nvSpPr>
-            <p:cNvPr name="Freeform 3" id="3"/>
+            <p:cNvPr id="3" name="Freeform 3"/>
             <p:cNvSpPr/>
             <p:nvPr/>
           </p:nvSpPr>
           <p:spPr>
-            <a:xfrm flipH="false" flipV="false" rot="0">
+            <a:xfrm>
               <a:off x="0" y="0"/>
               <a:ext cx="1818932" cy="2709333"/>
             </a:xfrm>
@@ -11032,9 +11658,9 @@
               <a:gdLst/>
               <a:ahLst/>
               <a:cxnLst/>
-              <a:rect r="r" b="b" t="t" l="l"/>
+              <a:rect l="l" t="t" r="r" b="b"/>
               <a:pathLst>
-                <a:path h="2709333" w="1818932">
+                <a:path w="1818932" h="2709333">
                   <a:moveTo>
                     <a:pt x="0" y="0"/>
                   </a:moveTo>
@@ -11055,11 +11681,18 @@
               <a:srgbClr val="132232"/>
             </a:solidFill>
           </p:spPr>
+          <p:txBody>
+            <a:bodyPr/>
+            <a:lstStyle/>
+            <a:p>
+              <a:endParaRPr lang="es-419"/>
+            </a:p>
+          </p:txBody>
         </p:sp>
         <p:sp>
           <p:nvSpPr>
-            <p:cNvPr name="TextBox 4" id="4"/>
-            <p:cNvSpPr txBox="true"/>
+            <p:cNvPr id="4" name="TextBox 4"/>
+            <p:cNvSpPr txBox="1"/>
             <p:nvPr/>
           </p:nvSpPr>
           <p:spPr>
@@ -11072,7 +11705,7 @@
             </a:prstGeom>
           </p:spPr>
           <p:txBody>
-            <a:bodyPr anchor="ctr" rtlCol="false" tIns="50800" lIns="50800" bIns="50800" rIns="50800"/>
+            <a:bodyPr lIns="50800" tIns="50800" rIns="50800" bIns="50800" rtlCol="0" anchor="ctr"/>
             <a:lstStyle/>
             <a:p>
               <a:pPr algn="ctr">
@@ -11080,18 +11713,19 @@
                   <a:spcPts val="3624"/>
                 </a:lnSpc>
               </a:pPr>
+              <a:endParaRPr/>
             </a:p>
           </p:txBody>
         </p:sp>
       </p:grpSp>
       <p:grpSp>
         <p:nvGrpSpPr>
-          <p:cNvPr name="Group 5" id="5"/>
+          <p:cNvPr id="5" name="Group 5"/>
           <p:cNvGrpSpPr/>
           <p:nvPr/>
         </p:nvGrpSpPr>
         <p:grpSpPr>
-          <a:xfrm rot="0">
+          <a:xfrm>
             <a:off x="524238" y="3679259"/>
             <a:ext cx="5857780" cy="1635454"/>
             <a:chOff x="0" y="0"/>
@@ -11100,12 +11734,12 @@
         </p:grpSpPr>
         <p:sp>
           <p:nvSpPr>
-            <p:cNvPr name="TextBox 6" id="6"/>
-            <p:cNvSpPr txBox="true"/>
+            <p:cNvPr id="6" name="TextBox 6"/>
+            <p:cNvSpPr txBox="1"/>
             <p:nvPr/>
           </p:nvSpPr>
           <p:spPr>
-            <a:xfrm rot="0">
+            <a:xfrm>
               <a:off x="0" y="38100"/>
               <a:ext cx="7810373" cy="1445694"/>
             </a:xfrm>
@@ -11114,7 +11748,7 @@
             </a:prstGeom>
           </p:spPr>
           <p:txBody>
-            <a:bodyPr anchor="t" rtlCol="false" tIns="0" lIns="0" bIns="0" rIns="0">
+            <a:bodyPr lIns="0" tIns="0" rIns="0" bIns="0" rtlCol="0" anchor="t">
               <a:spAutoFit/>
             </a:bodyPr>
             <a:lstStyle/>
@@ -11141,12 +11775,12 @@
         </p:sp>
         <p:sp>
           <p:nvSpPr>
-            <p:cNvPr name="TextBox 7" id="7"/>
-            <p:cNvSpPr txBox="true"/>
+            <p:cNvPr id="7" name="TextBox 7"/>
+            <p:cNvSpPr txBox="1"/>
             <p:nvPr/>
           </p:nvSpPr>
           <p:spPr>
-            <a:xfrm rot="0">
+            <a:xfrm>
               <a:off x="0" y="1651701"/>
               <a:ext cx="7050665" cy="528904"/>
             </a:xfrm>
@@ -11155,7 +11789,7 @@
             </a:prstGeom>
           </p:spPr>
           <p:txBody>
-            <a:bodyPr anchor="t" rtlCol="false" tIns="0" lIns="0" bIns="0" rIns="0">
+            <a:bodyPr lIns="0" tIns="0" rIns="0" bIns="0" rtlCol="0" anchor="t">
               <a:spAutoFit/>
             </a:bodyPr>
             <a:lstStyle/>
@@ -11165,18 +11799,19 @@
                   <a:spcPts val="3326"/>
                 </a:lnSpc>
               </a:pPr>
+              <a:endParaRPr/>
             </a:p>
           </p:txBody>
         </p:sp>
       </p:grpSp>
       <p:sp>
         <p:nvSpPr>
-          <p:cNvPr name="TextBox 8" id="8"/>
-          <p:cNvSpPr txBox="true"/>
+          <p:cNvPr id="8" name="TextBox 8"/>
+          <p:cNvSpPr txBox="1"/>
           <p:nvPr/>
         </p:nvSpPr>
         <p:spPr>
-          <a:xfrm rot="0">
+          <a:xfrm>
             <a:off x="524238" y="4699000"/>
             <a:ext cx="5857780" cy="444500"/>
           </a:xfrm>
@@ -11185,7 +11820,7 @@
           </a:prstGeom>
         </p:spPr>
         <p:txBody>
-          <a:bodyPr anchor="t" rtlCol="false" tIns="0" lIns="0" bIns="0" rIns="0">
+          <a:bodyPr lIns="0" tIns="0" rIns="0" bIns="0" rtlCol="0" anchor="t">
             <a:spAutoFit/>
           </a:bodyPr>
           <a:lstStyle/>
@@ -11215,12 +11850,12 @@
       </p:sp>
       <p:grpSp>
         <p:nvGrpSpPr>
-          <p:cNvPr name="Group 9" id="9"/>
+          <p:cNvPr id="9" name="Group 9"/>
           <p:cNvGrpSpPr/>
           <p:nvPr/>
         </p:nvGrpSpPr>
         <p:grpSpPr>
-          <a:xfrm rot="0">
+          <a:xfrm>
             <a:off x="9167859" y="264478"/>
             <a:ext cx="6820421" cy="1504179"/>
             <a:chOff x="0" y="0"/>
@@ -11229,12 +11864,12 @@
         </p:grpSpPr>
         <p:sp>
           <p:nvSpPr>
-            <p:cNvPr name="Freeform 10" id="10"/>
+            <p:cNvPr id="10" name="Freeform 10"/>
             <p:cNvSpPr/>
             <p:nvPr/>
           </p:nvSpPr>
           <p:spPr>
-            <a:xfrm flipH="false" flipV="false" rot="0">
+            <a:xfrm>
               <a:off x="0" y="0"/>
               <a:ext cx="1796325" cy="396162"/>
             </a:xfrm>
@@ -11243,9 +11878,9 @@
               <a:gdLst/>
               <a:ahLst/>
               <a:cxnLst/>
-              <a:rect r="r" b="b" t="t" l="l"/>
+              <a:rect l="l" t="t" r="r" b="b"/>
               <a:pathLst>
-                <a:path h="396162" w="1796325">
+                <a:path w="1796325" h="396162">
                   <a:moveTo>
                     <a:pt x="9081" y="0"/>
                   </a:moveTo>
@@ -11303,11 +11938,18 @@
               <a:miter/>
             </a:ln>
           </p:spPr>
+          <p:txBody>
+            <a:bodyPr/>
+            <a:lstStyle/>
+            <a:p>
+              <a:endParaRPr lang="es-419"/>
+            </a:p>
+          </p:txBody>
         </p:sp>
         <p:sp>
           <p:nvSpPr>
-            <p:cNvPr name="TextBox 11" id="11"/>
-            <p:cNvSpPr txBox="true"/>
+            <p:cNvPr id="11" name="TextBox 11"/>
+            <p:cNvSpPr txBox="1"/>
             <p:nvPr/>
           </p:nvSpPr>
           <p:spPr>
@@ -11320,7 +11962,7 @@
             </a:prstGeom>
           </p:spPr>
           <p:txBody>
-            <a:bodyPr anchor="ctr" rtlCol="false" tIns="50800" lIns="50800" bIns="50800" rIns="50800"/>
+            <a:bodyPr lIns="50800" tIns="50800" rIns="50800" bIns="50800" rtlCol="0" anchor="ctr"/>
             <a:lstStyle/>
             <a:p>
               <a:pPr algn="ctr">
@@ -11328,18 +11970,19 @@
                   <a:spcPts val="3624"/>
                 </a:lnSpc>
               </a:pPr>
+              <a:endParaRPr/>
             </a:p>
           </p:txBody>
         </p:sp>
       </p:grpSp>
       <p:sp>
         <p:nvSpPr>
-          <p:cNvPr name="TextBox 12" id="12"/>
-          <p:cNvSpPr txBox="true"/>
+          <p:cNvPr id="12" name="TextBox 12"/>
+          <p:cNvSpPr txBox="1"/>
           <p:nvPr/>
         </p:nvSpPr>
         <p:spPr>
-          <a:xfrm rot="0">
+          <a:xfrm>
             <a:off x="9231865" y="449641"/>
             <a:ext cx="6692409" cy="1090416"/>
           </a:xfrm>
@@ -11348,12 +11991,12 @@
           </a:prstGeom>
         </p:spPr>
         <p:txBody>
-          <a:bodyPr anchor="t" rtlCol="false" tIns="0" lIns="0" bIns="0" rIns="0">
+          <a:bodyPr lIns="0" tIns="0" rIns="0" bIns="0" rtlCol="0" anchor="t">
             <a:spAutoFit/>
           </a:bodyPr>
           <a:lstStyle/>
           <a:p>
-            <a:pPr algn="l" marL="431585" indent="-215792" lvl="1">
+            <a:pPr marL="431585" lvl="1" indent="-215792" algn="l">
               <a:lnSpc>
                 <a:spcPts val="2898"/>
               </a:lnSpc>
@@ -11377,12 +12020,12 @@
       </p:sp>
       <p:grpSp>
         <p:nvGrpSpPr>
-          <p:cNvPr name="Group 13" id="13"/>
+          <p:cNvPr id="13" name="Group 13"/>
           <p:cNvGrpSpPr/>
           <p:nvPr/>
         </p:nvGrpSpPr>
         <p:grpSpPr>
-          <a:xfrm rot="0">
+          <a:xfrm>
             <a:off x="9183529" y="1930582"/>
             <a:ext cx="6782590" cy="1270460"/>
             <a:chOff x="0" y="0"/>
@@ -11391,12 +12034,12 @@
         </p:grpSpPr>
         <p:sp>
           <p:nvSpPr>
-            <p:cNvPr name="Freeform 14" id="14"/>
+            <p:cNvPr id="14" name="Freeform 14"/>
             <p:cNvSpPr/>
             <p:nvPr/>
           </p:nvSpPr>
           <p:spPr>
-            <a:xfrm flipH="false" flipV="false" rot="0">
+            <a:xfrm>
               <a:off x="0" y="0"/>
               <a:ext cx="1760000" cy="329669"/>
             </a:xfrm>
@@ -11405,9 +12048,9 @@
               <a:gdLst/>
               <a:ahLst/>
               <a:cxnLst/>
-              <a:rect r="r" b="b" t="t" l="l"/>
+              <a:rect l="l" t="t" r="r" b="b"/>
               <a:pathLst>
-                <a:path h="329669" w="1760000">
+                <a:path w="1760000" h="329669">
                   <a:moveTo>
                     <a:pt x="11414" y="0"/>
                   </a:moveTo>
@@ -11480,11 +12123,18 @@
               <a:miter/>
             </a:ln>
           </p:spPr>
+          <p:txBody>
+            <a:bodyPr/>
+            <a:lstStyle/>
+            <a:p>
+              <a:endParaRPr lang="es-419"/>
+            </a:p>
+          </p:txBody>
         </p:sp>
         <p:sp>
           <p:nvSpPr>
-            <p:cNvPr name="TextBox 15" id="15"/>
-            <p:cNvSpPr txBox="true"/>
+            <p:cNvPr id="15" name="TextBox 15"/>
+            <p:cNvSpPr txBox="1"/>
             <p:nvPr/>
           </p:nvSpPr>
           <p:spPr>
@@ -11497,7 +12147,7 @@
             </a:prstGeom>
           </p:spPr>
           <p:txBody>
-            <a:bodyPr anchor="ctr" rtlCol="false" tIns="50800" lIns="50800" bIns="50800" rIns="50800"/>
+            <a:bodyPr lIns="50800" tIns="50800" rIns="50800" bIns="50800" rtlCol="0" anchor="ctr"/>
             <a:lstStyle/>
             <a:p>
               <a:pPr algn="ctr">
@@ -11505,18 +12155,19 @@
                   <a:spcPts val="3624"/>
                 </a:lnSpc>
               </a:pPr>
+              <a:endParaRPr/>
             </a:p>
           </p:txBody>
         </p:sp>
       </p:grpSp>
       <p:sp>
         <p:nvSpPr>
-          <p:cNvPr name="TextBox 16" id="16"/>
-          <p:cNvSpPr txBox="true"/>
+          <p:cNvPr id="16" name="TextBox 16"/>
+          <p:cNvSpPr txBox="1"/>
           <p:nvPr/>
         </p:nvSpPr>
         <p:spPr>
-          <a:xfrm rot="0">
+          <a:xfrm>
             <a:off x="9302276" y="2176653"/>
             <a:ext cx="6545096" cy="730693"/>
           </a:xfrm>
@@ -11525,12 +12176,12 @@
           </a:prstGeom>
         </p:spPr>
         <p:txBody>
-          <a:bodyPr anchor="t" rtlCol="false" tIns="0" lIns="0" bIns="0" rIns="0">
+          <a:bodyPr lIns="0" tIns="0" rIns="0" bIns="0" rtlCol="0" anchor="t">
             <a:spAutoFit/>
           </a:bodyPr>
           <a:lstStyle/>
           <a:p>
-            <a:pPr algn="l" marL="441526" indent="-220763" lvl="1">
+            <a:pPr marL="441526" lvl="1" indent="-220763" algn="l">
               <a:lnSpc>
                 <a:spcPts val="2965"/>
               </a:lnSpc>
@@ -11554,12 +12205,12 @@
       </p:sp>
       <p:grpSp>
         <p:nvGrpSpPr>
-          <p:cNvPr name="Group 17" id="17"/>
+          <p:cNvPr id="17" name="Group 17"/>
           <p:cNvGrpSpPr/>
           <p:nvPr/>
         </p:nvGrpSpPr>
         <p:grpSpPr>
-          <a:xfrm rot="0">
+          <a:xfrm>
             <a:off x="9183529" y="5585398"/>
             <a:ext cx="6822119" cy="2144001"/>
             <a:chOff x="0" y="0"/>
@@ -11568,12 +12219,12 @@
         </p:grpSpPr>
         <p:grpSp>
           <p:nvGrpSpPr>
-            <p:cNvPr name="Group 18" id="18"/>
+            <p:cNvPr id="18" name="Group 18"/>
             <p:cNvGrpSpPr/>
             <p:nvPr/>
           </p:nvGrpSpPr>
           <p:grpSpPr>
-            <a:xfrm rot="0">
+            <a:xfrm>
               <a:off x="0" y="0"/>
               <a:ext cx="9096158" cy="2858668"/>
               <a:chOff x="0" y="0"/>
@@ -11582,12 +12233,12 @@
           </p:grpSpPr>
           <p:sp>
             <p:nvSpPr>
-              <p:cNvPr name="Freeform 19" id="19"/>
+              <p:cNvPr id="19" name="Freeform 19"/>
               <p:cNvSpPr/>
               <p:nvPr/>
             </p:nvSpPr>
             <p:spPr>
-              <a:xfrm flipH="false" flipV="false" rot="0">
+              <a:xfrm>
                 <a:off x="0" y="0"/>
                 <a:ext cx="1796772" cy="564675"/>
               </a:xfrm>
@@ -11596,9 +12247,9 @@
                 <a:gdLst/>
                 <a:ahLst/>
                 <a:cxnLst/>
-                <a:rect r="r" b="b" t="t" l="l"/>
+                <a:rect l="l" t="t" r="r" b="b"/>
                 <a:pathLst>
-                  <a:path h="564675" w="1796772">
+                  <a:path w="1796772" h="564675">
                     <a:moveTo>
                       <a:pt x="11348" y="0"/>
                     </a:moveTo>
@@ -11671,11 +12322,18 @@
                 <a:miter/>
               </a:ln>
             </p:spPr>
+            <p:txBody>
+              <a:bodyPr/>
+              <a:lstStyle/>
+              <a:p>
+                <a:endParaRPr lang="es-419"/>
+              </a:p>
+            </p:txBody>
           </p:sp>
           <p:sp>
             <p:nvSpPr>
-              <p:cNvPr name="TextBox 20" id="20"/>
-              <p:cNvSpPr txBox="true"/>
+              <p:cNvPr id="20" name="TextBox 20"/>
+              <p:cNvSpPr txBox="1"/>
               <p:nvPr/>
             </p:nvSpPr>
             <p:spPr>
@@ -11688,7 +12346,7 @@
               </a:prstGeom>
             </p:spPr>
             <p:txBody>
-              <a:bodyPr anchor="ctr" rtlCol="false" tIns="50800" lIns="50800" bIns="50800" rIns="50800"/>
+              <a:bodyPr lIns="50800" tIns="50800" rIns="50800" bIns="50800" rtlCol="0" anchor="ctr"/>
               <a:lstStyle/>
               <a:p>
                 <a:pPr algn="ctr">
@@ -11696,18 +12354,19 @@
                     <a:spcPts val="3624"/>
                   </a:lnSpc>
                 </a:pPr>
+                <a:endParaRPr/>
               </a:p>
             </p:txBody>
           </p:sp>
         </p:grpSp>
         <p:sp>
           <p:nvSpPr>
-            <p:cNvPr name="TextBox 21" id="21"/>
-            <p:cNvSpPr txBox="true"/>
+            <p:cNvPr id="21" name="TextBox 21"/>
+            <p:cNvSpPr txBox="1"/>
             <p:nvPr/>
           </p:nvSpPr>
           <p:spPr>
-            <a:xfrm rot="0">
+            <a:xfrm>
               <a:off x="156992" y="414866"/>
               <a:ext cx="8832615" cy="1922276"/>
             </a:xfrm>
@@ -11716,12 +12375,12 @@
             </a:prstGeom>
           </p:spPr>
           <p:txBody>
-            <a:bodyPr anchor="t" rtlCol="false" tIns="0" lIns="0" bIns="0" rIns="0">
+            <a:bodyPr lIns="0" tIns="0" rIns="0" bIns="0" rtlCol="0" anchor="t">
               <a:spAutoFit/>
             </a:bodyPr>
             <a:lstStyle/>
             <a:p>
-              <a:pPr algn="l" marL="431585" indent="-215792" lvl="1">
+              <a:pPr marL="431585" lvl="1" indent="-215792" algn="l">
                 <a:lnSpc>
                   <a:spcPts val="2898"/>
                 </a:lnSpc>
@@ -11746,12 +12405,12 @@
       </p:grpSp>
       <p:grpSp>
         <p:nvGrpSpPr>
-          <p:cNvPr name="Group 22" id="22"/>
+          <p:cNvPr id="22" name="Group 22"/>
           <p:cNvGrpSpPr/>
           <p:nvPr/>
         </p:nvGrpSpPr>
         <p:grpSpPr>
-          <a:xfrm rot="0">
+          <a:xfrm>
             <a:off x="9162915" y="3358983"/>
             <a:ext cx="6822119" cy="2064490"/>
             <a:chOff x="0" y="0"/>
@@ -11760,12 +12419,12 @@
         </p:grpSpPr>
         <p:grpSp>
           <p:nvGrpSpPr>
-            <p:cNvPr name="Group 23" id="23"/>
+            <p:cNvPr id="23" name="Group 23"/>
             <p:cNvGrpSpPr/>
             <p:nvPr/>
           </p:nvGrpSpPr>
           <p:grpSpPr>
-            <a:xfrm rot="0">
+            <a:xfrm>
               <a:off x="0" y="0"/>
               <a:ext cx="9096158" cy="2752654"/>
               <a:chOff x="0" y="0"/>
@@ -11774,12 +12433,12 @@
           </p:grpSpPr>
           <p:sp>
             <p:nvSpPr>
-              <p:cNvPr name="Freeform 24" id="24"/>
+              <p:cNvPr id="24" name="Freeform 24"/>
               <p:cNvSpPr/>
               <p:nvPr/>
             </p:nvSpPr>
             <p:spPr>
-              <a:xfrm flipH="false" flipV="false" rot="0">
+              <a:xfrm>
                 <a:off x="0" y="0"/>
                 <a:ext cx="1796772" cy="543734"/>
               </a:xfrm>
@@ -11788,9 +12447,9 @@
                 <a:gdLst/>
                 <a:ahLst/>
                 <a:cxnLst/>
-                <a:rect r="r" b="b" t="t" l="l"/>
+                <a:rect l="l" t="t" r="r" b="b"/>
                 <a:pathLst>
-                  <a:path h="543734" w="1796772">
+                  <a:path w="1796772" h="543734">
                     <a:moveTo>
                       <a:pt x="11348" y="0"/>
                     </a:moveTo>
@@ -11863,11 +12522,18 @@
                 <a:miter/>
               </a:ln>
             </p:spPr>
+            <p:txBody>
+              <a:bodyPr/>
+              <a:lstStyle/>
+              <a:p>
+                <a:endParaRPr lang="es-419"/>
+              </a:p>
+            </p:txBody>
           </p:sp>
           <p:sp>
             <p:nvSpPr>
-              <p:cNvPr name="TextBox 25" id="25"/>
-              <p:cNvSpPr txBox="true"/>
+              <p:cNvPr id="25" name="TextBox 25"/>
+              <p:cNvSpPr txBox="1"/>
               <p:nvPr/>
             </p:nvSpPr>
             <p:spPr>
@@ -11880,7 +12546,7 @@
               </a:prstGeom>
             </p:spPr>
             <p:txBody>
-              <a:bodyPr anchor="ctr" rtlCol="false" tIns="50800" lIns="50800" bIns="50800" rIns="50800"/>
+              <a:bodyPr lIns="50800" tIns="50800" rIns="50800" bIns="50800" rtlCol="0" anchor="ctr"/>
               <a:lstStyle/>
               <a:p>
                 <a:pPr algn="ctr">
@@ -11888,18 +12554,19 @@
                     <a:spcPts val="3624"/>
                   </a:lnSpc>
                 </a:pPr>
+                <a:endParaRPr/>
               </a:p>
             </p:txBody>
           </p:sp>
         </p:grpSp>
         <p:sp>
           <p:nvSpPr>
-            <p:cNvPr name="TextBox 26" id="26"/>
-            <p:cNvSpPr txBox="true"/>
+            <p:cNvPr id="26" name="TextBox 26"/>
+            <p:cNvSpPr txBox="1"/>
             <p:nvPr/>
           </p:nvSpPr>
           <p:spPr>
-            <a:xfrm rot="0">
+            <a:xfrm>
               <a:off x="229122" y="654342"/>
               <a:ext cx="8808192" cy="1434838"/>
             </a:xfrm>
@@ -11908,12 +12575,12 @@
             </a:prstGeom>
           </p:spPr>
           <p:txBody>
-            <a:bodyPr anchor="t" rtlCol="false" tIns="0" lIns="0" bIns="0" rIns="0">
+            <a:bodyPr lIns="0" tIns="0" rIns="0" bIns="0" rtlCol="0" anchor="t">
               <a:spAutoFit/>
             </a:bodyPr>
             <a:lstStyle/>
             <a:p>
-              <a:pPr algn="l" marL="431585" indent="-215792" lvl="1">
+              <a:pPr marL="431585" lvl="1" indent="-215792" algn="l">
                 <a:lnSpc>
                   <a:spcPts val="2898"/>
                 </a:lnSpc>
@@ -11938,12 +12605,12 @@
       </p:grpSp>
       <p:grpSp>
         <p:nvGrpSpPr>
-          <p:cNvPr name="Group 27" id="27"/>
+          <p:cNvPr id="27" name="Group 27"/>
           <p:cNvGrpSpPr/>
           <p:nvPr/>
         </p:nvGrpSpPr>
         <p:grpSpPr>
-          <a:xfrm rot="0">
+          <a:xfrm>
             <a:off x="9144000" y="7891324"/>
             <a:ext cx="6868139" cy="2131197"/>
             <a:chOff x="0" y="0"/>
@@ -11952,12 +12619,12 @@
         </p:grpSpPr>
         <p:sp>
           <p:nvSpPr>
-            <p:cNvPr name="Freeform 28" id="28"/>
+            <p:cNvPr id="28" name="Freeform 28"/>
             <p:cNvSpPr/>
             <p:nvPr/>
           </p:nvSpPr>
           <p:spPr>
-            <a:xfrm flipH="false" flipV="false" rot="0">
+            <a:xfrm>
               <a:off x="0" y="0"/>
               <a:ext cx="1808892" cy="561303"/>
             </a:xfrm>
@@ -11966,9 +12633,9 @@
               <a:gdLst/>
               <a:ahLst/>
               <a:cxnLst/>
-              <a:rect r="r" b="b" t="t" l="l"/>
+              <a:rect l="l" t="t" r="r" b="b"/>
               <a:pathLst>
-                <a:path h="561303" w="1808892">
+                <a:path w="1808892" h="561303">
                   <a:moveTo>
                     <a:pt x="11272" y="0"/>
                   </a:moveTo>
@@ -12021,11 +12688,18 @@
               <a:miter/>
             </a:ln>
           </p:spPr>
+          <p:txBody>
+            <a:bodyPr/>
+            <a:lstStyle/>
+            <a:p>
+              <a:endParaRPr lang="es-419"/>
+            </a:p>
+          </p:txBody>
         </p:sp>
         <p:sp>
           <p:nvSpPr>
-            <p:cNvPr name="TextBox 29" id="29"/>
-            <p:cNvSpPr txBox="true"/>
+            <p:cNvPr id="29" name="TextBox 29"/>
+            <p:cNvSpPr txBox="1"/>
             <p:nvPr/>
           </p:nvSpPr>
           <p:spPr>
@@ -12038,7 +12712,7 @@
             </a:prstGeom>
           </p:spPr>
           <p:txBody>
-            <a:bodyPr anchor="ctr" rtlCol="false" tIns="50800" lIns="50800" bIns="50800" rIns="50800"/>
+            <a:bodyPr lIns="50800" tIns="50800" rIns="50800" bIns="50800" rtlCol="0" anchor="ctr"/>
             <a:lstStyle/>
             <a:p>
               <a:pPr algn="ctr">
@@ -12046,18 +12720,19 @@
                   <a:spcPts val="3624"/>
                 </a:lnSpc>
               </a:pPr>
+              <a:endParaRPr/>
             </a:p>
           </p:txBody>
         </p:sp>
       </p:grpSp>
       <p:sp>
         <p:nvSpPr>
-          <p:cNvPr name="TextBox 30" id="30"/>
-          <p:cNvSpPr txBox="true"/>
+          <p:cNvPr id="30" name="TextBox 30"/>
+          <p:cNvSpPr txBox="1"/>
           <p:nvPr/>
         </p:nvSpPr>
         <p:spPr>
-          <a:xfrm rot="0">
+          <a:xfrm>
             <a:off x="9183529" y="8062774"/>
             <a:ext cx="6828610" cy="1821573"/>
           </a:xfrm>
@@ -12066,12 +12741,12 @@
           </a:prstGeom>
         </p:spPr>
         <p:txBody>
-          <a:bodyPr anchor="t" rtlCol="false" tIns="0" lIns="0" bIns="0" rIns="0">
+          <a:bodyPr lIns="0" tIns="0" rIns="0" bIns="0" rtlCol="0" anchor="t">
             <a:spAutoFit/>
           </a:bodyPr>
           <a:lstStyle/>
           <a:p>
-            <a:pPr algn="l" marL="431585" indent="-215792" lvl="1">
+            <a:pPr marL="431585" lvl="1" indent="-215792" algn="l">
               <a:lnSpc>
                 <a:spcPts val="2898"/>
               </a:lnSpc>
@@ -12102,7 +12777,7 @@
 </file>
 
 <file path=ppt/slides/slide6.xml><?xml version="1.0" encoding="utf-8"?>
-<p:sld xmlns:p="http://schemas.openxmlformats.org/presentationml/2006/main" xmlns:a="http://schemas.openxmlformats.org/drawingml/2006/main">
+<p:sld xmlns:a="http://schemas.openxmlformats.org/drawingml/2006/main" xmlns:r="http://schemas.openxmlformats.org/officeDocument/2006/relationships" xmlns:p="http://schemas.openxmlformats.org/presentationml/2006/main">
   <p:cSld>
     <p:spTree>
       <p:nvGrpSpPr>
@@ -12120,12 +12795,12 @@
       </p:grpSpPr>
       <p:grpSp>
         <p:nvGrpSpPr>
-          <p:cNvPr name="Group 2" id="2"/>
+          <p:cNvPr id="2" name="Group 2"/>
           <p:cNvGrpSpPr/>
           <p:nvPr/>
         </p:nvGrpSpPr>
         <p:grpSpPr>
-          <a:xfrm rot="0">
+          <a:xfrm>
             <a:off x="0" y="0"/>
             <a:ext cx="6906257" cy="10287000"/>
             <a:chOff x="0" y="0"/>
@@ -12134,12 +12809,12 @@
         </p:grpSpPr>
         <p:sp>
           <p:nvSpPr>
-            <p:cNvPr name="Freeform 3" id="3"/>
+            <p:cNvPr id="3" name="Freeform 3"/>
             <p:cNvSpPr/>
             <p:nvPr/>
           </p:nvSpPr>
           <p:spPr>
-            <a:xfrm flipH="false" flipV="false" rot="0">
+            <a:xfrm>
               <a:off x="0" y="0"/>
               <a:ext cx="1818932" cy="2709333"/>
             </a:xfrm>
@@ -12148,9 +12823,9 @@
               <a:gdLst/>
               <a:ahLst/>
               <a:cxnLst/>
-              <a:rect r="r" b="b" t="t" l="l"/>
+              <a:rect l="l" t="t" r="r" b="b"/>
               <a:pathLst>
-                <a:path h="2709333" w="1818932">
+                <a:path w="1818932" h="2709333">
                   <a:moveTo>
                     <a:pt x="0" y="0"/>
                   </a:moveTo>
@@ -12171,11 +12846,18 @@
               <a:srgbClr val="132232"/>
             </a:solidFill>
           </p:spPr>
+          <p:txBody>
+            <a:bodyPr/>
+            <a:lstStyle/>
+            <a:p>
+              <a:endParaRPr lang="es-419"/>
+            </a:p>
+          </p:txBody>
         </p:sp>
         <p:sp>
           <p:nvSpPr>
-            <p:cNvPr name="TextBox 4" id="4"/>
-            <p:cNvSpPr txBox="true"/>
+            <p:cNvPr id="4" name="TextBox 4"/>
+            <p:cNvSpPr txBox="1"/>
             <p:nvPr/>
           </p:nvSpPr>
           <p:spPr>
@@ -12188,7 +12870,7 @@
             </a:prstGeom>
           </p:spPr>
           <p:txBody>
-            <a:bodyPr anchor="ctr" rtlCol="false" tIns="50800" lIns="50800" bIns="50800" rIns="50800"/>
+            <a:bodyPr lIns="50800" tIns="50800" rIns="50800" bIns="50800" rtlCol="0" anchor="ctr"/>
             <a:lstStyle/>
             <a:p>
               <a:pPr algn="ctr">
@@ -12196,18 +12878,19 @@
                   <a:spcPts val="3624"/>
                 </a:lnSpc>
               </a:pPr>
+              <a:endParaRPr/>
             </a:p>
           </p:txBody>
         </p:sp>
       </p:grpSp>
       <p:grpSp>
         <p:nvGrpSpPr>
-          <p:cNvPr name="Group 5" id="5"/>
+          <p:cNvPr id="5" name="Group 5"/>
           <p:cNvGrpSpPr/>
           <p:nvPr/>
         </p:nvGrpSpPr>
         <p:grpSpPr>
-          <a:xfrm rot="0">
+          <a:xfrm>
             <a:off x="524238" y="3679259"/>
             <a:ext cx="5857780" cy="1635454"/>
             <a:chOff x="0" y="0"/>
@@ -12216,12 +12899,12 @@
         </p:grpSpPr>
         <p:sp>
           <p:nvSpPr>
-            <p:cNvPr name="TextBox 6" id="6"/>
-            <p:cNvSpPr txBox="true"/>
+            <p:cNvPr id="6" name="TextBox 6"/>
+            <p:cNvSpPr txBox="1"/>
             <p:nvPr/>
           </p:nvSpPr>
           <p:spPr>
-            <a:xfrm rot="0">
+            <a:xfrm>
               <a:off x="0" y="38100"/>
               <a:ext cx="7810373" cy="1445694"/>
             </a:xfrm>
@@ -12230,7 +12913,7 @@
             </a:prstGeom>
           </p:spPr>
           <p:txBody>
-            <a:bodyPr anchor="t" rtlCol="false" tIns="0" lIns="0" bIns="0" rIns="0">
+            <a:bodyPr lIns="0" tIns="0" rIns="0" bIns="0" rtlCol="0" anchor="t">
               <a:spAutoFit/>
             </a:bodyPr>
             <a:lstStyle/>
@@ -12257,12 +12940,12 @@
         </p:sp>
         <p:sp>
           <p:nvSpPr>
-            <p:cNvPr name="TextBox 7" id="7"/>
-            <p:cNvSpPr txBox="true"/>
+            <p:cNvPr id="7" name="TextBox 7"/>
+            <p:cNvSpPr txBox="1"/>
             <p:nvPr/>
           </p:nvSpPr>
           <p:spPr>
-            <a:xfrm rot="0">
+            <a:xfrm>
               <a:off x="0" y="1651701"/>
               <a:ext cx="7050665" cy="528904"/>
             </a:xfrm>
@@ -12271,7 +12954,7 @@
             </a:prstGeom>
           </p:spPr>
           <p:txBody>
-            <a:bodyPr anchor="t" rtlCol="false" tIns="0" lIns="0" bIns="0" rIns="0">
+            <a:bodyPr lIns="0" tIns="0" rIns="0" bIns="0" rtlCol="0" anchor="t">
               <a:spAutoFit/>
             </a:bodyPr>
             <a:lstStyle/>
@@ -12281,18 +12964,19 @@
                   <a:spcPts val="3326"/>
                 </a:lnSpc>
               </a:pPr>
+              <a:endParaRPr/>
             </a:p>
           </p:txBody>
         </p:sp>
       </p:grpSp>
       <p:sp>
         <p:nvSpPr>
-          <p:cNvPr name="TextBox 8" id="8"/>
-          <p:cNvSpPr txBox="true"/>
+          <p:cNvPr id="8" name="TextBox 8"/>
+          <p:cNvSpPr txBox="1"/>
           <p:nvPr/>
         </p:nvSpPr>
         <p:spPr>
-          <a:xfrm rot="0">
+          <a:xfrm>
             <a:off x="524238" y="4699000"/>
             <a:ext cx="5857780" cy="444500"/>
           </a:xfrm>
@@ -12301,7 +12985,7 @@
           </a:prstGeom>
         </p:spPr>
         <p:txBody>
-          <a:bodyPr anchor="t" rtlCol="false" tIns="0" lIns="0" bIns="0" rIns="0">
+          <a:bodyPr lIns="0" tIns="0" rIns="0" bIns="0" rtlCol="0" anchor="t">
             <a:spAutoFit/>
           </a:bodyPr>
           <a:lstStyle/>
@@ -12331,12 +13015,12 @@
       </p:sp>
       <p:grpSp>
         <p:nvGrpSpPr>
-          <p:cNvPr name="Group 9" id="9"/>
+          <p:cNvPr id="9" name="Group 9"/>
           <p:cNvGrpSpPr/>
           <p:nvPr/>
         </p:nvGrpSpPr>
         <p:grpSpPr>
-          <a:xfrm rot="0">
+          <a:xfrm>
             <a:off x="9144000" y="1028700"/>
             <a:ext cx="6820421" cy="1504179"/>
             <a:chOff x="0" y="0"/>
@@ -12345,12 +13029,12 @@
         </p:grpSpPr>
         <p:grpSp>
           <p:nvGrpSpPr>
-            <p:cNvPr name="Group 10" id="10"/>
+            <p:cNvPr id="10" name="Group 10"/>
             <p:cNvGrpSpPr/>
             <p:nvPr/>
           </p:nvGrpSpPr>
           <p:grpSpPr>
-            <a:xfrm rot="0">
+            <a:xfrm>
               <a:off x="0" y="0"/>
               <a:ext cx="9093894" cy="2005572"/>
               <a:chOff x="0" y="0"/>
@@ -12359,12 +13043,12 @@
           </p:grpSpPr>
           <p:sp>
             <p:nvSpPr>
-              <p:cNvPr name="Freeform 11" id="11"/>
+              <p:cNvPr id="11" name="Freeform 11"/>
               <p:cNvSpPr/>
               <p:nvPr/>
             </p:nvSpPr>
             <p:spPr>
-              <a:xfrm flipH="false" flipV="false" rot="0">
+              <a:xfrm>
                 <a:off x="0" y="0"/>
                 <a:ext cx="1796325" cy="396162"/>
               </a:xfrm>
@@ -12373,9 +13057,9 @@
                 <a:gdLst/>
                 <a:ahLst/>
                 <a:cxnLst/>
-                <a:rect r="r" b="b" t="t" l="l"/>
+                <a:rect l="l" t="t" r="r" b="b"/>
                 <a:pathLst>
-                  <a:path h="396162" w="1796325">
+                  <a:path w="1796325" h="396162">
                     <a:moveTo>
                       <a:pt x="9081" y="0"/>
                     </a:moveTo>
@@ -12433,11 +13117,18 @@
                 <a:miter/>
               </a:ln>
             </p:spPr>
+            <p:txBody>
+              <a:bodyPr/>
+              <a:lstStyle/>
+              <a:p>
+                <a:endParaRPr lang="es-419"/>
+              </a:p>
+            </p:txBody>
           </p:sp>
           <p:sp>
             <p:nvSpPr>
-              <p:cNvPr name="TextBox 12" id="12"/>
-              <p:cNvSpPr txBox="true"/>
+              <p:cNvPr id="12" name="TextBox 12"/>
+              <p:cNvSpPr txBox="1"/>
               <p:nvPr/>
             </p:nvSpPr>
             <p:spPr>
@@ -12450,7 +13141,7 @@
               </a:prstGeom>
             </p:spPr>
             <p:txBody>
-              <a:bodyPr anchor="ctr" rtlCol="false" tIns="50800" lIns="50800" bIns="50800" rIns="50800"/>
+              <a:bodyPr lIns="50800" tIns="50800" rIns="50800" bIns="50800" rtlCol="0" anchor="ctr"/>
               <a:lstStyle/>
               <a:p>
                 <a:pPr algn="ctr">
@@ -12458,18 +13149,19 @@
                     <a:spcPts val="3624"/>
                   </a:lnSpc>
                 </a:pPr>
+                <a:endParaRPr/>
               </a:p>
             </p:txBody>
           </p:sp>
         </p:grpSp>
         <p:sp>
           <p:nvSpPr>
-            <p:cNvPr name="TextBox 13" id="13"/>
-            <p:cNvSpPr txBox="true"/>
+            <p:cNvPr id="13" name="TextBox 13"/>
+            <p:cNvSpPr txBox="1"/>
             <p:nvPr/>
           </p:nvSpPr>
           <p:spPr>
-            <a:xfrm rot="0">
+            <a:xfrm>
               <a:off x="85341" y="265933"/>
               <a:ext cx="8923212" cy="1434838"/>
             </a:xfrm>
@@ -12478,12 +13170,12 @@
             </a:prstGeom>
           </p:spPr>
           <p:txBody>
-            <a:bodyPr anchor="t" rtlCol="false" tIns="0" lIns="0" bIns="0" rIns="0">
+            <a:bodyPr lIns="0" tIns="0" rIns="0" bIns="0" rtlCol="0" anchor="t">
               <a:spAutoFit/>
             </a:bodyPr>
             <a:lstStyle/>
             <a:p>
-              <a:pPr algn="l" marL="431585" indent="-215792" lvl="1">
+              <a:pPr marL="431585" lvl="1" indent="-215792" algn="l">
                 <a:lnSpc>
                   <a:spcPts val="2898"/>
                 </a:lnSpc>
@@ -12508,12 +13200,12 @@
       </p:grpSp>
       <p:grpSp>
         <p:nvGrpSpPr>
-          <p:cNvPr name="Group 14" id="14"/>
+          <p:cNvPr id="14" name="Group 14"/>
           <p:cNvGrpSpPr/>
           <p:nvPr/>
         </p:nvGrpSpPr>
         <p:grpSpPr>
-          <a:xfrm rot="0">
+          <a:xfrm>
             <a:off x="9144000" y="3360502"/>
             <a:ext cx="6822119" cy="2918247"/>
             <a:chOff x="0" y="0"/>
@@ -12522,12 +13214,12 @@
         </p:grpSpPr>
         <p:grpSp>
           <p:nvGrpSpPr>
-            <p:cNvPr name="Group 15" id="15"/>
+            <p:cNvPr id="15" name="Group 15"/>
             <p:cNvGrpSpPr/>
             <p:nvPr/>
           </p:nvGrpSpPr>
           <p:grpSpPr>
-            <a:xfrm rot="0">
+            <a:xfrm>
               <a:off x="0" y="0"/>
               <a:ext cx="9096158" cy="3890996"/>
               <a:chOff x="0" y="0"/>
@@ -12536,12 +13228,12 @@
           </p:grpSpPr>
           <p:sp>
             <p:nvSpPr>
-              <p:cNvPr name="Freeform 16" id="16"/>
+              <p:cNvPr id="16" name="Freeform 16"/>
               <p:cNvSpPr/>
               <p:nvPr/>
             </p:nvSpPr>
             <p:spPr>
-              <a:xfrm flipH="false" flipV="false" rot="0">
+              <a:xfrm>
                 <a:off x="0" y="0"/>
                 <a:ext cx="1770257" cy="757250"/>
               </a:xfrm>
@@ -12550,9 +13242,9 @@
                 <a:gdLst/>
                 <a:ahLst/>
                 <a:cxnLst/>
-                <a:rect r="r" b="b" t="t" l="l"/>
+                <a:rect l="l" t="t" r="r" b="b"/>
                 <a:pathLst>
-                  <a:path h="757250" w="1770257">
+                  <a:path w="1770257" h="757250">
                     <a:moveTo>
                       <a:pt x="11348" y="0"/>
                     </a:moveTo>
@@ -12625,11 +13317,18 @@
                 <a:miter/>
               </a:ln>
             </p:spPr>
+            <p:txBody>
+              <a:bodyPr/>
+              <a:lstStyle/>
+              <a:p>
+                <a:endParaRPr lang="es-419"/>
+              </a:p>
+            </p:txBody>
           </p:sp>
           <p:sp>
             <p:nvSpPr>
-              <p:cNvPr name="TextBox 17" id="17"/>
-              <p:cNvSpPr txBox="true"/>
+              <p:cNvPr id="17" name="TextBox 17"/>
+              <p:cNvSpPr txBox="1"/>
               <p:nvPr/>
             </p:nvSpPr>
             <p:spPr>
@@ -12642,7 +13341,7 @@
               </a:prstGeom>
             </p:spPr>
             <p:txBody>
-              <a:bodyPr anchor="ctr" rtlCol="false" tIns="50800" lIns="50800" bIns="50800" rIns="50800"/>
+              <a:bodyPr lIns="50800" tIns="50800" rIns="50800" bIns="50800" rtlCol="0" anchor="ctr"/>
               <a:lstStyle/>
               <a:p>
                 <a:pPr algn="ctr">
@@ -12650,18 +13349,19 @@
                     <a:spcPts val="3624"/>
                   </a:lnSpc>
                 </a:pPr>
+                <a:endParaRPr/>
               </a:p>
             </p:txBody>
           </p:sp>
         </p:grpSp>
         <p:sp>
           <p:nvSpPr>
-            <p:cNvPr name="TextBox 18" id="18"/>
-            <p:cNvSpPr txBox="true"/>
+            <p:cNvPr id="18" name="TextBox 18"/>
+            <p:cNvSpPr txBox="1"/>
             <p:nvPr/>
           </p:nvSpPr>
           <p:spPr>
-            <a:xfrm rot="0">
+            <a:xfrm>
               <a:off x="211034" y="343969"/>
               <a:ext cx="8726795" cy="2953045"/>
             </a:xfrm>
@@ -12670,12 +13370,12 @@
             </a:prstGeom>
           </p:spPr>
           <p:txBody>
-            <a:bodyPr anchor="t" rtlCol="false" tIns="0" lIns="0" bIns="0" rIns="0">
+            <a:bodyPr lIns="0" tIns="0" rIns="0" bIns="0" rtlCol="0" anchor="t">
               <a:spAutoFit/>
             </a:bodyPr>
             <a:lstStyle/>
             <a:p>
-              <a:pPr algn="l" marL="441526" indent="-220763" lvl="1">
+              <a:pPr marL="441526" lvl="1" indent="-220763" algn="l">
                 <a:lnSpc>
                   <a:spcPts val="2965"/>
                 </a:lnSpc>
@@ -12700,12 +13400,12 @@
       </p:grpSp>
       <p:grpSp>
         <p:nvGrpSpPr>
-          <p:cNvPr name="Group 19" id="19"/>
+          <p:cNvPr id="19" name="Group 19"/>
           <p:cNvGrpSpPr/>
           <p:nvPr/>
         </p:nvGrpSpPr>
         <p:grpSpPr>
-          <a:xfrm rot="0">
+          <a:xfrm>
             <a:off x="9144000" y="7106373"/>
             <a:ext cx="6822119" cy="2509579"/>
             <a:chOff x="0" y="0"/>
@@ -12714,12 +13414,12 @@
         </p:grpSpPr>
         <p:grpSp>
           <p:nvGrpSpPr>
-            <p:cNvPr name="Group 20" id="20"/>
+            <p:cNvPr id="20" name="Group 20"/>
             <p:cNvGrpSpPr/>
             <p:nvPr/>
           </p:nvGrpSpPr>
           <p:grpSpPr>
-            <a:xfrm rot="0">
+            <a:xfrm>
               <a:off x="0" y="0"/>
               <a:ext cx="9096158" cy="3346105"/>
               <a:chOff x="0" y="0"/>
@@ -12728,12 +13428,12 @@
           </p:grpSpPr>
           <p:sp>
             <p:nvSpPr>
-              <p:cNvPr name="Freeform 21" id="21"/>
+              <p:cNvPr id="21" name="Freeform 21"/>
               <p:cNvSpPr/>
               <p:nvPr/>
             </p:nvSpPr>
             <p:spPr>
-              <a:xfrm flipH="false" flipV="false" rot="0">
+              <a:xfrm>
                 <a:off x="0" y="0"/>
                 <a:ext cx="1796772" cy="660959"/>
               </a:xfrm>
@@ -12742,9 +13442,9 @@
                 <a:gdLst/>
                 <a:ahLst/>
                 <a:cxnLst/>
-                <a:rect r="r" b="b" t="t" l="l"/>
+                <a:rect l="l" t="t" r="r" b="b"/>
                 <a:pathLst>
-                  <a:path h="660959" w="1796772">
+                  <a:path w="1796772" h="660959">
                     <a:moveTo>
                       <a:pt x="11348" y="0"/>
                     </a:moveTo>
@@ -12817,11 +13517,18 @@
                 <a:miter/>
               </a:ln>
             </p:spPr>
+            <p:txBody>
+              <a:bodyPr/>
+              <a:lstStyle/>
+              <a:p>
+                <a:endParaRPr lang="es-419"/>
+              </a:p>
+            </p:txBody>
           </p:sp>
           <p:sp>
             <p:nvSpPr>
-              <p:cNvPr name="TextBox 22" id="22"/>
-              <p:cNvSpPr txBox="true"/>
+              <p:cNvPr id="22" name="TextBox 22"/>
+              <p:cNvSpPr txBox="1"/>
               <p:nvPr/>
             </p:nvSpPr>
             <p:spPr>
@@ -12834,7 +13541,7 @@
               </a:prstGeom>
             </p:spPr>
             <p:txBody>
-              <a:bodyPr anchor="ctr" rtlCol="false" tIns="50800" lIns="50800" bIns="50800" rIns="50800"/>
+              <a:bodyPr lIns="50800" tIns="50800" rIns="50800" bIns="50800" rtlCol="0" anchor="ctr"/>
               <a:lstStyle/>
               <a:p>
                 <a:pPr algn="ctr">
@@ -12842,18 +13549,19 @@
                     <a:spcPts val="3624"/>
                   </a:lnSpc>
                 </a:pPr>
+                <a:endParaRPr/>
               </a:p>
             </p:txBody>
           </p:sp>
         </p:grpSp>
         <p:sp>
           <p:nvSpPr>
-            <p:cNvPr name="TextBox 23" id="23"/>
-            <p:cNvSpPr txBox="true"/>
+            <p:cNvPr id="23" name="TextBox 23"/>
+            <p:cNvSpPr txBox="1"/>
             <p:nvPr/>
           </p:nvSpPr>
           <p:spPr>
-            <a:xfrm rot="0">
+            <a:xfrm>
               <a:off x="156992" y="414866"/>
               <a:ext cx="8832615" cy="2409714"/>
             </a:xfrm>
@@ -12862,12 +13570,12 @@
             </a:prstGeom>
           </p:spPr>
           <p:txBody>
-            <a:bodyPr anchor="t" rtlCol="false" tIns="0" lIns="0" bIns="0" rIns="0">
+            <a:bodyPr lIns="0" tIns="0" rIns="0" bIns="0" rtlCol="0" anchor="t">
               <a:spAutoFit/>
             </a:bodyPr>
             <a:lstStyle/>
             <a:p>
-              <a:pPr algn="l" marL="431585" indent="-215792" lvl="1">
+              <a:pPr marL="431585" lvl="1" indent="-215792" algn="l">
                 <a:lnSpc>
                   <a:spcPts val="2898"/>
                 </a:lnSpc>
@@ -12899,7 +13607,7 @@
 </file>
 
 <file path=ppt/slides/slide7.xml><?xml version="1.0" encoding="utf-8"?>
-<p:sld xmlns:p="http://schemas.openxmlformats.org/presentationml/2006/main" xmlns:a="http://schemas.openxmlformats.org/drawingml/2006/main">
+<p:sld xmlns:a="http://schemas.openxmlformats.org/drawingml/2006/main" xmlns:r="http://schemas.openxmlformats.org/officeDocument/2006/relationships" xmlns:p="http://schemas.openxmlformats.org/presentationml/2006/main">
   <p:cSld>
     <p:spTree>
       <p:nvGrpSpPr>
@@ -12917,12 +13625,12 @@
       </p:grpSpPr>
       <p:grpSp>
         <p:nvGrpSpPr>
-          <p:cNvPr name="Group 2" id="2"/>
+          <p:cNvPr id="2" name="Group 2"/>
           <p:cNvGrpSpPr/>
           <p:nvPr/>
         </p:nvGrpSpPr>
         <p:grpSpPr>
-          <a:xfrm rot="0">
+          <a:xfrm>
             <a:off x="0" y="0"/>
             <a:ext cx="18288000" cy="3279284"/>
             <a:chOff x="0" y="0"/>
@@ -12931,12 +13639,12 @@
         </p:grpSpPr>
         <p:sp>
           <p:nvSpPr>
-            <p:cNvPr name="Freeform 3" id="3"/>
+            <p:cNvPr id="3" name="Freeform 3"/>
             <p:cNvSpPr/>
             <p:nvPr/>
           </p:nvSpPr>
           <p:spPr>
-            <a:xfrm flipH="false" flipV="false" rot="0">
+            <a:xfrm>
               <a:off x="0" y="0"/>
               <a:ext cx="4816592" cy="863680"/>
             </a:xfrm>
@@ -12945,9 +13653,9 @@
               <a:gdLst/>
               <a:ahLst/>
               <a:cxnLst/>
-              <a:rect r="r" b="b" t="t" l="l"/>
+              <a:rect l="l" t="t" r="r" b="b"/>
               <a:pathLst>
-                <a:path h="863680" w="4816592">
+                <a:path w="4816592" h="863680">
                   <a:moveTo>
                     <a:pt x="0" y="0"/>
                   </a:moveTo>
@@ -12968,11 +13676,18 @@
               <a:srgbClr val="132232"/>
             </a:solidFill>
           </p:spPr>
+          <p:txBody>
+            <a:bodyPr/>
+            <a:lstStyle/>
+            <a:p>
+              <a:endParaRPr lang="es-419"/>
+            </a:p>
+          </p:txBody>
         </p:sp>
         <p:sp>
           <p:nvSpPr>
-            <p:cNvPr name="TextBox 4" id="4"/>
-            <p:cNvSpPr txBox="true"/>
+            <p:cNvPr id="4" name="TextBox 4"/>
+            <p:cNvSpPr txBox="1"/>
             <p:nvPr/>
           </p:nvSpPr>
           <p:spPr>
@@ -12985,7 +13700,7 @@
             </a:prstGeom>
           </p:spPr>
           <p:txBody>
-            <a:bodyPr anchor="ctr" rtlCol="false" tIns="50800" lIns="50800" bIns="50800" rIns="50800"/>
+            <a:bodyPr lIns="50800" tIns="50800" rIns="50800" bIns="50800" rtlCol="0" anchor="ctr"/>
             <a:lstStyle/>
             <a:p>
               <a:pPr algn="ctr">
@@ -12993,42 +13708,50 @@
                   <a:spcPts val="3624"/>
                 </a:lnSpc>
               </a:pPr>
+              <a:endParaRPr/>
             </a:p>
           </p:txBody>
         </p:sp>
       </p:grpSp>
       <p:sp>
         <p:nvSpPr>
-          <p:cNvPr name="AutoShape 5" id="5"/>
+          <p:cNvPr id="5" name="AutoShape 5"/>
           <p:cNvSpPr/>
           <p:nvPr/>
         </p:nvSpPr>
         <p:spPr>
-          <a:xfrm rot="0">
+          <a:xfrm>
             <a:off x="0" y="4462594"/>
             <a:ext cx="19355066" cy="0"/>
           </a:xfrm>
           <a:prstGeom prst="line">
             <a:avLst/>
           </a:prstGeom>
-          <a:ln cap="flat" w="9525">
+          <a:ln w="9525" cap="flat">
             <a:solidFill>
               <a:srgbClr val="D9D9D9"/>
             </a:solidFill>
             <a:prstDash val="solid"/>
-            <a:headEnd type="none" len="sm" w="sm"/>
-            <a:tailEnd type="none" len="sm" w="sm"/>
+            <a:headEnd type="none" w="sm" len="sm"/>
+            <a:tailEnd type="none" w="sm" len="sm"/>
           </a:ln>
         </p:spPr>
+        <p:txBody>
+          <a:bodyPr/>
+          <a:lstStyle/>
+          <a:p>
+            <a:endParaRPr lang="es-419"/>
+          </a:p>
+        </p:txBody>
       </p:sp>
       <p:grpSp>
         <p:nvGrpSpPr>
-          <p:cNvPr name="Group 6" id="6"/>
+          <p:cNvPr id="6" name="Group 6"/>
           <p:cNvGrpSpPr/>
           <p:nvPr/>
         </p:nvGrpSpPr>
         <p:grpSpPr>
-          <a:xfrm rot="0">
+          <a:xfrm>
             <a:off x="204687" y="2946581"/>
             <a:ext cx="1938814" cy="1938814"/>
             <a:chOff x="0" y="0"/>
@@ -13037,12 +13760,12 @@
         </p:grpSpPr>
         <p:sp>
           <p:nvSpPr>
-            <p:cNvPr name="Freeform 7" id="7"/>
+            <p:cNvPr id="7" name="Freeform 7"/>
             <p:cNvSpPr/>
             <p:nvPr/>
           </p:nvSpPr>
           <p:spPr>
-            <a:xfrm flipH="false" flipV="false" rot="0">
+            <a:xfrm>
               <a:off x="0" y="0"/>
               <a:ext cx="812800" cy="812800"/>
             </a:xfrm>
@@ -13051,9 +13774,9 @@
               <a:gdLst/>
               <a:ahLst/>
               <a:cxnLst/>
-              <a:rect r="r" b="b" t="t" l="l"/>
+              <a:rect l="l" t="t" r="r" b="b"/>
               <a:pathLst>
-                <a:path h="812800" w="812800">
+                <a:path w="812800" h="812800">
                   <a:moveTo>
                     <a:pt x="406400" y="0"/>
                   </a:moveTo>
@@ -13085,11 +13808,18 @@
               <a:srgbClr val="ADC7EA"/>
             </a:solidFill>
           </p:spPr>
+          <p:txBody>
+            <a:bodyPr/>
+            <a:lstStyle/>
+            <a:p>
+              <a:endParaRPr lang="es-419"/>
+            </a:p>
+          </p:txBody>
         </p:sp>
         <p:sp>
           <p:nvSpPr>
-            <p:cNvPr name="TextBox 8" id="8"/>
-            <p:cNvSpPr txBox="true"/>
+            <p:cNvPr id="8" name="TextBox 8"/>
+            <p:cNvSpPr txBox="1"/>
             <p:nvPr/>
           </p:nvSpPr>
           <p:spPr>
@@ -13102,7 +13832,7 @@
             </a:prstGeom>
           </p:spPr>
           <p:txBody>
-            <a:bodyPr anchor="ctr" rtlCol="false" tIns="50800" lIns="50800" bIns="50800" rIns="50800"/>
+            <a:bodyPr lIns="50800" tIns="50800" rIns="50800" bIns="50800" rtlCol="0" anchor="ctr"/>
             <a:lstStyle/>
             <a:p>
               <a:pPr algn="ctr">
@@ -13110,18 +13840,19 @@
                   <a:spcPts val="3624"/>
                 </a:lnSpc>
               </a:pPr>
+              <a:endParaRPr/>
             </a:p>
           </p:txBody>
         </p:sp>
       </p:grpSp>
       <p:grpSp>
         <p:nvGrpSpPr>
-          <p:cNvPr name="Group 9" id="9"/>
+          <p:cNvPr id="9" name="Group 9"/>
           <p:cNvGrpSpPr/>
           <p:nvPr/>
         </p:nvGrpSpPr>
         <p:grpSpPr>
-          <a:xfrm rot="0">
+          <a:xfrm>
             <a:off x="7343252" y="2822538"/>
             <a:ext cx="1938814" cy="1938814"/>
             <a:chOff x="0" y="0"/>
@@ -13130,12 +13861,12 @@
         </p:grpSpPr>
         <p:sp>
           <p:nvSpPr>
-            <p:cNvPr name="Freeform 10" id="10"/>
+            <p:cNvPr id="10" name="Freeform 10"/>
             <p:cNvSpPr/>
             <p:nvPr/>
           </p:nvSpPr>
           <p:spPr>
-            <a:xfrm flipH="false" flipV="false" rot="0">
+            <a:xfrm>
               <a:off x="0" y="0"/>
               <a:ext cx="812800" cy="812800"/>
             </a:xfrm>
@@ -13144,9 +13875,9 @@
               <a:gdLst/>
               <a:ahLst/>
               <a:cxnLst/>
-              <a:rect r="r" b="b" t="t" l="l"/>
+              <a:rect l="l" t="t" r="r" b="b"/>
               <a:pathLst>
-                <a:path h="812800" w="812800">
+                <a:path w="812800" h="812800">
                   <a:moveTo>
                     <a:pt x="406400" y="0"/>
                   </a:moveTo>
@@ -13178,11 +13909,18 @@
               <a:srgbClr val="ADC7EA"/>
             </a:solidFill>
           </p:spPr>
+          <p:txBody>
+            <a:bodyPr/>
+            <a:lstStyle/>
+            <a:p>
+              <a:endParaRPr lang="es-419"/>
+            </a:p>
+          </p:txBody>
         </p:sp>
         <p:sp>
           <p:nvSpPr>
-            <p:cNvPr name="TextBox 11" id="11"/>
-            <p:cNvSpPr txBox="true"/>
+            <p:cNvPr id="11" name="TextBox 11"/>
+            <p:cNvSpPr txBox="1"/>
             <p:nvPr/>
           </p:nvSpPr>
           <p:spPr>
@@ -13195,7 +13933,7 @@
             </a:prstGeom>
           </p:spPr>
           <p:txBody>
-            <a:bodyPr anchor="ctr" rtlCol="false" tIns="50800" lIns="50800" bIns="50800" rIns="50800"/>
+            <a:bodyPr lIns="50800" tIns="50800" rIns="50800" bIns="50800" rtlCol="0" anchor="ctr"/>
             <a:lstStyle/>
             <a:p>
               <a:pPr algn="ctr">
@@ -13203,18 +13941,19 @@
                   <a:spcPts val="3624"/>
                 </a:lnSpc>
               </a:pPr>
+              <a:endParaRPr/>
             </a:p>
           </p:txBody>
         </p:sp>
       </p:grpSp>
       <p:sp>
         <p:nvSpPr>
-          <p:cNvPr name="TextBox 12" id="12"/>
-          <p:cNvSpPr txBox="true"/>
+          <p:cNvPr id="12" name="TextBox 12"/>
+          <p:cNvSpPr txBox="1"/>
           <p:nvPr/>
         </p:nvSpPr>
         <p:spPr>
-          <a:xfrm rot="0">
+          <a:xfrm>
             <a:off x="1028700" y="485738"/>
             <a:ext cx="13103867" cy="2336800"/>
           </a:xfrm>
@@ -13223,7 +13962,7 @@
           </a:prstGeom>
         </p:spPr>
         <p:txBody>
-          <a:bodyPr anchor="t" rtlCol="false" tIns="0" lIns="0" bIns="0" rIns="0">
+          <a:bodyPr lIns="0" tIns="0" rIns="0" bIns="0" rtlCol="0" anchor="t">
             <a:spAutoFit/>
           </a:bodyPr>
           <a:lstStyle/>
@@ -13250,12 +13989,12 @@
       </p:sp>
       <p:sp>
         <p:nvSpPr>
-          <p:cNvPr name="TextBox 13" id="13"/>
-          <p:cNvSpPr txBox="true"/>
+          <p:cNvPr id="13" name="TextBox 13"/>
+          <p:cNvSpPr txBox="1"/>
           <p:nvPr/>
         </p:nvSpPr>
         <p:spPr>
-          <a:xfrm rot="0">
+          <a:xfrm>
             <a:off x="8051658" y="3458824"/>
             <a:ext cx="3752552" cy="738504"/>
           </a:xfrm>
@@ -13264,7 +14003,7 @@
           </a:prstGeom>
         </p:spPr>
         <p:txBody>
-          <a:bodyPr anchor="t" rtlCol="false" tIns="0" lIns="0" bIns="0" rIns="0">
+          <a:bodyPr lIns="0" tIns="0" rIns="0" bIns="0" rtlCol="0" anchor="t">
             <a:spAutoFit/>
           </a:bodyPr>
           <a:lstStyle/>
@@ -13275,7 +14014,7 @@
               </a:lnSpc>
             </a:pPr>
             <a:r>
-              <a:rPr lang="en-US" sz="4300" b="true">
+              <a:rPr lang="en-US" sz="4300" b="1">
                 <a:solidFill>
                   <a:srgbClr val="000000"/>
                 </a:solidFill>
@@ -13291,12 +14030,12 @@
       </p:sp>
       <p:sp>
         <p:nvSpPr>
-          <p:cNvPr name="TextBox 14" id="14"/>
-          <p:cNvSpPr txBox="true"/>
+          <p:cNvPr id="14" name="TextBox 14"/>
+          <p:cNvSpPr txBox="1"/>
           <p:nvPr/>
         </p:nvSpPr>
         <p:spPr>
-          <a:xfrm rot="0">
+          <a:xfrm>
             <a:off x="929165" y="3458824"/>
             <a:ext cx="2967038" cy="738504"/>
           </a:xfrm>
@@ -13305,7 +14044,7 @@
           </a:prstGeom>
         </p:spPr>
         <p:txBody>
-          <a:bodyPr anchor="t" rtlCol="false" tIns="0" lIns="0" bIns="0" rIns="0">
+          <a:bodyPr lIns="0" tIns="0" rIns="0" bIns="0" rtlCol="0" anchor="t">
             <a:spAutoFit/>
           </a:bodyPr>
           <a:lstStyle/>
@@ -13316,7 +14055,7 @@
               </a:lnSpc>
             </a:pPr>
             <a:r>
-              <a:rPr lang="en-US" sz="4300" b="true">
+              <a:rPr lang="en-US" sz="4300" b="1">
                 <a:solidFill>
                   <a:srgbClr val="000000"/>
                 </a:solidFill>
@@ -13332,12 +14071,12 @@
       </p:sp>
       <p:sp>
         <p:nvSpPr>
-          <p:cNvPr name="TextBox 15" id="15"/>
-          <p:cNvSpPr txBox="true"/>
+          <p:cNvPr id="15" name="TextBox 15"/>
+          <p:cNvSpPr txBox="1"/>
           <p:nvPr/>
         </p:nvSpPr>
         <p:spPr>
-          <a:xfrm rot="0">
+          <a:xfrm>
             <a:off x="8198300" y="5096191"/>
             <a:ext cx="1083766" cy="464818"/>
           </a:xfrm>
@@ -13346,7 +14085,7 @@
           </a:prstGeom>
         </p:spPr>
         <p:txBody>
-          <a:bodyPr anchor="t" rtlCol="false" tIns="0" lIns="0" bIns="0" rIns="0">
+          <a:bodyPr lIns="0" tIns="0" rIns="0" bIns="0" rtlCol="0" anchor="t">
             <a:spAutoFit/>
           </a:bodyPr>
           <a:lstStyle/>
@@ -13357,7 +14096,7 @@
               </a:lnSpc>
             </a:pPr>
             <a:r>
-              <a:rPr lang="en-US" b="true" sz="2700" i="true" u="sng">
+              <a:rPr lang="en-US" sz="2700" b="1" i="1" u="sng">
                 <a:solidFill>
                   <a:srgbClr val="000000"/>
                 </a:solidFill>
@@ -13373,12 +14112,12 @@
       </p:sp>
       <p:sp>
         <p:nvSpPr>
-          <p:cNvPr name="TextBox 16" id="16"/>
-          <p:cNvSpPr txBox="true"/>
+          <p:cNvPr id="16" name="TextBox 16"/>
+          <p:cNvSpPr txBox="1"/>
           <p:nvPr/>
         </p:nvSpPr>
         <p:spPr>
-          <a:xfrm rot="0">
+          <a:xfrm>
             <a:off x="9375139" y="5138736"/>
             <a:ext cx="4124920" cy="1189353"/>
           </a:xfrm>
@@ -13387,12 +14126,12 @@
           </a:prstGeom>
         </p:spPr>
         <p:txBody>
-          <a:bodyPr anchor="t" rtlCol="false" tIns="0" lIns="0" bIns="0" rIns="0">
+          <a:bodyPr lIns="0" tIns="0" rIns="0" bIns="0" rtlCol="0" anchor="t">
             <a:spAutoFit/>
           </a:bodyPr>
           <a:lstStyle/>
           <a:p>
-            <a:pPr algn="just" marL="496585" indent="-248293" lvl="1">
+            <a:pPr marL="496585" lvl="1" indent="-248293" algn="just">
               <a:lnSpc>
                 <a:spcPts val="3220"/>
               </a:lnSpc>
@@ -13400,7 +14139,7 @@
               <a:buChar char="•"/>
             </a:pPr>
             <a:r>
-              <a:rPr lang="en-US" b="true" sz="2300">
+              <a:rPr lang="en-US" sz="2300" b="1">
                 <a:solidFill>
                   <a:srgbClr val="000000"/>
                 </a:solidFill>
@@ -13413,7 +14152,7 @@
             </a:r>
           </a:p>
           <a:p>
-            <a:pPr algn="just" marL="496585" indent="-248293" lvl="1">
+            <a:pPr marL="496585" lvl="1" indent="-248293" algn="just">
               <a:lnSpc>
                 <a:spcPts val="3220"/>
               </a:lnSpc>
@@ -13421,7 +14160,7 @@
               <a:buChar char="•"/>
             </a:pPr>
             <a:r>
-              <a:rPr lang="en-US" b="true" sz="2300">
+              <a:rPr lang="en-US" sz="2300" b="1">
                 <a:solidFill>
                   <a:srgbClr val="000000"/>
                 </a:solidFill>
@@ -13434,7 +14173,7 @@
             </a:r>
           </a:p>
           <a:p>
-            <a:pPr algn="just" marL="496585" indent="-248293" lvl="1">
+            <a:pPr marL="496585" lvl="1" indent="-248293" algn="just">
               <a:lnSpc>
                 <a:spcPts val="3220"/>
               </a:lnSpc>
@@ -13442,7 +14181,7 @@
               <a:buChar char="•"/>
             </a:pPr>
             <a:r>
-              <a:rPr lang="en-US" b="true" sz="2300">
+              <a:rPr lang="en-US" sz="2300" b="1">
                 <a:solidFill>
                   <a:srgbClr val="000000"/>
                 </a:solidFill>
@@ -13458,21 +14197,21 @@
       </p:sp>
       <p:sp>
         <p:nvSpPr>
-          <p:cNvPr name="TextBox 17" id="17"/>
-          <p:cNvSpPr txBox="true"/>
+          <p:cNvPr id="17" name="TextBox 17"/>
+          <p:cNvSpPr txBox="1"/>
           <p:nvPr/>
         </p:nvSpPr>
         <p:spPr>
-          <a:xfrm rot="0">
-            <a:off x="1496709" y="4952070"/>
-            <a:ext cx="1131689" cy="464818"/>
+          <a:xfrm>
+            <a:off x="1496709" y="4942321"/>
+            <a:ext cx="1398890" cy="454868"/>
           </a:xfrm>
           <a:prstGeom prst="rect">
             <a:avLst/>
           </a:prstGeom>
         </p:spPr>
         <p:txBody>
-          <a:bodyPr anchor="t" rtlCol="false" tIns="0" lIns="0" bIns="0" rIns="0">
+          <a:bodyPr wrap="square" lIns="0" tIns="0" rIns="0" bIns="0" rtlCol="0" anchor="t">
             <a:spAutoFit/>
           </a:bodyPr>
           <a:lstStyle/>
@@ -13483,7 +14222,7 @@
               </a:lnSpc>
             </a:pPr>
             <a:r>
-              <a:rPr lang="en-US" sz="2700" b="true">
+              <a:rPr lang="en-US" sz="2700" b="1" dirty="0">
                 <a:solidFill>
                   <a:srgbClr val="000000"/>
                 </a:solidFill>
@@ -13499,12 +14238,12 @@
       </p:sp>
       <p:sp>
         <p:nvSpPr>
-          <p:cNvPr name="TextBox 18" id="18"/>
-          <p:cNvSpPr txBox="true"/>
+          <p:cNvPr id="18" name="TextBox 18"/>
+          <p:cNvSpPr txBox="1"/>
           <p:nvPr/>
         </p:nvSpPr>
         <p:spPr>
-          <a:xfrm rot="0">
+          <a:xfrm>
             <a:off x="1508541" y="5559763"/>
             <a:ext cx="1108025" cy="464818"/>
           </a:xfrm>
@@ -13513,7 +14252,7 @@
           </a:prstGeom>
         </p:spPr>
         <p:txBody>
-          <a:bodyPr anchor="t" rtlCol="false" tIns="0" lIns="0" bIns="0" rIns="0">
+          <a:bodyPr lIns="0" tIns="0" rIns="0" bIns="0" rtlCol="0" anchor="t">
             <a:spAutoFit/>
           </a:bodyPr>
           <a:lstStyle/>
@@ -13524,7 +14263,7 @@
               </a:lnSpc>
             </a:pPr>
             <a:r>
-              <a:rPr lang="en-US" sz="2700" b="true">
+              <a:rPr lang="en-US" sz="2700" b="1" dirty="0">
                 <a:solidFill>
                   <a:srgbClr val="000000"/>
                 </a:solidFill>
@@ -13540,12 +14279,12 @@
       </p:sp>
       <p:sp>
         <p:nvSpPr>
-          <p:cNvPr name="TextBox 19" id="19"/>
-          <p:cNvSpPr txBox="true"/>
+          <p:cNvPr id="19" name="TextBox 19"/>
+          <p:cNvSpPr txBox="1"/>
           <p:nvPr/>
         </p:nvSpPr>
         <p:spPr>
-          <a:xfrm rot="0">
+          <a:xfrm>
             <a:off x="1496709" y="6761974"/>
             <a:ext cx="2465933" cy="464818"/>
           </a:xfrm>
@@ -13554,7 +14293,7 @@
           </a:prstGeom>
         </p:spPr>
         <p:txBody>
-          <a:bodyPr anchor="t" rtlCol="false" tIns="0" lIns="0" bIns="0" rIns="0">
+          <a:bodyPr lIns="0" tIns="0" rIns="0" bIns="0" rtlCol="0" anchor="t">
             <a:spAutoFit/>
           </a:bodyPr>
           <a:lstStyle/>
@@ -13565,7 +14304,7 @@
               </a:lnSpc>
             </a:pPr>
             <a:r>
-              <a:rPr lang="en-US" sz="2700" b="true">
+              <a:rPr lang="en-US" sz="2700" b="1" dirty="0">
                 <a:solidFill>
                   <a:srgbClr val="000000"/>
                 </a:solidFill>
@@ -13574,20 +14313,20 @@
                 <a:cs typeface="Open Sans Bold"/>
                 <a:sym typeface="Open Sans Bold"/>
               </a:rPr>
-              <a:t>Shearch shops</a:t>
+              <a:t>Search shops</a:t>
             </a:r>
           </a:p>
         </p:txBody>
       </p:sp>
       <p:sp>
         <p:nvSpPr>
-          <p:cNvPr name="TextBox 20" id="20"/>
-          <p:cNvSpPr txBox="true"/>
+          <p:cNvPr id="20" name="TextBox 20"/>
+          <p:cNvSpPr txBox="1"/>
           <p:nvPr/>
         </p:nvSpPr>
         <p:spPr>
-          <a:xfrm rot="0">
-            <a:off x="1496709" y="7971785"/>
+          <a:xfrm>
+            <a:off x="790891" y="8011171"/>
             <a:ext cx="3877568" cy="464818"/>
           </a:xfrm>
           <a:prstGeom prst="rect">
@@ -13595,7 +14334,7 @@
           </a:prstGeom>
         </p:spPr>
         <p:txBody>
-          <a:bodyPr anchor="t" rtlCol="false" tIns="0" lIns="0" bIns="0" rIns="0">
+          <a:bodyPr lIns="0" tIns="0" rIns="0" bIns="0" rtlCol="0" anchor="t">
             <a:spAutoFit/>
           </a:bodyPr>
           <a:lstStyle/>
@@ -13606,7 +14345,7 @@
               </a:lnSpc>
             </a:pPr>
             <a:r>
-              <a:rPr lang="en-US" sz="2700" b="true">
+              <a:rPr lang="en-US" sz="2700" b="1" dirty="0">
                 <a:solidFill>
                   <a:srgbClr val="000000"/>
                 </a:solidFill>
@@ -13622,12 +14361,12 @@
       </p:sp>
       <p:sp>
         <p:nvSpPr>
-          <p:cNvPr name="TextBox 21" id="21"/>
-          <p:cNvSpPr txBox="true"/>
+          <p:cNvPr id="21" name="TextBox 21"/>
+          <p:cNvSpPr txBox="1"/>
           <p:nvPr/>
         </p:nvSpPr>
         <p:spPr>
-          <a:xfrm rot="0">
+          <a:xfrm>
             <a:off x="6911085" y="6975789"/>
             <a:ext cx="2512814" cy="464818"/>
           </a:xfrm>
@@ -13636,7 +14375,7 @@
           </a:prstGeom>
         </p:spPr>
         <p:txBody>
-          <a:bodyPr anchor="t" rtlCol="false" tIns="0" lIns="0" bIns="0" rIns="0">
+          <a:bodyPr lIns="0" tIns="0" rIns="0" bIns="0" rtlCol="0" anchor="t">
             <a:spAutoFit/>
           </a:bodyPr>
           <a:lstStyle/>
@@ -13647,7 +14386,7 @@
               </a:lnSpc>
             </a:pPr>
             <a:r>
-              <a:rPr lang="en-US" b="true" sz="2700" i="true" u="sng">
+              <a:rPr lang="en-US" sz="2700" b="1" i="1" u="sng">
                 <a:solidFill>
                   <a:srgbClr val="000000"/>
                 </a:solidFill>
@@ -13663,12 +14402,12 @@
       </p:sp>
       <p:sp>
         <p:nvSpPr>
-          <p:cNvPr name="TextBox 22" id="22"/>
-          <p:cNvSpPr txBox="true"/>
+          <p:cNvPr id="22" name="TextBox 22"/>
+          <p:cNvSpPr txBox="1"/>
           <p:nvPr/>
         </p:nvSpPr>
         <p:spPr>
-          <a:xfrm rot="0">
+          <a:xfrm>
             <a:off x="9423899" y="6975334"/>
             <a:ext cx="5896096" cy="2789553"/>
           </a:xfrm>
@@ -13677,12 +14416,12 @@
           </a:prstGeom>
         </p:spPr>
         <p:txBody>
-          <a:bodyPr anchor="t" rtlCol="false" tIns="0" lIns="0" bIns="0" rIns="0">
+          <a:bodyPr lIns="0" tIns="0" rIns="0" bIns="0" rtlCol="0" anchor="t">
             <a:spAutoFit/>
           </a:bodyPr>
           <a:lstStyle/>
           <a:p>
-            <a:pPr algn="l" marL="496585" indent="-248293" lvl="1">
+            <a:pPr marL="496585" lvl="1" indent="-248293" algn="l">
               <a:lnSpc>
                 <a:spcPts val="3220"/>
               </a:lnSpc>
@@ -13690,7 +14429,7 @@
               <a:buChar char="•"/>
             </a:pPr>
             <a:r>
-              <a:rPr lang="en-US" b="true" sz="2300">
+              <a:rPr lang="en-US" sz="2300" b="1">
                 <a:solidFill>
                   <a:srgbClr val="000000"/>
                 </a:solidFill>
@@ -13703,7 +14442,7 @@
             </a:r>
           </a:p>
           <a:p>
-            <a:pPr algn="l" marL="496585" indent="-248293" lvl="1">
+            <a:pPr marL="496585" lvl="1" indent="-248293" algn="l">
               <a:lnSpc>
                 <a:spcPts val="3220"/>
               </a:lnSpc>
@@ -13711,7 +14450,7 @@
               <a:buChar char="•"/>
             </a:pPr>
             <a:r>
-              <a:rPr lang="en-US" b="true" sz="2300">
+              <a:rPr lang="en-US" sz="2300" b="1">
                 <a:solidFill>
                   <a:srgbClr val="000000"/>
                 </a:solidFill>
@@ -13724,7 +14463,7 @@
             </a:r>
           </a:p>
           <a:p>
-            <a:pPr algn="l" marL="496585" indent="-248293" lvl="1">
+            <a:pPr marL="496585" lvl="1" indent="-248293" algn="l">
               <a:lnSpc>
                 <a:spcPts val="3220"/>
               </a:lnSpc>
@@ -13732,7 +14471,7 @@
               <a:buChar char="•"/>
             </a:pPr>
             <a:r>
-              <a:rPr lang="en-US" b="true" sz="2300">
+              <a:rPr lang="en-US" sz="2300" b="1">
                 <a:solidFill>
                   <a:srgbClr val="000000"/>
                 </a:solidFill>
@@ -13745,7 +14484,7 @@
             </a:r>
           </a:p>
           <a:p>
-            <a:pPr algn="l" marL="496585" indent="-248293" lvl="1">
+            <a:pPr marL="496585" lvl="1" indent="-248293" algn="l">
               <a:lnSpc>
                 <a:spcPts val="3220"/>
               </a:lnSpc>
@@ -13753,7 +14492,7 @@
               <a:buChar char="•"/>
             </a:pPr>
             <a:r>
-              <a:rPr lang="en-US" b="true" sz="2300">
+              <a:rPr lang="en-US" sz="2300" b="1">
                 <a:solidFill>
                   <a:srgbClr val="000000"/>
                 </a:solidFill>
@@ -13766,7 +14505,7 @@
             </a:r>
           </a:p>
           <a:p>
-            <a:pPr algn="l" marL="496585" indent="-248293" lvl="1">
+            <a:pPr marL="496585" lvl="1" indent="-248293" algn="l">
               <a:lnSpc>
                 <a:spcPts val="3220"/>
               </a:lnSpc>
@@ -13774,7 +14513,7 @@
               <a:buChar char="•"/>
             </a:pPr>
             <a:r>
-              <a:rPr lang="en-US" b="true" sz="2300">
+              <a:rPr lang="en-US" sz="2300" b="1">
                 <a:solidFill>
                   <a:srgbClr val="000000"/>
                 </a:solidFill>
@@ -13792,26 +14531,35 @@
                 <a:spcPts val="3220"/>
               </a:lnSpc>
             </a:pPr>
-          </a:p>
-        </p:txBody>
-      </p:sp>
-      <p:sp>
-        <p:nvSpPr>
-          <p:cNvPr name="TextBox 23" id="23"/>
-          <p:cNvSpPr txBox="true"/>
+            <a:endParaRPr lang="en-US" sz="2300" b="1">
+              <a:solidFill>
+                <a:srgbClr val="000000"/>
+              </a:solidFill>
+              <a:latin typeface="Open Sans Bold"/>
+              <a:ea typeface="Open Sans Bold"/>
+              <a:cs typeface="Open Sans Bold"/>
+              <a:sym typeface="Open Sans Bold"/>
+            </a:endParaRPr>
+          </a:p>
+        </p:txBody>
+      </p:sp>
+      <p:sp>
+        <p:nvSpPr>
+          <p:cNvPr id="23" name="TextBox 23"/>
+          <p:cNvSpPr txBox="1"/>
           <p:nvPr/>
         </p:nvSpPr>
         <p:spPr>
-          <a:xfrm rot="0">
+          <a:xfrm>
             <a:off x="1508541" y="6167456"/>
-            <a:ext cx="2049661" cy="464818"/>
+            <a:ext cx="2465933" cy="454868"/>
           </a:xfrm>
           <a:prstGeom prst="rect">
             <a:avLst/>
           </a:prstGeom>
         </p:spPr>
         <p:txBody>
-          <a:bodyPr anchor="t" rtlCol="false" tIns="0" lIns="0" bIns="0" rIns="0">
+          <a:bodyPr wrap="square" lIns="0" tIns="0" rIns="0" bIns="0" rtlCol="0" anchor="t">
             <a:spAutoFit/>
           </a:bodyPr>
           <a:lstStyle/>
@@ -13822,7 +14570,7 @@
               </a:lnSpc>
             </a:pPr>
             <a:r>
-              <a:rPr lang="en-US" sz="2700" b="true">
+              <a:rPr lang="en-US" sz="2700" b="1" dirty="0">
                 <a:solidFill>
                   <a:srgbClr val="000000"/>
                 </a:solidFill>
@@ -13838,21 +14586,21 @@
       </p:sp>
       <p:sp>
         <p:nvSpPr>
-          <p:cNvPr name="TextBox 24" id="24"/>
-          <p:cNvSpPr txBox="true"/>
+          <p:cNvPr id="24" name="TextBox 24"/>
+          <p:cNvSpPr txBox="1"/>
           <p:nvPr/>
         </p:nvSpPr>
         <p:spPr>
-          <a:xfrm rot="0">
+          <a:xfrm>
             <a:off x="1496709" y="7373617"/>
-            <a:ext cx="2202061" cy="464818"/>
+            <a:ext cx="2477765" cy="454868"/>
           </a:xfrm>
           <a:prstGeom prst="rect">
             <a:avLst/>
           </a:prstGeom>
         </p:spPr>
         <p:txBody>
-          <a:bodyPr anchor="t" rtlCol="false" tIns="0" lIns="0" bIns="0" rIns="0">
+          <a:bodyPr wrap="square" lIns="0" tIns="0" rIns="0" bIns="0" rtlCol="0" anchor="t">
             <a:spAutoFit/>
           </a:bodyPr>
           <a:lstStyle/>
@@ -13863,7 +14611,7 @@
               </a:lnSpc>
             </a:pPr>
             <a:r>
-              <a:rPr lang="en-US" sz="2700" b="true">
+              <a:rPr lang="en-US" sz="2700" b="1" dirty="0">
                 <a:solidFill>
                   <a:srgbClr val="000000"/>
                 </a:solidFill>
@@ -13879,36 +14627,43 @@
       </p:sp>
       <p:sp>
         <p:nvSpPr>
-          <p:cNvPr name="AutoShape 25" id="25"/>
+          <p:cNvPr id="25" name="AutoShape 25"/>
           <p:cNvSpPr/>
           <p:nvPr/>
         </p:nvSpPr>
         <p:spPr>
-          <a:xfrm flipV="true">
+          <a:xfrm flipV="1">
             <a:off x="5940839" y="3544549"/>
             <a:ext cx="0" cy="6492240"/>
           </a:xfrm>
           <a:prstGeom prst="line">
             <a:avLst/>
           </a:prstGeom>
-          <a:ln cap="flat" w="38100">
+          <a:ln w="38100" cap="flat">
             <a:solidFill>
               <a:srgbClr val="D9D9D9"/>
             </a:solidFill>
             <a:prstDash val="solid"/>
-            <a:headEnd type="none" len="sm" w="sm"/>
-            <a:tailEnd type="none" len="sm" w="sm"/>
+            <a:headEnd type="none" w="sm" len="sm"/>
+            <a:tailEnd type="none" w="sm" len="sm"/>
           </a:ln>
         </p:spPr>
-      </p:sp>
-      <p:sp>
-        <p:nvSpPr>
-          <p:cNvPr name="TextBox 26" id="26"/>
-          <p:cNvSpPr txBox="true"/>
+        <p:txBody>
+          <a:bodyPr/>
+          <a:lstStyle/>
+          <a:p>
+            <a:endParaRPr lang="es-419"/>
+          </a:p>
+        </p:txBody>
+      </p:sp>
+      <p:sp>
+        <p:nvSpPr>
+          <p:cNvPr id="26" name="TextBox 26"/>
+          <p:cNvSpPr txBox="1"/>
           <p:nvPr/>
         </p:nvSpPr>
         <p:spPr>
-          <a:xfrm rot="0">
+          <a:xfrm>
             <a:off x="14656160" y="6371291"/>
             <a:ext cx="886569" cy="464818"/>
           </a:xfrm>
@@ -13917,7 +14672,7 @@
           </a:prstGeom>
         </p:spPr>
         <p:txBody>
-          <a:bodyPr anchor="t" rtlCol="false" tIns="0" lIns="0" bIns="0" rIns="0">
+          <a:bodyPr lIns="0" tIns="0" rIns="0" bIns="0" rtlCol="0" anchor="t">
             <a:spAutoFit/>
           </a:bodyPr>
           <a:lstStyle/>
@@ -13928,7 +14683,7 @@
               </a:lnSpc>
             </a:pPr>
             <a:r>
-              <a:rPr lang="en-US" b="true" sz="2700" i="true" u="sng">
+              <a:rPr lang="en-US" sz="2700" b="1" i="1" u="sng">
                 <a:solidFill>
                   <a:srgbClr val="000000"/>
                 </a:solidFill>
@@ -13944,12 +14699,12 @@
       </p:sp>
       <p:sp>
         <p:nvSpPr>
-          <p:cNvPr name="TextBox 27" id="27"/>
-          <p:cNvSpPr txBox="true"/>
+          <p:cNvPr id="27" name="TextBox 27"/>
+          <p:cNvSpPr txBox="1"/>
           <p:nvPr/>
         </p:nvSpPr>
         <p:spPr>
-          <a:xfrm rot="0">
+          <a:xfrm>
             <a:off x="15650528" y="6413836"/>
             <a:ext cx="1367730" cy="389253"/>
           </a:xfrm>
@@ -13958,12 +14713,12 @@
           </a:prstGeom>
         </p:spPr>
         <p:txBody>
-          <a:bodyPr anchor="t" rtlCol="false" tIns="0" lIns="0" bIns="0" rIns="0">
+          <a:bodyPr lIns="0" tIns="0" rIns="0" bIns="0" rtlCol="0" anchor="t">
             <a:spAutoFit/>
           </a:bodyPr>
           <a:lstStyle/>
           <a:p>
-            <a:pPr algn="just" marL="496585" indent="-248293" lvl="1">
+            <a:pPr marL="496585" lvl="1" indent="-248293" algn="just">
               <a:lnSpc>
                 <a:spcPts val="3220"/>
               </a:lnSpc>
@@ -13971,7 +14726,7 @@
               <a:buChar char="•"/>
             </a:pPr>
             <a:r>
-              <a:rPr lang="en-US" b="true" sz="2300">
+              <a:rPr lang="en-US" sz="2300" b="1">
                 <a:solidFill>
                   <a:srgbClr val="000000"/>
                 </a:solidFill>
@@ -13994,7 +14749,7 @@
 </file>
 
 <file path=ppt/slides/slide8.xml><?xml version="1.0" encoding="utf-8"?>
-<p:sld xmlns:p="http://schemas.openxmlformats.org/presentationml/2006/main" xmlns:a="http://schemas.openxmlformats.org/drawingml/2006/main" xmlns:r="http://schemas.openxmlformats.org/officeDocument/2006/relationships">
+<p:sld xmlns:a="http://schemas.openxmlformats.org/drawingml/2006/main" xmlns:r="http://schemas.openxmlformats.org/officeDocument/2006/relationships" xmlns:p="http://schemas.openxmlformats.org/presentationml/2006/main">
   <p:cSld>
     <p:spTree>
       <p:nvGrpSpPr>
@@ -14012,7 +14767,7 @@
       </p:grpSpPr>
       <p:sp>
         <p:nvSpPr>
-          <p:cNvPr name="AutoShape 2" id="2"/>
+          <p:cNvPr id="2" name="AutoShape 2"/>
           <p:cNvSpPr/>
           <p:nvPr/>
         </p:nvSpPr>
@@ -14024,24 +14779,31 @@
           <a:prstGeom prst="line">
             <a:avLst/>
           </a:prstGeom>
-          <a:ln cap="flat" w="9525">
+          <a:ln w="9525" cap="flat">
             <a:solidFill>
               <a:srgbClr val="A6A6A6"/>
             </a:solidFill>
             <a:prstDash val="solid"/>
-            <a:headEnd type="none" len="sm" w="sm"/>
-            <a:tailEnd type="none" len="sm" w="sm"/>
+            <a:headEnd type="none" w="sm" len="sm"/>
+            <a:tailEnd type="none" w="sm" len="sm"/>
           </a:ln>
         </p:spPr>
+        <p:txBody>
+          <a:bodyPr/>
+          <a:lstStyle/>
+          <a:p>
+            <a:endParaRPr lang="es-419"/>
+          </a:p>
+        </p:txBody>
       </p:sp>
       <p:grpSp>
         <p:nvGrpSpPr>
-          <p:cNvPr name="Group 3" id="3"/>
+          <p:cNvPr id="3" name="Group 3"/>
           <p:cNvGrpSpPr/>
           <p:nvPr/>
         </p:nvGrpSpPr>
         <p:grpSpPr>
-          <a:xfrm rot="0">
+          <a:xfrm>
             <a:off x="27" y="696725"/>
             <a:ext cx="9313954" cy="2106503"/>
             <a:chOff x="0" y="0"/>
@@ -14050,12 +14812,12 @@
         </p:grpSpPr>
         <p:sp>
           <p:nvSpPr>
-            <p:cNvPr name="Freeform 4" id="4"/>
+            <p:cNvPr id="4" name="Freeform 4"/>
             <p:cNvSpPr/>
             <p:nvPr/>
           </p:nvSpPr>
           <p:spPr>
-            <a:xfrm flipH="false" flipV="false" rot="0">
+            <a:xfrm>
               <a:off x="0" y="0"/>
               <a:ext cx="2453058" cy="554799"/>
             </a:xfrm>
@@ -14064,9 +14826,9 @@
               <a:gdLst/>
               <a:ahLst/>
               <a:cxnLst/>
-              <a:rect r="r" b="b" t="t" l="l"/>
+              <a:rect l="l" t="t" r="r" b="b"/>
               <a:pathLst>
-                <a:path h="554799" w="2453058">
+                <a:path w="2453058" h="554799">
                   <a:moveTo>
                     <a:pt x="2249858" y="0"/>
                   </a:moveTo>
@@ -14095,11 +14857,18 @@
               </a:srgbClr>
             </a:solidFill>
           </p:spPr>
+          <p:txBody>
+            <a:bodyPr/>
+            <a:lstStyle/>
+            <a:p>
+              <a:endParaRPr lang="es-419"/>
+            </a:p>
+          </p:txBody>
         </p:sp>
         <p:sp>
           <p:nvSpPr>
-            <p:cNvPr name="TextBox 5" id="5"/>
-            <p:cNvSpPr txBox="true"/>
+            <p:cNvPr id="5" name="TextBox 5"/>
+            <p:cNvSpPr txBox="1"/>
             <p:nvPr/>
           </p:nvSpPr>
           <p:spPr>
@@ -14112,7 +14881,7 @@
             </a:prstGeom>
           </p:spPr>
           <p:txBody>
-            <a:bodyPr anchor="ctr" rtlCol="false" tIns="50800" lIns="50800" bIns="50800" rIns="50800"/>
+            <a:bodyPr lIns="50800" tIns="50800" rIns="50800" bIns="50800" rtlCol="0" anchor="ctr"/>
             <a:lstStyle/>
             <a:p>
               <a:pPr algn="ctr">
@@ -14120,18 +14889,19 @@
                   <a:spcPts val="3624"/>
                 </a:lnSpc>
               </a:pPr>
+              <a:endParaRPr/>
             </a:p>
           </p:txBody>
         </p:sp>
       </p:grpSp>
       <p:sp>
         <p:nvSpPr>
-          <p:cNvPr name="Freeform 6" id="6"/>
+          <p:cNvPr id="6" name="Freeform 6"/>
           <p:cNvSpPr/>
           <p:nvPr/>
         </p:nvSpPr>
         <p:spPr>
-          <a:xfrm flipH="false" flipV="false" rot="0">
+          <a:xfrm>
             <a:off x="7353965" y="2105167"/>
             <a:ext cx="10934035" cy="8343144"/>
           </a:xfrm>
@@ -14140,9 +14910,9 @@
             <a:gdLst/>
             <a:ahLst/>
             <a:cxnLst/>
-            <a:rect r="r" b="b" t="t" l="l"/>
+            <a:rect l="l" t="t" r="r" b="b"/>
             <a:pathLst>
-              <a:path h="8343144" w="10934035">
+              <a:path w="10934035" h="8343144">
                 <a:moveTo>
                   <a:pt x="0" y="0"/>
                 </a:moveTo>
@@ -14165,19 +14935,26 @@
           <a:blipFill>
             <a:blip r:embed="rId2"/>
             <a:stretch>
-              <a:fillRect l="0" t="0" r="-2740" b="-118936"/>
+              <a:fillRect r="-2740" b="-118936"/>
             </a:stretch>
           </a:blipFill>
         </p:spPr>
-      </p:sp>
-      <p:sp>
-        <p:nvSpPr>
-          <p:cNvPr name="TextBox 7" id="7"/>
-          <p:cNvSpPr txBox="true"/>
+        <p:txBody>
+          <a:bodyPr/>
+          <a:lstStyle/>
+          <a:p>
+            <a:endParaRPr lang="es-419"/>
+          </a:p>
+        </p:txBody>
+      </p:sp>
+      <p:sp>
+        <p:nvSpPr>
+          <p:cNvPr id="7" name="TextBox 7"/>
+          <p:cNvSpPr txBox="1"/>
           <p:nvPr/>
         </p:nvSpPr>
         <p:spPr>
-          <a:xfrm rot="0">
+          <a:xfrm>
             <a:off x="579378" y="1066800"/>
             <a:ext cx="13103867" cy="1174750"/>
           </a:xfrm>
@@ -14186,7 +14963,7 @@
           </a:prstGeom>
         </p:spPr>
         <p:txBody>
-          <a:bodyPr anchor="t" rtlCol="false" tIns="0" lIns="0" bIns="0" rIns="0">
+          <a:bodyPr lIns="0" tIns="0" rIns="0" bIns="0" rtlCol="0" anchor="t">
             <a:spAutoFit/>
           </a:bodyPr>
           <a:lstStyle/>
@@ -14220,7 +14997,7 @@
 </file>
 
 <file path=ppt/slides/slide9.xml><?xml version="1.0" encoding="utf-8"?>
-<p:sld xmlns:p="http://schemas.openxmlformats.org/presentationml/2006/main" xmlns:a="http://schemas.openxmlformats.org/drawingml/2006/main" xmlns:r="http://schemas.openxmlformats.org/officeDocument/2006/relationships">
+<p:sld xmlns:a="http://schemas.openxmlformats.org/drawingml/2006/main" xmlns:r="http://schemas.openxmlformats.org/officeDocument/2006/relationships" xmlns:p="http://schemas.openxmlformats.org/presentationml/2006/main">
   <p:cSld>
     <p:spTree>
       <p:nvGrpSpPr>
@@ -14238,7 +15015,7 @@
       </p:grpSpPr>
       <p:sp>
         <p:nvSpPr>
-          <p:cNvPr name="AutoShape 2" id="2"/>
+          <p:cNvPr id="2" name="AutoShape 2"/>
           <p:cNvSpPr/>
           <p:nvPr/>
         </p:nvSpPr>
@@ -14250,24 +15027,31 @@
           <a:prstGeom prst="line">
             <a:avLst/>
           </a:prstGeom>
-          <a:ln cap="flat" w="9525">
+          <a:ln w="9525" cap="flat">
             <a:solidFill>
               <a:srgbClr val="A6A6A6"/>
             </a:solidFill>
             <a:prstDash val="solid"/>
-            <a:headEnd type="none" len="sm" w="sm"/>
-            <a:tailEnd type="none" len="sm" w="sm"/>
+            <a:headEnd type="none" w="sm" len="sm"/>
+            <a:tailEnd type="none" w="sm" len="sm"/>
           </a:ln>
         </p:spPr>
+        <p:txBody>
+          <a:bodyPr/>
+          <a:lstStyle/>
+          <a:p>
+            <a:endParaRPr lang="es-419"/>
+          </a:p>
+        </p:txBody>
       </p:sp>
       <p:grpSp>
         <p:nvGrpSpPr>
-          <p:cNvPr name="Group 3" id="3"/>
+          <p:cNvPr id="3" name="Group 3"/>
           <p:cNvGrpSpPr/>
           <p:nvPr/>
         </p:nvGrpSpPr>
         <p:grpSpPr>
-          <a:xfrm rot="0">
+          <a:xfrm>
             <a:off x="27" y="696725"/>
             <a:ext cx="9313954" cy="2106503"/>
             <a:chOff x="0" y="0"/>
@@ -14276,12 +15060,12 @@
         </p:grpSpPr>
         <p:sp>
           <p:nvSpPr>
-            <p:cNvPr name="Freeform 4" id="4"/>
+            <p:cNvPr id="4" name="Freeform 4"/>
             <p:cNvSpPr/>
             <p:nvPr/>
           </p:nvSpPr>
           <p:spPr>
-            <a:xfrm flipH="false" flipV="false" rot="0">
+            <a:xfrm>
               <a:off x="0" y="0"/>
               <a:ext cx="2453058" cy="554799"/>
             </a:xfrm>
@@ -14290,9 +15074,9 @@
               <a:gdLst/>
               <a:ahLst/>
               <a:cxnLst/>
-              <a:rect r="r" b="b" t="t" l="l"/>
+              <a:rect l="l" t="t" r="r" b="b"/>
               <a:pathLst>
-                <a:path h="554799" w="2453058">
+                <a:path w="2453058" h="554799">
                   <a:moveTo>
                     <a:pt x="2249858" y="0"/>
                   </a:moveTo>
@@ -14321,11 +15105,18 @@
               </a:srgbClr>
             </a:solidFill>
           </p:spPr>
+          <p:txBody>
+            <a:bodyPr/>
+            <a:lstStyle/>
+            <a:p>
+              <a:endParaRPr lang="es-419"/>
+            </a:p>
+          </p:txBody>
         </p:sp>
         <p:sp>
           <p:nvSpPr>
-            <p:cNvPr name="TextBox 5" id="5"/>
-            <p:cNvSpPr txBox="true"/>
+            <p:cNvPr id="5" name="TextBox 5"/>
+            <p:cNvSpPr txBox="1"/>
             <p:nvPr/>
           </p:nvSpPr>
           <p:spPr>
@@ -14338,7 +15129,7 @@
             </a:prstGeom>
           </p:spPr>
           <p:txBody>
-            <a:bodyPr anchor="ctr" rtlCol="false" tIns="50800" lIns="50800" bIns="50800" rIns="50800"/>
+            <a:bodyPr lIns="50800" tIns="50800" rIns="50800" bIns="50800" rtlCol="0" anchor="ctr"/>
             <a:lstStyle/>
             <a:p>
               <a:pPr algn="ctr">
@@ -14346,18 +15137,19 @@
                   <a:spcPts val="3624"/>
                 </a:lnSpc>
               </a:pPr>
+              <a:endParaRPr/>
             </a:p>
           </p:txBody>
         </p:sp>
       </p:grpSp>
       <p:sp>
         <p:nvSpPr>
-          <p:cNvPr name="Freeform 6" id="6"/>
+          <p:cNvPr id="6" name="Freeform 6"/>
           <p:cNvSpPr/>
           <p:nvPr/>
         </p:nvSpPr>
         <p:spPr>
-          <a:xfrm flipH="false" flipV="false" rot="0">
+          <a:xfrm>
             <a:off x="5236800" y="3038748"/>
             <a:ext cx="13051200" cy="7248252"/>
           </a:xfrm>
@@ -14366,9 +15158,9 @@
             <a:gdLst/>
             <a:ahLst/>
             <a:cxnLst/>
-            <a:rect r="r" b="b" t="t" l="l"/>
+            <a:rect l="l" t="t" r="r" b="b"/>
             <a:pathLst>
-              <a:path h="7248252" w="13051200">
+              <a:path w="13051200" h="7248252">
                 <a:moveTo>
                   <a:pt x="0" y="0"/>
                 </a:moveTo>
@@ -14391,19 +15183,26 @@
           <a:blipFill>
             <a:blip r:embed="rId2"/>
             <a:stretch>
-              <a:fillRect l="0" t="-134189" r="-2511" b="-65945"/>
+              <a:fillRect t="-134189" r="-2511" b="-65945"/>
             </a:stretch>
           </a:blipFill>
         </p:spPr>
-      </p:sp>
-      <p:sp>
-        <p:nvSpPr>
-          <p:cNvPr name="TextBox 7" id="7"/>
-          <p:cNvSpPr txBox="true"/>
+        <p:txBody>
+          <a:bodyPr/>
+          <a:lstStyle/>
+          <a:p>
+            <a:endParaRPr lang="es-419"/>
+          </a:p>
+        </p:txBody>
+      </p:sp>
+      <p:sp>
+        <p:nvSpPr>
+          <p:cNvPr id="7" name="TextBox 7"/>
+          <p:cNvSpPr txBox="1"/>
           <p:nvPr/>
         </p:nvSpPr>
         <p:spPr>
-          <a:xfrm rot="0">
+          <a:xfrm>
             <a:off x="579378" y="1066800"/>
             <a:ext cx="13103867" cy="1174750"/>
           </a:xfrm>
@@ -14412,7 +15211,7 @@
           </a:prstGeom>
         </p:spPr>
         <p:txBody>
-          <a:bodyPr anchor="t" rtlCol="false" tIns="0" lIns="0" bIns="0" rIns="0">
+          <a:bodyPr lIns="0" tIns="0" rIns="0" bIns="0" rtlCol="0" anchor="t">
             <a:spAutoFit/>
           </a:bodyPr>
           <a:lstStyle/>
